--- a/Arithmetic coding.pptx
+++ b/Arithmetic coding.pptx
@@ -5,20 +5,21 @@
     <p:sldMasterId id="2147483648" r:id="rId1"/>
   </p:sldMasterIdLst>
   <p:notesMasterIdLst>
-    <p:notesMasterId r:id="rId13"/>
+    <p:notesMasterId r:id="rId14"/>
   </p:notesMasterIdLst>
   <p:sldIdLst>
     <p:sldId id="256" r:id="rId2"/>
-    <p:sldId id="257" r:id="rId3"/>
-    <p:sldId id="265" r:id="rId4"/>
-    <p:sldId id="267" r:id="rId5"/>
-    <p:sldId id="261" r:id="rId6"/>
-    <p:sldId id="262" r:id="rId7"/>
-    <p:sldId id="263" r:id="rId8"/>
-    <p:sldId id="268" r:id="rId9"/>
-    <p:sldId id="259" r:id="rId10"/>
-    <p:sldId id="260" r:id="rId11"/>
-    <p:sldId id="264" r:id="rId12"/>
+    <p:sldId id="270" r:id="rId3"/>
+    <p:sldId id="257" r:id="rId4"/>
+    <p:sldId id="265" r:id="rId5"/>
+    <p:sldId id="267" r:id="rId6"/>
+    <p:sldId id="261" r:id="rId7"/>
+    <p:sldId id="262" r:id="rId8"/>
+    <p:sldId id="263" r:id="rId9"/>
+    <p:sldId id="269" r:id="rId10"/>
+    <p:sldId id="271" r:id="rId11"/>
+    <p:sldId id="259" r:id="rId12"/>
+    <p:sldId id="264" r:id="rId13"/>
   </p:sldIdLst>
   <p:sldSz cx="12192000" cy="6858000"/>
   <p:notesSz cx="6858000" cy="9144000"/>
@@ -207,7 +208,7 @@
           <a:p>
             <a:fld id="{8E70C1D3-588A-4E60-9BD9-66B3A55786C6}" type="datetimeFigureOut">
               <a:rPr lang="ru-RU" smtClean="0"/>
-              <a:t>13.02.2023</a:t>
+              <a:t>14.02.2023</a:t>
             </a:fld>
             <a:endParaRPr lang="ru-RU"/>
           </a:p>
@@ -621,7 +622,7 @@
           <a:p>
             <a:fld id="{CF4183FA-32D4-43F2-810F-46A7FF58BB99}" type="datetime1">
               <a:rPr lang="ru-RU" smtClean="0"/>
-              <a:t>13.02.2023</a:t>
+              <a:t>14.02.2023</a:t>
             </a:fld>
             <a:endParaRPr lang="ru-RU"/>
           </a:p>
@@ -822,7 +823,7 @@
           <a:p>
             <a:fld id="{574A9A59-74BC-4860-86AB-C21CCFBB7479}" type="datetime1">
               <a:rPr lang="ru-RU" smtClean="0"/>
-              <a:t>13.02.2023</a:t>
+              <a:t>14.02.2023</a:t>
             </a:fld>
             <a:endParaRPr lang="ru-RU"/>
           </a:p>
@@ -1033,7 +1034,7 @@
           <a:p>
             <a:fld id="{2302E20F-F293-47C5-B2E4-CD8823709F33}" type="datetime1">
               <a:rPr lang="ru-RU" smtClean="0"/>
-              <a:t>13.02.2023</a:t>
+              <a:t>14.02.2023</a:t>
             </a:fld>
             <a:endParaRPr lang="ru-RU"/>
           </a:p>
@@ -1234,7 +1235,7 @@
           <a:p>
             <a:fld id="{F0BAEF8A-E006-4439-B005-1D4CC8C4EBBD}" type="datetime1">
               <a:rPr lang="ru-RU" smtClean="0"/>
-              <a:t>13.02.2023</a:t>
+              <a:t>14.02.2023</a:t>
             </a:fld>
             <a:endParaRPr lang="ru-RU"/>
           </a:p>
@@ -1512,7 +1513,7 @@
           <a:p>
             <a:fld id="{464E9549-9E36-4C4A-9F04-469E26EA9E8F}" type="datetime1">
               <a:rPr lang="ru-RU" smtClean="0"/>
-              <a:t>13.02.2023</a:t>
+              <a:t>14.02.2023</a:t>
             </a:fld>
             <a:endParaRPr lang="ru-RU"/>
           </a:p>
@@ -1780,7 +1781,7 @@
           <a:p>
             <a:fld id="{30F37EE5-791A-47A8-BE7A-EC2BF0B61F49}" type="datetime1">
               <a:rPr lang="ru-RU" smtClean="0"/>
-              <a:t>13.02.2023</a:t>
+              <a:t>14.02.2023</a:t>
             </a:fld>
             <a:endParaRPr lang="ru-RU"/>
           </a:p>
@@ -2195,7 +2196,7 @@
           <a:p>
             <a:fld id="{5D64C7FE-33C9-46C0-97D4-9F2A96FC0FC2}" type="datetime1">
               <a:rPr lang="ru-RU" smtClean="0"/>
-              <a:t>13.02.2023</a:t>
+              <a:t>14.02.2023</a:t>
             </a:fld>
             <a:endParaRPr lang="ru-RU"/>
           </a:p>
@@ -2339,7 +2340,7 @@
           <a:p>
             <a:fld id="{39F05BB0-C8D5-486B-9E42-1327430A3597}" type="datetime1">
               <a:rPr lang="ru-RU" smtClean="0"/>
-              <a:t>13.02.2023</a:t>
+              <a:t>14.02.2023</a:t>
             </a:fld>
             <a:endParaRPr lang="ru-RU"/>
           </a:p>
@@ -2455,7 +2456,7 @@
           <a:p>
             <a:fld id="{B0B7B92A-6F46-4B8B-A6F4-AEFEFB4B6724}" type="datetime1">
               <a:rPr lang="ru-RU" smtClean="0"/>
-              <a:t>13.02.2023</a:t>
+              <a:t>14.02.2023</a:t>
             </a:fld>
             <a:endParaRPr lang="ru-RU"/>
           </a:p>
@@ -2769,7 +2770,7 @@
           <a:p>
             <a:fld id="{13A7555B-F7E2-4DBB-81BB-DB70C187E63F}" type="datetime1">
               <a:rPr lang="ru-RU" smtClean="0"/>
-              <a:t>13.02.2023</a:t>
+              <a:t>14.02.2023</a:t>
             </a:fld>
             <a:endParaRPr lang="ru-RU"/>
           </a:p>
@@ -3060,7 +3061,7 @@
           <a:p>
             <a:fld id="{4BF25E0F-28FC-4593-8597-73F3C8FC918B}" type="datetime1">
               <a:rPr lang="ru-RU" smtClean="0"/>
-              <a:t>13.02.2023</a:t>
+              <a:t>14.02.2023</a:t>
             </a:fld>
             <a:endParaRPr lang="ru-RU"/>
           </a:p>
@@ -3304,7 +3305,7 @@
           <a:p>
             <a:fld id="{9B419F9D-54C3-42C1-B861-02EABA567DF8}" type="datetime1">
               <a:rPr lang="ru-RU" smtClean="0"/>
-              <a:t>13.02.2023</a:t>
+              <a:t>14.02.2023</a:t>
             </a:fld>
             <a:endParaRPr lang="ru-RU"/>
           </a:p>
@@ -3748,13 +3749,11 @@
           <a:p>
             <a:r>
               <a:rPr lang="en-US" dirty="0">
-                <a:latin typeface="Times New Roman" panose="02020603050405020304" pitchFamily="18" charset="0"/>
                 <a:cs typeface="Times New Roman" panose="02020603050405020304" pitchFamily="18" charset="0"/>
               </a:rPr>
               <a:t>Arithmetic coding</a:t>
             </a:r>
             <a:endParaRPr lang="ru-RU" dirty="0">
-              <a:latin typeface="Times New Roman" panose="02020603050405020304" pitchFamily="18" charset="0"/>
               <a:cs typeface="Times New Roman" panose="02020603050405020304" pitchFamily="18" charset="0"/>
             </a:endParaRPr>
           </a:p>
@@ -3791,13 +3790,13 @@
             <a:pPr algn="r"/>
             <a:r>
               <a:rPr lang="ru-RU" dirty="0">
-                <a:latin typeface="Times New Roman" panose="02020603050405020304" pitchFamily="18" charset="0"/>
+                <a:latin typeface="+mj-lt"/>
                 <a:cs typeface="Times New Roman" panose="02020603050405020304" pitchFamily="18" charset="0"/>
               </a:rPr>
               <a:t>Студентка 2 курса</a:t>
             </a:r>
             <a:endParaRPr lang="en-US" dirty="0">
-              <a:latin typeface="Times New Roman" panose="02020603050405020304" pitchFamily="18" charset="0"/>
+              <a:latin typeface="+mj-lt"/>
               <a:cs typeface="Times New Roman" panose="02020603050405020304" pitchFamily="18" charset="0"/>
             </a:endParaRPr>
           </a:p>
@@ -3805,7 +3804,7 @@
             <a:pPr algn="r"/>
             <a:r>
               <a:rPr lang="ru-RU" dirty="0">
-                <a:latin typeface="Times New Roman" panose="02020603050405020304" pitchFamily="18" charset="0"/>
+                <a:latin typeface="+mj-lt"/>
                 <a:cs typeface="Times New Roman" panose="02020603050405020304" pitchFamily="18" charset="0"/>
               </a:rPr>
               <a:t>Безрукова Анастасия Леонидовна</a:t>
@@ -3815,7 +3814,7 @@
             <a:pPr algn="r"/>
             <a:r>
               <a:rPr lang="ru-RU" dirty="0">
-                <a:latin typeface="Times New Roman" panose="02020603050405020304" pitchFamily="18" charset="0"/>
+                <a:latin typeface="+mj-lt"/>
                 <a:cs typeface="Times New Roman" panose="02020603050405020304" pitchFamily="18" charset="0"/>
               </a:rPr>
               <a:t>Б9121-09.03.03 ПИКД</a:t>
@@ -3969,7 +3968,7 @@
           <a:p>
             <a:r>
               <a:rPr lang="ru-RU" dirty="0">
-                <a:latin typeface="Times New Roman" panose="02020603050405020304" pitchFamily="18" charset="0"/>
+                <a:latin typeface="+mj-lt"/>
                 <a:cs typeface="Times New Roman" panose="02020603050405020304" pitchFamily="18" charset="0"/>
               </a:rPr>
               <a:t>2023</a:t>
@@ -4015,7 +4014,7 @@
           <p:cNvPr id="2" name="Заголовок 1">
             <a:extLst>
               <a:ext uri="{FF2B5EF4-FFF2-40B4-BE49-F238E27FC236}">
-                <a16:creationId xmlns:a16="http://schemas.microsoft.com/office/drawing/2014/main" id="{9BD7E179-28BD-E04F-5FBD-0F01B9D7FED1}"/>
+                <a16:creationId xmlns:a16="http://schemas.microsoft.com/office/drawing/2014/main" id="{6335129C-37C7-4A76-5CC1-46ECEFE07725}"/>
               </a:ext>
             </a:extLst>
           </p:cNvPr>
@@ -4033,20 +4032,533 @@
           <a:p>
             <a:r>
               <a:rPr lang="ru-RU" dirty="0">
-                <a:latin typeface="Times New Roman" panose="02020603050405020304" pitchFamily="18" charset="0"/>
-                <a:cs typeface="Times New Roman" panose="02020603050405020304" pitchFamily="18" charset="0"/>
-              </a:rPr>
-              <a:t>Производительность декодирования</a:t>
-            </a:r>
+                <a:cs typeface="Times New Roman" panose="02020603050405020304" pitchFamily="18" charset="0"/>
+              </a:rPr>
+              <a:t>Реализация</a:t>
+            </a:r>
+            <a:endParaRPr lang="ru-RU" dirty="0"/>
+          </a:p>
+        </p:txBody>
+      </p:sp>
+      <p:sp>
+        <p:nvSpPr>
+          <p:cNvPr id="3" name="Объект 2">
+            <a:extLst>
+              <a:ext uri="{FF2B5EF4-FFF2-40B4-BE49-F238E27FC236}">
+                <a16:creationId xmlns:a16="http://schemas.microsoft.com/office/drawing/2014/main" id="{AF8C58FD-0323-D2AB-6B90-FAC24DC169BA}"/>
+              </a:ext>
+            </a:extLst>
+          </p:cNvPr>
+          <p:cNvSpPr>
+            <a:spLocks noGrp="1"/>
+          </p:cNvSpPr>
+          <p:nvPr>
+            <p:ph idx="1"/>
+          </p:nvPr>
+        </p:nvSpPr>
+        <p:spPr>
+          <a:xfrm>
+            <a:off x="831715" y="1694191"/>
+            <a:ext cx="10416702" cy="4572002"/>
+          </a:xfrm>
+        </p:spPr>
+        <p:txBody>
+          <a:bodyPr>
+            <a:normAutofit/>
+          </a:bodyPr>
+          <a:lstStyle/>
+          <a:p>
+            <a:pPr marL="457200" indent="0">
+              <a:lnSpc>
+                <a:spcPct val="130000"/>
+              </a:lnSpc>
+              <a:spcBef>
+                <a:spcPts val="0"/>
+              </a:spcBef>
+              <a:spcAft>
+                <a:spcPts val="600"/>
+              </a:spcAft>
+              <a:buNone/>
+            </a:pPr>
+            <a:r>
+              <a:rPr lang="ru-RU" sz="1800" dirty="0">
+                <a:solidFill>
+                  <a:srgbClr val="000000"/>
+                </a:solidFill>
+                <a:effectLst/>
+                <a:latin typeface="+mj-lt"/>
+                <a:ea typeface="Times New Roman" panose="02020603050405020304" pitchFamily="18" charset="0"/>
+              </a:rPr>
+              <a:t>Реализация алгоритма состоит из 4 функций (</a:t>
+            </a:r>
+            <a:r>
+              <a:rPr lang="ru-RU" sz="1800" b="1" i="1" dirty="0">
+                <a:solidFill>
+                  <a:srgbClr val="000000"/>
+                </a:solidFill>
+                <a:effectLst/>
+                <a:latin typeface="+mj-lt"/>
+                <a:ea typeface="Calibri" panose="020F0502020204030204" pitchFamily="34" charset="0"/>
+              </a:rPr>
+              <a:t>get_number (), get_code (), coding (), </a:t>
+            </a:r>
+            <a:r>
+              <a:rPr lang="en-US" sz="1800" b="1" i="1" dirty="0">
+                <a:solidFill>
+                  <a:srgbClr val="000000"/>
+                </a:solidFill>
+                <a:effectLst/>
+                <a:latin typeface="+mj-lt"/>
+                <a:ea typeface="Calibri" panose="020F0502020204030204" pitchFamily="34" charset="0"/>
+              </a:rPr>
+              <a:t>decoding</a:t>
+            </a:r>
+            <a:r>
+              <a:rPr lang="ru-RU" sz="1800" b="1" i="1" dirty="0">
+                <a:solidFill>
+                  <a:srgbClr val="000000"/>
+                </a:solidFill>
+                <a:effectLst/>
+                <a:latin typeface="+mj-lt"/>
+                <a:ea typeface="Calibri" panose="020F0502020204030204" pitchFamily="34" charset="0"/>
+              </a:rPr>
+              <a:t> ()</a:t>
+            </a:r>
+            <a:r>
+              <a:rPr lang="ru-RU" sz="1800" dirty="0">
+                <a:solidFill>
+                  <a:srgbClr val="000000"/>
+                </a:solidFill>
+                <a:effectLst/>
+                <a:latin typeface="+mj-lt"/>
+                <a:ea typeface="Times New Roman" panose="02020603050405020304" pitchFamily="18" charset="0"/>
+              </a:rPr>
+              <a:t>), а также главной функции </a:t>
+            </a:r>
+            <a:r>
+              <a:rPr lang="en-US" sz="1800" b="1" i="1" dirty="0">
+                <a:solidFill>
+                  <a:srgbClr val="000000"/>
+                </a:solidFill>
+                <a:effectLst/>
+                <a:latin typeface="+mj-lt"/>
+                <a:ea typeface="Times New Roman" panose="02020603050405020304" pitchFamily="18" charset="0"/>
+              </a:rPr>
+              <a:t>main</a:t>
+            </a:r>
+            <a:r>
+              <a:rPr lang="ru-RU" sz="1800" b="1" i="1" dirty="0">
+                <a:solidFill>
+                  <a:srgbClr val="000000"/>
+                </a:solidFill>
+                <a:effectLst/>
+                <a:latin typeface="+mj-lt"/>
+                <a:ea typeface="Times New Roman" panose="02020603050405020304" pitchFamily="18" charset="0"/>
+              </a:rPr>
+              <a:t> (), </a:t>
+            </a:r>
+            <a:r>
+              <a:rPr lang="ru-RU" sz="1800" dirty="0">
+                <a:solidFill>
+                  <a:srgbClr val="000000"/>
+                </a:solidFill>
+                <a:effectLst/>
+                <a:latin typeface="+mj-lt"/>
+                <a:ea typeface="Times New Roman" panose="02020603050405020304" pitchFamily="18" charset="0"/>
+              </a:rPr>
+              <a:t>где, собственно, и вызываются функции.</a:t>
+            </a:r>
+          </a:p>
+          <a:p>
+            <a:pPr marL="914400" lvl="1" indent="0">
+              <a:lnSpc>
+                <a:spcPct val="130000"/>
+              </a:lnSpc>
+              <a:spcBef>
+                <a:spcPts val="0"/>
+              </a:spcBef>
+              <a:buNone/>
+            </a:pPr>
+            <a:r>
+              <a:rPr lang="en-US" sz="1800" b="1" i="1" dirty="0">
+                <a:solidFill>
+                  <a:srgbClr val="000000"/>
+                </a:solidFill>
+                <a:latin typeface="+mj-lt"/>
+                <a:ea typeface="Times New Roman" panose="02020603050405020304" pitchFamily="18" charset="0"/>
+              </a:rPr>
+              <a:t>get_number () </a:t>
+            </a:r>
+            <a:r>
+              <a:rPr lang="en-US" sz="1800" dirty="0">
+                <a:solidFill>
+                  <a:srgbClr val="000000"/>
+                </a:solidFill>
+                <a:latin typeface="+mj-lt"/>
+                <a:ea typeface="Times New Roman" panose="02020603050405020304" pitchFamily="18" charset="0"/>
+              </a:rPr>
+              <a:t>– </a:t>
+            </a:r>
+            <a:r>
+              <a:rPr lang="ru-RU" sz="1800" dirty="0">
+                <a:solidFill>
+                  <a:srgbClr val="000000"/>
+                </a:solidFill>
+                <a:effectLst/>
+                <a:latin typeface="+mj-lt"/>
+                <a:ea typeface="Calibri" panose="020F0502020204030204" pitchFamily="34" charset="0"/>
+              </a:rPr>
+              <a:t>возвращает символы и их вероятности, которые программа получает на ввод с клавиатуры.</a:t>
+            </a:r>
+            <a:endParaRPr lang="en-US" sz="1800" dirty="0">
+              <a:solidFill>
+                <a:srgbClr val="000000"/>
+              </a:solidFill>
+              <a:effectLst/>
+              <a:latin typeface="+mj-lt"/>
+              <a:ea typeface="Calibri" panose="020F0502020204030204" pitchFamily="34" charset="0"/>
+            </a:endParaRPr>
+          </a:p>
+          <a:p>
+            <a:pPr marL="914400" lvl="1" indent="0">
+              <a:lnSpc>
+                <a:spcPct val="130000"/>
+              </a:lnSpc>
+              <a:spcBef>
+                <a:spcPts val="0"/>
+              </a:spcBef>
+              <a:buNone/>
+            </a:pPr>
+            <a:r>
+              <a:rPr lang="en-US" sz="1800" b="1" i="1" dirty="0">
+                <a:solidFill>
+                  <a:srgbClr val="000000"/>
+                </a:solidFill>
+                <a:effectLst/>
+                <a:latin typeface="+mj-lt"/>
+                <a:ea typeface="Calibri" panose="020F0502020204030204" pitchFamily="34" charset="0"/>
+              </a:rPr>
+              <a:t>get</a:t>
+            </a:r>
+            <a:r>
+              <a:rPr lang="ru-RU" sz="1800" b="1" i="1" dirty="0">
+                <a:solidFill>
+                  <a:srgbClr val="000000"/>
+                </a:solidFill>
+                <a:effectLst/>
+                <a:latin typeface="+mj-lt"/>
+                <a:ea typeface="Calibri" panose="020F0502020204030204" pitchFamily="34" charset="0"/>
+              </a:rPr>
+              <a:t>_</a:t>
+            </a:r>
+            <a:r>
+              <a:rPr lang="en-US" sz="1800" b="1" i="1" dirty="0">
+                <a:solidFill>
+                  <a:srgbClr val="000000"/>
+                </a:solidFill>
+                <a:effectLst/>
+                <a:latin typeface="+mj-lt"/>
+                <a:ea typeface="Calibri" panose="020F0502020204030204" pitchFamily="34" charset="0"/>
+              </a:rPr>
+              <a:t>code</a:t>
+            </a:r>
+            <a:r>
+              <a:rPr lang="ru-RU" sz="1800" b="1" i="1" dirty="0">
+                <a:solidFill>
+                  <a:srgbClr val="000000"/>
+                </a:solidFill>
+                <a:effectLst/>
+                <a:latin typeface="+mj-lt"/>
+                <a:ea typeface="Calibri" panose="020F0502020204030204" pitchFamily="34" charset="0"/>
+              </a:rPr>
+              <a:t> ()</a:t>
+            </a:r>
+            <a:r>
+              <a:rPr lang="ru-RU" sz="1800" dirty="0">
+                <a:solidFill>
+                  <a:srgbClr val="000000"/>
+                </a:solidFill>
+                <a:effectLst/>
+                <a:latin typeface="+mj-lt"/>
+                <a:ea typeface="Calibri" panose="020F0502020204030204" pitchFamily="34" charset="0"/>
+              </a:rPr>
+              <a:t> </a:t>
+            </a:r>
+            <a:r>
+              <a:rPr lang="en-US" sz="1800" dirty="0">
+                <a:solidFill>
+                  <a:srgbClr val="000000"/>
+                </a:solidFill>
+                <a:effectLst/>
+                <a:latin typeface="+mj-lt"/>
+                <a:ea typeface="Calibri" panose="020F0502020204030204" pitchFamily="34" charset="0"/>
+              </a:rPr>
+              <a:t>– </a:t>
+            </a:r>
+            <a:r>
+              <a:rPr lang="ru-RU" sz="1800" dirty="0">
+                <a:solidFill>
+                  <a:srgbClr val="000000"/>
+                </a:solidFill>
+                <a:latin typeface="+mj-lt"/>
+                <a:ea typeface="Calibri" panose="020F0502020204030204" pitchFamily="34" charset="0"/>
+              </a:rPr>
+              <a:t>получает на</a:t>
+            </a:r>
+            <a:r>
+              <a:rPr lang="ru-RU" sz="1800" dirty="0">
+                <a:solidFill>
+                  <a:srgbClr val="000000"/>
+                </a:solidFill>
+                <a:effectLst/>
+                <a:latin typeface="+mj-lt"/>
+                <a:ea typeface="Calibri" panose="020F0502020204030204" pitchFamily="34" charset="0"/>
+              </a:rPr>
+              <a:t> ввод длину кодируемого текста, чтобы программа знала, когда ей остановиться</a:t>
+            </a:r>
+            <a:r>
+              <a:rPr lang="en-US" sz="1800" dirty="0">
+                <a:solidFill>
+                  <a:srgbClr val="000000"/>
+                </a:solidFill>
+                <a:effectLst/>
+                <a:latin typeface="+mj-lt"/>
+                <a:ea typeface="Calibri" panose="020F0502020204030204" pitchFamily="34" charset="0"/>
+              </a:rPr>
+              <a:t> </a:t>
+            </a:r>
+            <a:r>
+              <a:rPr lang="ru-RU" sz="1800" dirty="0">
+                <a:solidFill>
+                  <a:srgbClr val="000000"/>
+                </a:solidFill>
+                <a:effectLst/>
+                <a:latin typeface="+mj-lt"/>
+                <a:ea typeface="Calibri" panose="020F0502020204030204" pitchFamily="34" charset="0"/>
+              </a:rPr>
+              <a:t>и получает на ввод сам текст, который нам нужно закодировать.</a:t>
+            </a:r>
+          </a:p>
+          <a:p>
+            <a:pPr marL="914400" lvl="1" indent="0">
+              <a:lnSpc>
+                <a:spcPct val="130000"/>
+              </a:lnSpc>
+              <a:spcBef>
+                <a:spcPts val="0"/>
+              </a:spcBef>
+              <a:buNone/>
+            </a:pPr>
+            <a:r>
+              <a:rPr lang="en-US" sz="1800" b="1" i="1" dirty="0">
+                <a:solidFill>
+                  <a:srgbClr val="000000"/>
+                </a:solidFill>
+                <a:effectLst/>
+                <a:latin typeface="+mj-lt"/>
+                <a:ea typeface="Calibri" panose="020F0502020204030204" pitchFamily="34" charset="0"/>
+              </a:rPr>
+              <a:t>coding</a:t>
+            </a:r>
+            <a:r>
+              <a:rPr lang="ru-RU" sz="1800" b="1" i="1" dirty="0">
+                <a:solidFill>
+                  <a:srgbClr val="000000"/>
+                </a:solidFill>
+                <a:effectLst/>
+                <a:latin typeface="+mj-lt"/>
+                <a:ea typeface="Calibri" panose="020F0502020204030204" pitchFamily="34" charset="0"/>
+              </a:rPr>
+              <a:t> () </a:t>
+            </a:r>
+            <a:r>
+              <a:rPr lang="ru-RU" sz="1800" b="1" i="1" dirty="0">
+                <a:solidFill>
+                  <a:srgbClr val="000000"/>
+                </a:solidFill>
+                <a:latin typeface="+mj-lt"/>
+                <a:ea typeface="Calibri" panose="020F0502020204030204" pitchFamily="34" charset="0"/>
+              </a:rPr>
+              <a:t>– </a:t>
+            </a:r>
+            <a:r>
+              <a:rPr lang="ru-RU" sz="1800" dirty="0">
+                <a:solidFill>
+                  <a:srgbClr val="000000"/>
+                </a:solidFill>
+                <a:latin typeface="+mj-lt"/>
+                <a:ea typeface="Calibri" panose="020F0502020204030204" pitchFamily="34" charset="0"/>
+              </a:rPr>
+              <a:t>выполняет</a:t>
+            </a:r>
+            <a:r>
+              <a:rPr lang="ru-RU" sz="1800" b="1" i="1" dirty="0">
+                <a:solidFill>
+                  <a:srgbClr val="000000"/>
+                </a:solidFill>
+                <a:latin typeface="+mj-lt"/>
+                <a:ea typeface="Calibri" panose="020F0502020204030204" pitchFamily="34" charset="0"/>
+              </a:rPr>
+              <a:t> </a:t>
+            </a:r>
+            <a:r>
+              <a:rPr lang="ru-RU" sz="1800" dirty="0">
+                <a:solidFill>
+                  <a:srgbClr val="000000"/>
+                </a:solidFill>
+                <a:effectLst/>
+                <a:latin typeface="+mj-lt"/>
+                <a:ea typeface="Calibri" panose="020F0502020204030204" pitchFamily="34" charset="0"/>
+              </a:rPr>
+              <a:t>само кодирование текста, который введён. </a:t>
+            </a:r>
+          </a:p>
+          <a:p>
+            <a:pPr marL="914400" lvl="1" indent="0">
+              <a:lnSpc>
+                <a:spcPct val="130000"/>
+              </a:lnSpc>
+              <a:spcBef>
+                <a:spcPts val="0"/>
+              </a:spcBef>
+              <a:buNone/>
+            </a:pPr>
+            <a:r>
+              <a:rPr lang="en-US" sz="1800" b="1" i="1" dirty="0">
+                <a:solidFill>
+                  <a:srgbClr val="000000"/>
+                </a:solidFill>
+                <a:effectLst/>
+                <a:latin typeface="+mj-lt"/>
+                <a:ea typeface="Calibri" panose="020F0502020204030204" pitchFamily="34" charset="0"/>
+              </a:rPr>
+              <a:t>decoding</a:t>
+            </a:r>
+            <a:r>
+              <a:rPr lang="ru-RU" sz="1800" b="1" i="1" dirty="0">
+                <a:solidFill>
+                  <a:srgbClr val="000000"/>
+                </a:solidFill>
+                <a:effectLst/>
+                <a:latin typeface="+mj-lt"/>
+                <a:ea typeface="Calibri" panose="020F0502020204030204" pitchFamily="34" charset="0"/>
+              </a:rPr>
+              <a:t> () – </a:t>
+            </a:r>
+            <a:r>
+              <a:rPr lang="ru-RU" sz="1800" dirty="0">
+                <a:solidFill>
+                  <a:srgbClr val="000000"/>
+                </a:solidFill>
+                <a:effectLst/>
+                <a:latin typeface="+mj-lt"/>
+                <a:ea typeface="Calibri" panose="020F0502020204030204" pitchFamily="34" charset="0"/>
+              </a:rPr>
+              <a:t>выполняет декодирование нашего сообщения. </a:t>
+            </a:r>
+          </a:p>
+          <a:p>
+            <a:pPr marL="914400" lvl="1" indent="0">
+              <a:lnSpc>
+                <a:spcPct val="130000"/>
+              </a:lnSpc>
+              <a:spcBef>
+                <a:spcPts val="0"/>
+              </a:spcBef>
+              <a:buNone/>
+            </a:pPr>
+            <a:r>
+              <a:rPr lang="en-US" sz="1800" b="1" i="1" dirty="0">
+                <a:solidFill>
+                  <a:srgbClr val="000000"/>
+                </a:solidFill>
+                <a:effectLst/>
+                <a:latin typeface="+mj-lt"/>
+                <a:ea typeface="Calibri" panose="020F0502020204030204" pitchFamily="34" charset="0"/>
+              </a:rPr>
+              <a:t>main</a:t>
+            </a:r>
+            <a:r>
+              <a:rPr lang="ru-RU" sz="1800" b="1" i="1" dirty="0">
+                <a:solidFill>
+                  <a:srgbClr val="000000"/>
+                </a:solidFill>
+                <a:effectLst/>
+                <a:latin typeface="+mj-lt"/>
+                <a:ea typeface="Calibri" panose="020F0502020204030204" pitchFamily="34" charset="0"/>
+              </a:rPr>
+              <a:t> ()</a:t>
+            </a:r>
+            <a:r>
+              <a:rPr lang="ru-RU" sz="1800" b="1" i="1" dirty="0">
+                <a:solidFill>
+                  <a:srgbClr val="000000"/>
+                </a:solidFill>
+                <a:latin typeface="+mj-lt"/>
+                <a:ea typeface="Calibri" panose="020F0502020204030204" pitchFamily="34" charset="0"/>
+              </a:rPr>
+              <a:t> – </a:t>
+            </a:r>
+            <a:r>
+              <a:rPr lang="ru-RU" sz="1800" dirty="0">
+                <a:solidFill>
+                  <a:srgbClr val="000000"/>
+                </a:solidFill>
+                <a:effectLst/>
+                <a:latin typeface="+mj-lt"/>
+                <a:ea typeface="Calibri" panose="020F0502020204030204" pitchFamily="34" charset="0"/>
+              </a:rPr>
+              <a:t>отвечает за вызов всех функций.</a:t>
+            </a:r>
+            <a:endParaRPr lang="ru-RU" sz="1800" dirty="0">
+              <a:effectLst/>
+              <a:latin typeface="+mj-lt"/>
+              <a:ea typeface="Times New Roman" panose="02020603050405020304" pitchFamily="18" charset="0"/>
+            </a:endParaRPr>
+          </a:p>
+          <a:p>
+            <a:pPr marL="914400" lvl="1" indent="0">
+              <a:lnSpc>
+                <a:spcPct val="130000"/>
+              </a:lnSpc>
+              <a:spcBef>
+                <a:spcPts val="0"/>
+              </a:spcBef>
+              <a:buNone/>
+            </a:pPr>
+            <a:endParaRPr lang="ru-RU" sz="1600" dirty="0">
+              <a:effectLst/>
+              <a:latin typeface="Times New Roman" panose="02020603050405020304" pitchFamily="18" charset="0"/>
+              <a:ea typeface="Times New Roman" panose="02020603050405020304" pitchFamily="18" charset="0"/>
+            </a:endParaRPr>
+          </a:p>
+          <a:p>
+            <a:pPr marL="457200" indent="0">
+              <a:lnSpc>
+                <a:spcPct val="130000"/>
+              </a:lnSpc>
+              <a:spcBef>
+                <a:spcPts val="0"/>
+              </a:spcBef>
+              <a:buNone/>
+            </a:pPr>
+            <a:endParaRPr lang="ru-RU" sz="2500" dirty="0">
+              <a:effectLst/>
+              <a:latin typeface="Times New Roman" panose="02020603050405020304" pitchFamily="18" charset="0"/>
+              <a:ea typeface="Times New Roman" panose="02020603050405020304" pitchFamily="18" charset="0"/>
+            </a:endParaRPr>
+          </a:p>
+          <a:p>
+            <a:endParaRPr lang="ru-RU" dirty="0"/>
           </a:p>
         </p:txBody>
       </p:sp>
       <p:pic>
         <p:nvPicPr>
-          <p:cNvPr id="4" name="Рисунок 3" descr="Фигура органическое натуральное угла">
-            <a:extLst>
-              <a:ext uri="{FF2B5EF4-FFF2-40B4-BE49-F238E27FC236}">
-                <a16:creationId xmlns:a16="http://schemas.microsoft.com/office/drawing/2014/main" id="{6E9A1E40-F6F9-5430-2903-8A0E8197E1B6}"/>
+          <p:cNvPr id="5" name="Рисунок 4" descr="Фигура органическое натуральное угла">
+            <a:extLst>
+              <a:ext uri="{FF2B5EF4-FFF2-40B4-BE49-F238E27FC236}">
+                <a16:creationId xmlns:a16="http://schemas.microsoft.com/office/drawing/2014/main" id="{BCE2466C-7CB1-C508-0FF7-91AE21F28D19}"/>
               </a:ext>
             </a:extLst>
           </p:cNvPr>
@@ -4072,7 +4584,7 @@
         </p:blipFill>
         <p:spPr>
           <a:xfrm rot="10800000">
-            <a:off x="7620000" y="2286000"/>
+            <a:off x="7620000" y="2299916"/>
             <a:ext cx="4572000" cy="4572000"/>
           </a:xfrm>
           <a:prstGeom prst="rect">
@@ -4080,46 +4592,12 @@
           </a:prstGeom>
         </p:spPr>
       </p:pic>
-      <p:pic>
-        <p:nvPicPr>
-          <p:cNvPr id="6" name="Объект 5">
-            <a:extLst>
-              <a:ext uri="{FF2B5EF4-FFF2-40B4-BE49-F238E27FC236}">
-                <a16:creationId xmlns:a16="http://schemas.microsoft.com/office/drawing/2014/main" id="{DCC62064-11C3-4C56-8485-22B80FE14073}"/>
-              </a:ext>
-            </a:extLst>
-          </p:cNvPr>
-          <p:cNvPicPr>
-            <a:picLocks noGrp="1" noChangeAspect="1"/>
-          </p:cNvPicPr>
-          <p:nvPr>
-            <p:ph idx="1"/>
-          </p:nvPr>
-        </p:nvPicPr>
-        <p:blipFill>
-          <a:blip r:embed="rId4"/>
-          <a:stretch>
-            <a:fillRect/>
-          </a:stretch>
-        </p:blipFill>
-        <p:spPr>
-          <a:xfrm>
-            <a:off x="2786062" y="2015331"/>
-            <a:ext cx="6619875" cy="3971925"/>
-          </a:xfrm>
-          <a:ln>
-            <a:solidFill>
-              <a:schemeClr val="tx1"/>
-            </a:solidFill>
-          </a:ln>
-        </p:spPr>
-      </p:pic>
-      <p:sp>
-        <p:nvSpPr>
-          <p:cNvPr id="3" name="Номер слайда 2">
-            <a:extLst>
-              <a:ext uri="{FF2B5EF4-FFF2-40B4-BE49-F238E27FC236}">
-                <a16:creationId xmlns:a16="http://schemas.microsoft.com/office/drawing/2014/main" id="{BF2F6981-1E65-AC28-E95C-86B42E75D6F0}"/>
+      <p:sp>
+        <p:nvSpPr>
+          <p:cNvPr id="4" name="Номер слайда 3">
+            <a:extLst>
+              <a:ext uri="{FF2B5EF4-FFF2-40B4-BE49-F238E27FC236}">
+                <a16:creationId xmlns:a16="http://schemas.microsoft.com/office/drawing/2014/main" id="{FD7A0FAF-E21B-A944-D301-5B2103A369D6}"/>
               </a:ext>
             </a:extLst>
           </p:cNvPr>
@@ -4154,7 +4632,7 @@
     </p:spTree>
     <p:extLst>
       <p:ext uri="{BB962C8B-B14F-4D97-AF65-F5344CB8AC3E}">
-        <p14:creationId xmlns:p14="http://schemas.microsoft.com/office/powerpoint/2010/main" val="1085313032"/>
+        <p14:creationId xmlns:p14="http://schemas.microsoft.com/office/powerpoint/2010/main" val="1227665396"/>
       </p:ext>
     </p:extLst>
   </p:cSld>
@@ -4189,7 +4667,7 @@
           <p:cNvPr id="2" name="Заголовок 1">
             <a:extLst>
               <a:ext uri="{FF2B5EF4-FFF2-40B4-BE49-F238E27FC236}">
-                <a16:creationId xmlns:a16="http://schemas.microsoft.com/office/drawing/2014/main" id="{C679B0B8-E860-9FC8-BE0F-85B9D8DC8505}"/>
+                <a16:creationId xmlns:a16="http://schemas.microsoft.com/office/drawing/2014/main" id="{9BD7E179-28BD-E04F-5FBD-0F01B9D7FED1}"/>
               </a:ext>
             </a:extLst>
           </p:cNvPr>
@@ -4207,219 +4685,19 @@
           <a:p>
             <a:r>
               <a:rPr lang="ru-RU" dirty="0">
-                <a:latin typeface="Times New Roman" panose="02020603050405020304" pitchFamily="18" charset="0"/>
-                <a:cs typeface="Times New Roman" panose="02020603050405020304" pitchFamily="18" charset="0"/>
-              </a:rPr>
-              <a:t>Заключение</a:t>
-            </a:r>
-          </a:p>
-        </p:txBody>
-      </p:sp>
-      <p:sp>
-        <p:nvSpPr>
-          <p:cNvPr id="3" name="Объект 2">
-            <a:extLst>
-              <a:ext uri="{FF2B5EF4-FFF2-40B4-BE49-F238E27FC236}">
-                <a16:creationId xmlns:a16="http://schemas.microsoft.com/office/drawing/2014/main" id="{E64F8D0E-1D15-4714-449C-BE35221456EB}"/>
-              </a:ext>
-            </a:extLst>
-          </p:cNvPr>
-          <p:cNvSpPr>
-            <a:spLocks noGrp="1"/>
-          </p:cNvSpPr>
-          <p:nvPr>
-            <p:ph idx="1"/>
-          </p:nvPr>
-        </p:nvSpPr>
-        <p:spPr>
-          <a:xfrm>
-            <a:off x="341280" y="5208147"/>
-            <a:ext cx="6480242" cy="1468775"/>
-          </a:xfrm>
-        </p:spPr>
-        <p:txBody>
-          <a:bodyPr>
-            <a:normAutofit/>
-          </a:bodyPr>
-          <a:lstStyle/>
-          <a:p>
-            <a:r>
-              <a:rPr lang="ru-RU" sz="2000" dirty="0">
-                <a:latin typeface="Times New Roman" panose="02020603050405020304" pitchFamily="18" charset="0"/>
-                <a:cs typeface="Times New Roman" panose="02020603050405020304" pitchFamily="18" charset="0"/>
-              </a:rPr>
-              <a:t>Язык программирования</a:t>
-            </a:r>
-            <a:r>
-              <a:rPr lang="en-US" sz="2000" dirty="0">
-                <a:latin typeface="Times New Roman" panose="02020603050405020304" pitchFamily="18" charset="0"/>
-                <a:cs typeface="Times New Roman" panose="02020603050405020304" pitchFamily="18" charset="0"/>
-              </a:rPr>
-              <a:t>: C++</a:t>
-            </a:r>
-            <a:endParaRPr lang="ru-RU" sz="2000" dirty="0">
-              <a:latin typeface="Times New Roman" panose="02020603050405020304" pitchFamily="18" charset="0"/>
-              <a:cs typeface="Times New Roman" panose="02020603050405020304" pitchFamily="18" charset="0"/>
-            </a:endParaRPr>
-          </a:p>
-          <a:p>
-            <a:r>
-              <a:rPr lang="ru-RU" sz="2000" dirty="0">
-                <a:latin typeface="Times New Roman" panose="02020603050405020304" pitchFamily="18" charset="0"/>
-                <a:cs typeface="Times New Roman" panose="02020603050405020304" pitchFamily="18" charset="0"/>
-              </a:rPr>
-              <a:t>Строк кода</a:t>
-            </a:r>
-            <a:r>
-              <a:rPr lang="en-US" sz="2000" dirty="0">
-                <a:latin typeface="Times New Roman" panose="02020603050405020304" pitchFamily="18" charset="0"/>
-                <a:cs typeface="Times New Roman" panose="02020603050405020304" pitchFamily="18" charset="0"/>
-              </a:rPr>
-              <a:t>: 149</a:t>
-            </a:r>
-          </a:p>
-          <a:p>
-            <a:r>
-              <a:rPr lang="ru-RU" sz="2000" dirty="0">
-                <a:latin typeface="Times New Roman" panose="02020603050405020304" pitchFamily="18" charset="0"/>
-                <a:cs typeface="Times New Roman" panose="02020603050405020304" pitchFamily="18" charset="0"/>
-              </a:rPr>
-              <a:t>Строк кода с учётом измерения времени выполнения</a:t>
-            </a:r>
-            <a:r>
-              <a:rPr lang="en-US" sz="2000" dirty="0">
-                <a:latin typeface="Times New Roman" panose="02020603050405020304" pitchFamily="18" charset="0"/>
-                <a:cs typeface="Times New Roman" panose="02020603050405020304" pitchFamily="18" charset="0"/>
-              </a:rPr>
-              <a:t>:</a:t>
-            </a:r>
-            <a:r>
-              <a:rPr lang="ru-RU" sz="2000" dirty="0">
-                <a:latin typeface="Times New Roman" panose="02020603050405020304" pitchFamily="18" charset="0"/>
-                <a:cs typeface="Times New Roman" panose="02020603050405020304" pitchFamily="18" charset="0"/>
-              </a:rPr>
-              <a:t> 172</a:t>
-            </a:r>
-          </a:p>
-        </p:txBody>
-      </p:sp>
-      <p:sp>
-        <p:nvSpPr>
-          <p:cNvPr id="5" name="TextBox 4">
-            <a:extLst>
-              <a:ext uri="{FF2B5EF4-FFF2-40B4-BE49-F238E27FC236}">
-                <a16:creationId xmlns:a16="http://schemas.microsoft.com/office/drawing/2014/main" id="{95D5E40A-1824-394F-7B05-8BCA0BF13182}"/>
-              </a:ext>
-            </a:extLst>
-          </p:cNvPr>
-          <p:cNvSpPr txBox="1"/>
-          <p:nvPr/>
-        </p:nvSpPr>
-        <p:spPr>
-          <a:xfrm>
-            <a:off x="953311" y="1690688"/>
-            <a:ext cx="10400489" cy="2308324"/>
-          </a:xfrm>
-          <a:prstGeom prst="rect">
-            <a:avLst/>
-          </a:prstGeom>
-          <a:noFill/>
-        </p:spPr>
-        <p:txBody>
-          <a:bodyPr wrap="square" rtlCol="0">
-            <a:spAutoFit/>
-          </a:bodyPr>
-          <a:lstStyle/>
-          <a:p>
-            <a:r>
-              <a:rPr lang="ru-RU" sz="2400" dirty="0">
-                <a:latin typeface="Times New Roman" panose="02020603050405020304" pitchFamily="18" charset="0"/>
-                <a:cs typeface="Times New Roman" panose="02020603050405020304" pitchFamily="18" charset="0"/>
-              </a:rPr>
-              <a:t>Арифметическое кодирование</a:t>
-            </a:r>
-            <a:r>
-              <a:rPr lang="en-US" sz="2400" dirty="0">
-                <a:latin typeface="Times New Roman" panose="02020603050405020304" pitchFamily="18" charset="0"/>
-                <a:cs typeface="Times New Roman" panose="02020603050405020304" pitchFamily="18" charset="0"/>
-              </a:rPr>
-              <a:t>:</a:t>
-            </a:r>
-            <a:endParaRPr lang="ru-RU" sz="2400" dirty="0">
-              <a:latin typeface="Times New Roman" panose="02020603050405020304" pitchFamily="18" charset="0"/>
-              <a:cs typeface="Times New Roman" panose="02020603050405020304" pitchFamily="18" charset="0"/>
-            </a:endParaRPr>
-          </a:p>
-          <a:p>
-            <a:pPr marL="342900" indent="-342900">
-              <a:buFont typeface="Arial" panose="020B0604020202020204" pitchFamily="34" charset="0"/>
-              <a:buChar char="•"/>
-            </a:pPr>
-            <a:endParaRPr lang="ru-RU" sz="2400" dirty="0">
-              <a:latin typeface="Times New Roman" panose="02020603050405020304" pitchFamily="18" charset="0"/>
-              <a:cs typeface="Times New Roman" panose="02020603050405020304" pitchFamily="18" charset="0"/>
-            </a:endParaRPr>
-          </a:p>
-          <a:p>
-            <a:pPr marL="342900" indent="-342900">
-              <a:buFont typeface="Arial" panose="020B0604020202020204" pitchFamily="34" charset="0"/>
-              <a:buChar char="•"/>
-            </a:pPr>
-            <a:r>
-              <a:rPr lang="ru-RU" sz="2400" dirty="0">
-                <a:latin typeface="Times New Roman" panose="02020603050405020304" pitchFamily="18" charset="0"/>
-                <a:cs typeface="Times New Roman" panose="02020603050405020304" pitchFamily="18" charset="0"/>
-              </a:rPr>
-              <a:t>Изучено по литературным и интернет-источникам</a:t>
-            </a:r>
-          </a:p>
-          <a:p>
-            <a:pPr marL="342900" indent="-342900">
-              <a:buFont typeface="Arial" panose="020B0604020202020204" pitchFamily="34" charset="0"/>
-              <a:buChar char="•"/>
-            </a:pPr>
-            <a:r>
-              <a:rPr lang="ru-RU" sz="2400" dirty="0">
-                <a:latin typeface="Times New Roman" panose="02020603050405020304" pitchFamily="18" charset="0"/>
-                <a:cs typeface="Times New Roman" panose="02020603050405020304" pitchFamily="18" charset="0"/>
-              </a:rPr>
-              <a:t>Изложено в научной форме</a:t>
-            </a:r>
-          </a:p>
-          <a:p>
-            <a:pPr marL="342900" indent="-342900">
-              <a:buFont typeface="Arial" panose="020B0604020202020204" pitchFamily="34" charset="0"/>
-              <a:buChar char="•"/>
-            </a:pPr>
-            <a:r>
-              <a:rPr lang="ru-RU" sz="2400" dirty="0">
-                <a:latin typeface="Times New Roman" panose="02020603050405020304" pitchFamily="18" charset="0"/>
-                <a:cs typeface="Times New Roman" panose="02020603050405020304" pitchFamily="18" charset="0"/>
-              </a:rPr>
-              <a:t>Реализован алгоритм</a:t>
-            </a:r>
-          </a:p>
-          <a:p>
-            <a:pPr marL="342900" indent="-342900">
-              <a:buFont typeface="Arial" panose="020B0604020202020204" pitchFamily="34" charset="0"/>
-              <a:buChar char="•"/>
-            </a:pPr>
-            <a:r>
-              <a:rPr lang="ru-RU" sz="2400" dirty="0">
-                <a:latin typeface="Times New Roman" panose="02020603050405020304" pitchFamily="18" charset="0"/>
-                <a:cs typeface="Times New Roman" panose="02020603050405020304" pitchFamily="18" charset="0"/>
-              </a:rPr>
-              <a:t>Проведены тестирование и анализ алгоритма </a:t>
+                <a:cs typeface="Times New Roman" panose="02020603050405020304" pitchFamily="18" charset="0"/>
+              </a:rPr>
+              <a:t>Анализ времени выполнения</a:t>
             </a:r>
           </a:p>
         </p:txBody>
       </p:sp>
       <p:pic>
         <p:nvPicPr>
-          <p:cNvPr id="6" name="Рисунок 5" descr="Фигура органическое натуральное угла">
-            <a:extLst>
-              <a:ext uri="{FF2B5EF4-FFF2-40B4-BE49-F238E27FC236}">
-                <a16:creationId xmlns:a16="http://schemas.microsoft.com/office/drawing/2014/main" id="{1AAB4C30-FB52-9158-1936-0466BD301AF6}"/>
+          <p:cNvPr id="4" name="Рисунок 3" descr="Фигура органическое натуральное угла">
+            <a:extLst>
+              <a:ext uri="{FF2B5EF4-FFF2-40B4-BE49-F238E27FC236}">
+                <a16:creationId xmlns:a16="http://schemas.microsoft.com/office/drawing/2014/main" id="{51BDC4D2-7781-5B6F-755F-99C41E4ABE77}"/>
               </a:ext>
             </a:extLst>
           </p:cNvPr>
@@ -4453,12 +4731,46 @@
           </a:prstGeom>
         </p:spPr>
       </p:pic>
-      <p:sp>
-        <p:nvSpPr>
-          <p:cNvPr id="4" name="Номер слайда 3">
-            <a:extLst>
-              <a:ext uri="{FF2B5EF4-FFF2-40B4-BE49-F238E27FC236}">
-                <a16:creationId xmlns:a16="http://schemas.microsoft.com/office/drawing/2014/main" id="{325C9AC5-8092-C957-8D14-35729ED30BBF}"/>
+      <p:pic>
+        <p:nvPicPr>
+          <p:cNvPr id="17" name="Объект 16">
+            <a:extLst>
+              <a:ext uri="{FF2B5EF4-FFF2-40B4-BE49-F238E27FC236}">
+                <a16:creationId xmlns:a16="http://schemas.microsoft.com/office/drawing/2014/main" id="{AAFBC9B5-A67F-6A61-056A-6750F1AE5840}"/>
+              </a:ext>
+            </a:extLst>
+          </p:cNvPr>
+          <p:cNvPicPr>
+            <a:picLocks noGrp="1" noChangeAspect="1"/>
+          </p:cNvPicPr>
+          <p:nvPr>
+            <p:ph idx="1"/>
+          </p:nvPr>
+        </p:nvPicPr>
+        <p:blipFill>
+          <a:blip r:embed="rId4"/>
+          <a:stretch>
+            <a:fillRect/>
+          </a:stretch>
+        </p:blipFill>
+        <p:spPr>
+          <a:xfrm>
+            <a:off x="965470" y="1826432"/>
+            <a:ext cx="4862209" cy="2932761"/>
+          </a:xfrm>
+          <a:ln>
+            <a:solidFill>
+              <a:schemeClr val="tx1"/>
+            </a:solidFill>
+          </a:ln>
+        </p:spPr>
+      </p:pic>
+      <p:sp>
+        <p:nvSpPr>
+          <p:cNvPr id="3" name="Номер слайда 2">
+            <a:extLst>
+              <a:ext uri="{FF2B5EF4-FFF2-40B4-BE49-F238E27FC236}">
+                <a16:creationId xmlns:a16="http://schemas.microsoft.com/office/drawing/2014/main" id="{C1159F04-7FF9-EA82-A5A8-1B8E4062DBEA}"/>
               </a:ext>
             </a:extLst>
           </p:cNvPr>
@@ -4481,6 +4793,502 @@
                 </a:solidFill>
               </a:rPr>
               <a:t>11</a:t>
+            </a:fld>
+            <a:endParaRPr lang="ru-RU" dirty="0">
+              <a:solidFill>
+                <a:schemeClr val="tx1"/>
+              </a:solidFill>
+            </a:endParaRPr>
+          </a:p>
+        </p:txBody>
+      </p:sp>
+      <p:pic>
+        <p:nvPicPr>
+          <p:cNvPr id="5" name="Объект 5">
+            <a:extLst>
+              <a:ext uri="{FF2B5EF4-FFF2-40B4-BE49-F238E27FC236}">
+                <a16:creationId xmlns:a16="http://schemas.microsoft.com/office/drawing/2014/main" id="{E7423995-E388-A8DB-6E4E-5483289C40D2}"/>
+              </a:ext>
+            </a:extLst>
+          </p:cNvPr>
+          <p:cNvPicPr>
+            <a:picLocks noChangeAspect="1"/>
+          </p:cNvPicPr>
+          <p:nvPr/>
+        </p:nvPicPr>
+        <p:blipFill>
+          <a:blip r:embed="rId5"/>
+          <a:stretch>
+            <a:fillRect/>
+          </a:stretch>
+        </p:blipFill>
+        <p:spPr>
+          <a:xfrm>
+            <a:off x="6210559" y="1826431"/>
+            <a:ext cx="4800082" cy="2932761"/>
+          </a:xfrm>
+          <a:prstGeom prst="rect">
+            <a:avLst/>
+          </a:prstGeom>
+          <a:ln>
+            <a:solidFill>
+              <a:schemeClr val="tx1"/>
+            </a:solidFill>
+          </a:ln>
+        </p:spPr>
+      </p:pic>
+      <p:sp>
+        <p:nvSpPr>
+          <p:cNvPr id="6" name="TextBox 5">
+            <a:extLst>
+              <a:ext uri="{FF2B5EF4-FFF2-40B4-BE49-F238E27FC236}">
+                <a16:creationId xmlns:a16="http://schemas.microsoft.com/office/drawing/2014/main" id="{9F936593-4E3D-5999-360A-7F7A2B3B85B4}"/>
+              </a:ext>
+            </a:extLst>
+          </p:cNvPr>
+          <p:cNvSpPr txBox="1"/>
+          <p:nvPr/>
+        </p:nvSpPr>
+        <p:spPr>
+          <a:xfrm>
+            <a:off x="965471" y="4893013"/>
+            <a:ext cx="4862208" cy="369332"/>
+          </a:xfrm>
+          <a:prstGeom prst="rect">
+            <a:avLst/>
+          </a:prstGeom>
+          <a:noFill/>
+        </p:spPr>
+        <p:txBody>
+          <a:bodyPr wrap="square" rtlCol="0">
+            <a:spAutoFit/>
+          </a:bodyPr>
+          <a:lstStyle/>
+          <a:p>
+            <a:r>
+              <a:rPr lang="ru-RU" dirty="0">
+                <a:latin typeface="+mj-lt"/>
+                <a:cs typeface="Times New Roman" panose="02020603050405020304" pitchFamily="18" charset="0"/>
+              </a:rPr>
+              <a:t>Рисунок 1 – время выполнения кодирования</a:t>
+            </a:r>
+          </a:p>
+        </p:txBody>
+      </p:sp>
+      <p:sp>
+        <p:nvSpPr>
+          <p:cNvPr id="8" name="TextBox 7">
+            <a:extLst>
+              <a:ext uri="{FF2B5EF4-FFF2-40B4-BE49-F238E27FC236}">
+                <a16:creationId xmlns:a16="http://schemas.microsoft.com/office/drawing/2014/main" id="{B7D72211-FE60-C2D1-5C6B-60AC2917DE6C}"/>
+              </a:ext>
+            </a:extLst>
+          </p:cNvPr>
+          <p:cNvSpPr txBox="1"/>
+          <p:nvPr/>
+        </p:nvSpPr>
+        <p:spPr>
+          <a:xfrm>
+            <a:off x="6210559" y="4873717"/>
+            <a:ext cx="4800082" cy="369332"/>
+          </a:xfrm>
+          <a:prstGeom prst="rect">
+            <a:avLst/>
+          </a:prstGeom>
+          <a:noFill/>
+        </p:spPr>
+        <p:txBody>
+          <a:bodyPr wrap="square">
+            <a:spAutoFit/>
+          </a:bodyPr>
+          <a:lstStyle/>
+          <a:p>
+            <a:r>
+              <a:rPr lang="ru-RU" dirty="0">
+                <a:latin typeface="+mj-lt"/>
+                <a:cs typeface="Times New Roman" panose="02020603050405020304" pitchFamily="18" charset="0"/>
+              </a:rPr>
+              <a:t>Рисунок </a:t>
+            </a:r>
+            <a:r>
+              <a:rPr lang="en-US" dirty="0">
+                <a:latin typeface="+mj-lt"/>
+                <a:cs typeface="Times New Roman" panose="02020603050405020304" pitchFamily="18" charset="0"/>
+              </a:rPr>
+              <a:t>2</a:t>
+            </a:r>
+            <a:r>
+              <a:rPr lang="ru-RU" dirty="0">
+                <a:latin typeface="+mj-lt"/>
+                <a:cs typeface="Times New Roman" panose="02020603050405020304" pitchFamily="18" charset="0"/>
+              </a:rPr>
+              <a:t> – время выполнения декодирования</a:t>
+            </a:r>
+          </a:p>
+        </p:txBody>
+      </p:sp>
+    </p:spTree>
+    <p:extLst>
+      <p:ext uri="{BB962C8B-B14F-4D97-AF65-F5344CB8AC3E}">
+        <p14:creationId xmlns:p14="http://schemas.microsoft.com/office/powerpoint/2010/main" val="472859838"/>
+      </p:ext>
+    </p:extLst>
+  </p:cSld>
+  <p:clrMapOvr>
+    <a:masterClrMapping/>
+  </p:clrMapOvr>
+  <p:transition spd="slow">
+    <p:push/>
+  </p:transition>
+</p:sld>
+</file>
+
+<file path=ppt/slides/slide12.xml><?xml version="1.0" encoding="utf-8"?>
+<p:sld xmlns:a="http://schemas.openxmlformats.org/drawingml/2006/main" xmlns:r="http://schemas.openxmlformats.org/officeDocument/2006/relationships" xmlns:p="http://schemas.openxmlformats.org/presentationml/2006/main">
+  <p:cSld>
+    <p:spTree>
+      <p:nvGrpSpPr>
+        <p:cNvPr id="1" name=""/>
+        <p:cNvGrpSpPr/>
+        <p:nvPr/>
+      </p:nvGrpSpPr>
+      <p:grpSpPr>
+        <a:xfrm>
+          <a:off x="0" y="0"/>
+          <a:ext cx="0" cy="0"/>
+          <a:chOff x="0" y="0"/>
+          <a:chExt cx="0" cy="0"/>
+        </a:xfrm>
+      </p:grpSpPr>
+      <p:sp>
+        <p:nvSpPr>
+          <p:cNvPr id="2" name="Заголовок 1">
+            <a:extLst>
+              <a:ext uri="{FF2B5EF4-FFF2-40B4-BE49-F238E27FC236}">
+                <a16:creationId xmlns:a16="http://schemas.microsoft.com/office/drawing/2014/main" id="{C679B0B8-E860-9FC8-BE0F-85B9D8DC8505}"/>
+              </a:ext>
+            </a:extLst>
+          </p:cNvPr>
+          <p:cNvSpPr>
+            <a:spLocks noGrp="1"/>
+          </p:cNvSpPr>
+          <p:nvPr>
+            <p:ph type="title"/>
+          </p:nvPr>
+        </p:nvSpPr>
+        <p:spPr/>
+        <p:txBody>
+          <a:bodyPr/>
+          <a:lstStyle/>
+          <a:p>
+            <a:r>
+              <a:rPr lang="ru-RU" dirty="0">
+                <a:cs typeface="Times New Roman" panose="02020603050405020304" pitchFamily="18" charset="0"/>
+              </a:rPr>
+              <a:t>Заключение</a:t>
+            </a:r>
+          </a:p>
+        </p:txBody>
+      </p:sp>
+      <p:sp>
+        <p:nvSpPr>
+          <p:cNvPr id="3" name="Объект 2">
+            <a:extLst>
+              <a:ext uri="{FF2B5EF4-FFF2-40B4-BE49-F238E27FC236}">
+                <a16:creationId xmlns:a16="http://schemas.microsoft.com/office/drawing/2014/main" id="{E64F8D0E-1D15-4714-449C-BE35221456EB}"/>
+              </a:ext>
+            </a:extLst>
+          </p:cNvPr>
+          <p:cNvSpPr>
+            <a:spLocks noGrp="1"/>
+          </p:cNvSpPr>
+          <p:nvPr>
+            <p:ph idx="1"/>
+          </p:nvPr>
+        </p:nvSpPr>
+        <p:spPr>
+          <a:xfrm>
+            <a:off x="421938" y="5167312"/>
+            <a:ext cx="7567308" cy="1468775"/>
+          </a:xfrm>
+        </p:spPr>
+        <p:txBody>
+          <a:bodyPr>
+            <a:normAutofit fontScale="92500"/>
+          </a:bodyPr>
+          <a:lstStyle/>
+          <a:p>
+            <a:r>
+              <a:rPr lang="ru-RU" sz="2400" dirty="0">
+                <a:latin typeface="+mj-lt"/>
+                <a:cs typeface="Times New Roman" panose="02020603050405020304" pitchFamily="18" charset="0"/>
+              </a:rPr>
+              <a:t>Язык программирования</a:t>
+            </a:r>
+            <a:r>
+              <a:rPr lang="en-US" sz="2400" dirty="0">
+                <a:latin typeface="+mj-lt"/>
+                <a:cs typeface="Times New Roman" panose="02020603050405020304" pitchFamily="18" charset="0"/>
+              </a:rPr>
+              <a:t>: C++</a:t>
+            </a:r>
+            <a:endParaRPr lang="ru-RU" sz="2400" dirty="0">
+              <a:latin typeface="+mj-lt"/>
+              <a:cs typeface="Times New Roman" panose="02020603050405020304" pitchFamily="18" charset="0"/>
+            </a:endParaRPr>
+          </a:p>
+          <a:p>
+            <a:r>
+              <a:rPr lang="ru-RU" sz="2400" dirty="0">
+                <a:latin typeface="+mj-lt"/>
+                <a:cs typeface="Times New Roman" panose="02020603050405020304" pitchFamily="18" charset="0"/>
+              </a:rPr>
+              <a:t>Строк кода</a:t>
+            </a:r>
+            <a:r>
+              <a:rPr lang="en-US" sz="2400" dirty="0">
+                <a:latin typeface="+mj-lt"/>
+                <a:cs typeface="Times New Roman" panose="02020603050405020304" pitchFamily="18" charset="0"/>
+              </a:rPr>
+              <a:t>: 149</a:t>
+            </a:r>
+          </a:p>
+          <a:p>
+            <a:r>
+              <a:rPr lang="ru-RU" sz="2400" dirty="0">
+                <a:latin typeface="+mj-lt"/>
+                <a:cs typeface="Times New Roman" panose="02020603050405020304" pitchFamily="18" charset="0"/>
+              </a:rPr>
+              <a:t>Строк кода с учётом измерения времени выполнения</a:t>
+            </a:r>
+            <a:r>
+              <a:rPr lang="en-US" sz="2400" dirty="0">
+                <a:latin typeface="+mj-lt"/>
+                <a:cs typeface="Times New Roman" panose="02020603050405020304" pitchFamily="18" charset="0"/>
+              </a:rPr>
+              <a:t>:</a:t>
+            </a:r>
+            <a:r>
+              <a:rPr lang="ru-RU" sz="2400" dirty="0">
+                <a:latin typeface="+mj-lt"/>
+                <a:cs typeface="Times New Roman" panose="02020603050405020304" pitchFamily="18" charset="0"/>
+              </a:rPr>
+              <a:t> 172</a:t>
+            </a:r>
+          </a:p>
+        </p:txBody>
+      </p:sp>
+      <p:sp>
+        <p:nvSpPr>
+          <p:cNvPr id="5" name="TextBox 4">
+            <a:extLst>
+              <a:ext uri="{FF2B5EF4-FFF2-40B4-BE49-F238E27FC236}">
+                <a16:creationId xmlns:a16="http://schemas.microsoft.com/office/drawing/2014/main" id="{95D5E40A-1824-394F-7B05-8BCA0BF13182}"/>
+              </a:ext>
+            </a:extLst>
+          </p:cNvPr>
+          <p:cNvSpPr txBox="1"/>
+          <p:nvPr/>
+        </p:nvSpPr>
+        <p:spPr>
+          <a:xfrm>
+            <a:off x="953311" y="1690688"/>
+            <a:ext cx="10400489" cy="2308324"/>
+          </a:xfrm>
+          <a:prstGeom prst="rect">
+            <a:avLst/>
+          </a:prstGeom>
+          <a:noFill/>
+        </p:spPr>
+        <p:txBody>
+          <a:bodyPr wrap="square" rtlCol="0">
+            <a:spAutoFit/>
+          </a:bodyPr>
+          <a:lstStyle/>
+          <a:p>
+            <a:r>
+              <a:rPr lang="ru-RU" sz="2400" dirty="0">
+                <a:latin typeface="+mj-lt"/>
+                <a:cs typeface="Times New Roman" panose="02020603050405020304" pitchFamily="18" charset="0"/>
+              </a:rPr>
+              <a:t>Результат изучения алгоритма «Арифметическое кодирование» представлено на </a:t>
+            </a:r>
+            <a:r>
+              <a:rPr lang="en-US" sz="2400" dirty="0">
+                <a:latin typeface="+mj-lt"/>
+                <a:cs typeface="Times New Roman" panose="02020603050405020304" pitchFamily="18" charset="0"/>
+                <a:hlinkClick r:id="rId2"/>
+              </a:rPr>
+              <a:t>GitHub</a:t>
+            </a:r>
+            <a:r>
+              <a:rPr lang="ru-RU" sz="2400" dirty="0">
+                <a:latin typeface="+mj-lt"/>
+                <a:cs typeface="Times New Roman" panose="02020603050405020304" pitchFamily="18" charset="0"/>
+              </a:rPr>
+              <a:t> (</a:t>
+            </a:r>
+            <a:r>
+              <a:rPr lang="en-US" sz="2400" dirty="0" err="1">
+                <a:hlinkClick r:id="rId2"/>
+              </a:rPr>
+              <a:t>bezzzna</a:t>
+            </a:r>
+            <a:r>
+              <a:rPr lang="en-US" sz="2400" dirty="0">
+                <a:hlinkClick r:id="rId2"/>
+              </a:rPr>
+              <a:t>/</a:t>
+            </a:r>
+            <a:r>
+              <a:rPr lang="en-US" sz="2400" dirty="0" err="1">
+                <a:hlinkClick r:id="rId2"/>
+              </a:rPr>
+              <a:t>Arithmetic_Coding</a:t>
+            </a:r>
+            <a:r>
+              <a:rPr lang="en-US" sz="2400">
+                <a:hlinkClick r:id="rId2"/>
+              </a:rPr>
+              <a:t> (github.com)</a:t>
+            </a:r>
+            <a:r>
+              <a:rPr lang="ru-RU" sz="2400">
+                <a:latin typeface="+mj-lt"/>
+                <a:cs typeface="Times New Roman" panose="02020603050405020304" pitchFamily="18" charset="0"/>
+              </a:rPr>
+              <a:t>)</a:t>
+            </a:r>
+            <a:r>
+              <a:rPr lang="en-US" sz="2400" dirty="0">
+                <a:latin typeface="+mj-lt"/>
+                <a:cs typeface="Times New Roman" panose="02020603050405020304" pitchFamily="18" charset="0"/>
+              </a:rPr>
+              <a:t>:</a:t>
+            </a:r>
+            <a:endParaRPr lang="ru-RU" sz="2400" dirty="0">
+              <a:latin typeface="+mj-lt"/>
+              <a:cs typeface="Times New Roman" panose="02020603050405020304" pitchFamily="18" charset="0"/>
+            </a:endParaRPr>
+          </a:p>
+          <a:p>
+            <a:pPr marL="342900" indent="-342900">
+              <a:buFont typeface="Arial" panose="020B0604020202020204" pitchFamily="34" charset="0"/>
+              <a:buChar char="•"/>
+            </a:pPr>
+            <a:endParaRPr lang="ru-RU" sz="2400" dirty="0">
+              <a:latin typeface="+mj-lt"/>
+              <a:cs typeface="Times New Roman" panose="02020603050405020304" pitchFamily="18" charset="0"/>
+            </a:endParaRPr>
+          </a:p>
+          <a:p>
+            <a:pPr marL="342900" indent="-342900">
+              <a:buFont typeface="Arial" panose="020B0604020202020204" pitchFamily="34" charset="0"/>
+              <a:buChar char="•"/>
+            </a:pPr>
+            <a:r>
+              <a:rPr lang="ru-RU" sz="2400" dirty="0">
+                <a:latin typeface="+mj-lt"/>
+                <a:cs typeface="Times New Roman" panose="02020603050405020304" pitchFamily="18" charset="0"/>
+              </a:rPr>
+              <a:t>Научный доклад по теме «Арифметическое кодирование»</a:t>
+            </a:r>
+          </a:p>
+          <a:p>
+            <a:pPr marL="342900" indent="-342900">
+              <a:buFont typeface="Arial" panose="020B0604020202020204" pitchFamily="34" charset="0"/>
+              <a:buChar char="•"/>
+            </a:pPr>
+            <a:r>
+              <a:rPr lang="ru-RU" sz="2400" dirty="0">
+                <a:latin typeface="+mj-lt"/>
+                <a:cs typeface="Times New Roman" panose="02020603050405020304" pitchFamily="18" charset="0"/>
+              </a:rPr>
+              <a:t>Код реализации алгоритма «Арифметическое кодирование»</a:t>
+            </a:r>
+          </a:p>
+          <a:p>
+            <a:pPr marL="342900" indent="-342900">
+              <a:buFont typeface="Arial" panose="020B0604020202020204" pitchFamily="34" charset="0"/>
+              <a:buChar char="•"/>
+            </a:pPr>
+            <a:r>
+              <a:rPr lang="ru-RU" sz="2400" dirty="0">
+                <a:latin typeface="+mj-lt"/>
+                <a:cs typeface="Times New Roman" panose="02020603050405020304" pitchFamily="18" charset="0"/>
+              </a:rPr>
+              <a:t>Файлы для ручного тестирования кода</a:t>
+            </a:r>
+          </a:p>
+        </p:txBody>
+      </p:sp>
+      <p:pic>
+        <p:nvPicPr>
+          <p:cNvPr id="6" name="Рисунок 5" descr="Фигура органическое натуральное угла">
+            <a:extLst>
+              <a:ext uri="{FF2B5EF4-FFF2-40B4-BE49-F238E27FC236}">
+                <a16:creationId xmlns:a16="http://schemas.microsoft.com/office/drawing/2014/main" id="{1AAB4C30-FB52-9158-1936-0466BD301AF6}"/>
+              </a:ext>
+            </a:extLst>
+          </p:cNvPr>
+          <p:cNvPicPr>
+            <a:picLocks noChangeAspect="1"/>
+          </p:cNvPicPr>
+          <p:nvPr/>
+        </p:nvPicPr>
+        <p:blipFill>
+          <a:blip r:embed="rId3">
+            <a:extLst>
+              <a:ext uri="{28A0092B-C50C-407E-A947-70E740481C1C}">
+                <a14:useLocalDpi xmlns:a14="http://schemas.microsoft.com/office/drawing/2010/main" val="0"/>
+              </a:ext>
+              <a:ext uri="{96DAC541-7B7A-43D3-8B79-37D633B846F1}">
+                <asvg:svgBlip xmlns:asvg="http://schemas.microsoft.com/office/drawing/2016/SVG/main" r:embed="rId4"/>
+              </a:ext>
+            </a:extLst>
+          </a:blip>
+          <a:stretch>
+            <a:fillRect/>
+          </a:stretch>
+        </p:blipFill>
+        <p:spPr>
+          <a:xfrm rot="10800000">
+            <a:off x="7620000" y="2286000"/>
+            <a:ext cx="4572000" cy="4572000"/>
+          </a:xfrm>
+          <a:prstGeom prst="rect">
+            <a:avLst/>
+          </a:prstGeom>
+        </p:spPr>
+      </p:pic>
+      <p:sp>
+        <p:nvSpPr>
+          <p:cNvPr id="4" name="Номер слайда 3">
+            <a:extLst>
+              <a:ext uri="{FF2B5EF4-FFF2-40B4-BE49-F238E27FC236}">
+                <a16:creationId xmlns:a16="http://schemas.microsoft.com/office/drawing/2014/main" id="{325C9AC5-8092-C957-8D14-35729ED30BBF}"/>
+              </a:ext>
+            </a:extLst>
+          </p:cNvPr>
+          <p:cNvSpPr>
+            <a:spLocks noGrp="1"/>
+          </p:cNvSpPr>
+          <p:nvPr>
+            <p:ph type="sldNum" sz="quarter" idx="12"/>
+          </p:nvPr>
+        </p:nvSpPr>
+        <p:spPr/>
+        <p:txBody>
+          <a:bodyPr/>
+          <a:lstStyle/>
+          <a:p>
+            <a:fld id="{BDD8F850-0430-479C-987D-4AFB6AF3E393}" type="slidenum">
+              <a:rPr lang="ru-RU" sz="2400" smtClean="0">
+                <a:solidFill>
+                  <a:schemeClr val="tx1"/>
+                </a:solidFill>
+              </a:rPr>
+              <a:t>12</a:t>
             </a:fld>
             <a:endParaRPr lang="ru-RU" dirty="0">
               <a:solidFill>
@@ -4546,10 +5354,9 @@
           <a:p>
             <a:r>
               <a:rPr lang="ru-RU" dirty="0">
-                <a:latin typeface="Times New Roman" panose="02020603050405020304" pitchFamily="18" charset="0"/>
-                <a:cs typeface="Times New Roman" panose="02020603050405020304" pitchFamily="18" charset="0"/>
-              </a:rPr>
-              <a:t>Постановка задачи</a:t>
+                <a:cs typeface="Times New Roman" panose="02020603050405020304" pitchFamily="18" charset="0"/>
+              </a:rPr>
+              <a:t>Введение</a:t>
             </a:r>
           </a:p>
         </p:txBody>
@@ -4582,79 +5389,97 @@
           </a:bodyPr>
           <a:lstStyle/>
           <a:p>
-            <a:pPr marL="457200" lvl="0" indent="-457200" algn="just">
-              <a:lnSpc>
-                <a:spcPct val="130000"/>
-              </a:lnSpc>
-              <a:buSzPct val="100000"/>
-              <a:buFont typeface="+mj-lt"/>
-              <a:buAutoNum type="arabicPeriod"/>
+            <a:pPr marL="0" indent="0">
+              <a:buNone/>
             </a:pPr>
             <a:r>
+              <a:rPr lang="ru-RU" sz="2000" b="1" dirty="0">
+                <a:solidFill>
+                  <a:srgbClr val="000000"/>
+                </a:solidFill>
+                <a:effectLst/>
+                <a:latin typeface="+mj-lt"/>
+                <a:ea typeface="Times New Roman" panose="02020603050405020304" pitchFamily="18" charset="0"/>
+              </a:rPr>
+              <a:t>Арифметическое кодирование</a:t>
+            </a:r>
+            <a:r>
               <a:rPr lang="ru-RU" sz="2000" dirty="0">
-                <a:effectLst/>
-                <a:latin typeface="Times New Roman" panose="02020603050405020304" pitchFamily="18" charset="0"/>
+                <a:solidFill>
+                  <a:srgbClr val="000000"/>
+                </a:solidFill>
+                <a:effectLst/>
+                <a:latin typeface="+mj-lt"/>
                 <a:ea typeface="Times New Roman" panose="02020603050405020304" pitchFamily="18" charset="0"/>
               </a:rPr>
-              <a:t>Найти и проанализировать различные источники, в которых есть информация об арифметическом кодировании.</a:t>
-            </a:r>
-          </a:p>
-          <a:p>
-            <a:pPr marL="457200" lvl="0" indent="-457200" algn="just">
-              <a:lnSpc>
-                <a:spcPct val="130000"/>
-              </a:lnSpc>
-              <a:buSzPct val="100000"/>
-              <a:buFont typeface="+mj-lt"/>
-              <a:buAutoNum type="arabicPeriod"/>
+              <a:t> — один из алгоритмов энтропийного сжатия.</a:t>
+            </a:r>
+          </a:p>
+          <a:p>
+            <a:pPr marL="0" indent="0">
+              <a:buNone/>
             </a:pPr>
             <a:r>
-              <a:rPr lang="ru-RU" sz="2000" dirty="0">
-                <a:effectLst/>
-                <a:latin typeface="Times New Roman" panose="02020603050405020304" pitchFamily="18" charset="0"/>
+              <a:rPr lang="ru-RU" sz="1800" dirty="0">
+                <a:solidFill>
+                  <a:srgbClr val="202122"/>
+                </a:solidFill>
+                <a:effectLst/>
+                <a:latin typeface="+mj-lt"/>
                 <a:ea typeface="Times New Roman" panose="02020603050405020304" pitchFamily="18" charset="0"/>
               </a:rPr>
-              <a:t>Описать алгоритм в форме научного доклада.</a:t>
-            </a:r>
-          </a:p>
-          <a:p>
-            <a:pPr marL="457200" lvl="0" indent="-457200" algn="just">
-              <a:lnSpc>
-                <a:spcPct val="130000"/>
-              </a:lnSpc>
-              <a:buSzPct val="100000"/>
-              <a:buFont typeface="+mj-lt"/>
-              <a:buAutoNum type="arabicPeriod"/>
+              <a:t>В начале работы алгоритма исходный интервал равен [0; 1). </a:t>
+            </a:r>
+            <a:endParaRPr lang="en-US" sz="1800" dirty="0">
+              <a:solidFill>
+                <a:srgbClr val="202122"/>
+              </a:solidFill>
+              <a:effectLst/>
+              <a:latin typeface="+mj-lt"/>
+              <a:ea typeface="Times New Roman" panose="02020603050405020304" pitchFamily="18" charset="0"/>
+            </a:endParaRPr>
+          </a:p>
+          <a:p>
+            <a:pPr marL="0" indent="0">
+              <a:buNone/>
             </a:pPr>
             <a:r>
-              <a:rPr lang="ru-RU" sz="2000" dirty="0">
-                <a:effectLst/>
-                <a:latin typeface="Times New Roman" panose="02020603050405020304" pitchFamily="18" charset="0"/>
+              <a:rPr lang="ru-RU" sz="1800" dirty="0">
+                <a:solidFill>
+                  <a:srgbClr val="202122"/>
+                </a:solidFill>
+                <a:effectLst/>
+                <a:latin typeface="+mj-lt"/>
                 <a:ea typeface="Times New Roman" panose="02020603050405020304" pitchFamily="18" charset="0"/>
               </a:rPr>
-              <a:t>Реализовать алгоритм.</a:t>
-            </a:r>
-          </a:p>
-          <a:p>
-            <a:pPr marL="457200" lvl="0" indent="-457200" algn="just">
-              <a:lnSpc>
-                <a:spcPct val="130000"/>
-              </a:lnSpc>
-              <a:spcAft>
-                <a:spcPts val="800"/>
-              </a:spcAft>
-              <a:buSzPct val="100000"/>
-              <a:buFont typeface="+mj-lt"/>
-              <a:buAutoNum type="arabicPeriod"/>
-            </a:pPr>
-            <a:r>
-              <a:rPr lang="ru-RU" sz="2000" dirty="0">
-                <a:effectLst/>
-                <a:latin typeface="Times New Roman" panose="02020603050405020304" pitchFamily="18" charset="0"/>
+              <a:t>По мере кодирования текста, исходный интервал уменьшается </a:t>
+            </a:r>
+            <a:r>
+              <a:rPr lang="ru-RU" sz="1800" dirty="0">
+                <a:solidFill>
+                  <a:srgbClr val="202122"/>
+                </a:solidFill>
+                <a:latin typeface="+mj-lt"/>
                 <a:ea typeface="Times New Roman" panose="02020603050405020304" pitchFamily="18" charset="0"/>
               </a:rPr>
-              <a:t>Сделать анализ производительности алгоритма.</a:t>
-            </a:r>
+              <a:t>и результат кодирования </a:t>
+            </a:r>
+            <a:r>
+              <a:rPr lang="ru-RU" sz="1800" dirty="0">
+                <a:solidFill>
+                  <a:srgbClr val="202122"/>
+                </a:solidFill>
+                <a:effectLst/>
+                <a:latin typeface="+mj-lt"/>
+                <a:ea typeface="Times New Roman" panose="02020603050405020304" pitchFamily="18" charset="0"/>
+              </a:rPr>
+              <a:t>представляется вещественным числом в интервале от 0 до 1.</a:t>
+            </a:r>
+            <a:endParaRPr lang="ru-RU" sz="2000" dirty="0">
+              <a:effectLst/>
+              <a:latin typeface="+mj-lt"/>
+              <a:ea typeface="Times New Roman" panose="02020603050405020304" pitchFamily="18" charset="0"/>
+            </a:endParaRPr>
           </a:p>
           <a:p>
             <a:pPr marL="0" indent="0">
@@ -4705,7 +5530,7 @@
         </p:blipFill>
         <p:spPr>
           <a:xfrm rot="10800000">
-            <a:off x="7620000" y="2286000"/>
+            <a:off x="7696200" y="2286000"/>
             <a:ext cx="4572000" cy="4572000"/>
           </a:xfrm>
           <a:prstGeom prst="rect">
@@ -4753,7 +5578,7 @@
     </p:spTree>
     <p:extLst>
       <p:ext uri="{BB962C8B-B14F-4D97-AF65-F5344CB8AC3E}">
-        <p14:creationId xmlns:p14="http://schemas.microsoft.com/office/powerpoint/2010/main" val="720382426"/>
+        <p14:creationId xmlns:p14="http://schemas.microsoft.com/office/powerpoint/2010/main" val="3180142306"/>
       </p:ext>
     </p:extLst>
   </p:cSld>
@@ -4806,10 +5631,9 @@
           <a:p>
             <a:r>
               <a:rPr lang="ru-RU" dirty="0">
-                <a:latin typeface="Times New Roman" panose="02020603050405020304" pitchFamily="18" charset="0"/>
-                <a:cs typeface="Times New Roman" panose="02020603050405020304" pitchFamily="18" charset="0"/>
-              </a:rPr>
-              <a:t>История</a:t>
+                <a:cs typeface="Times New Roman" panose="02020603050405020304" pitchFamily="18" charset="0"/>
+              </a:rPr>
+              <a:t>Постановка задачи</a:t>
             </a:r>
           </a:p>
         </p:txBody>
@@ -4842,27 +5666,91 @@
           </a:bodyPr>
           <a:lstStyle/>
           <a:p>
-            <a:r>
-              <a:rPr lang="ru-RU" sz="2400" dirty="0">
-                <a:latin typeface="Times New Roman" panose="02020603050405020304" pitchFamily="18" charset="0"/>
-                <a:cs typeface="Times New Roman" panose="02020603050405020304" pitchFamily="18" charset="0"/>
-              </a:rPr>
-              <a:t>Арифметическое кодирование - один из наиболее эффективных методов сжатия данных. Основная идея арифметического кодирования была сформулирована </a:t>
-            </a:r>
-            <a:r>
-              <a:rPr lang="ru-RU" sz="2400" dirty="0" err="1">
-                <a:latin typeface="Times New Roman" panose="02020603050405020304" pitchFamily="18" charset="0"/>
-                <a:cs typeface="Times New Roman" panose="02020603050405020304" pitchFamily="18" charset="0"/>
-              </a:rPr>
-              <a:t>Элайесом</a:t>
-            </a:r>
-            <a:r>
-              <a:rPr lang="ru-RU" sz="2400" dirty="0">
-                <a:latin typeface="Times New Roman" panose="02020603050405020304" pitchFamily="18" charset="0"/>
-                <a:cs typeface="Times New Roman" panose="02020603050405020304" pitchFamily="18" charset="0"/>
-              </a:rPr>
-              <a:t> еще в начале 60-х годов. Первый шаг в направлении практической реализации этой идеи был сделан независимо Риссаненом и Паско в 1976 г.</a:t>
-            </a:r>
+            <a:pPr marL="457200" lvl="0" indent="-457200" algn="just">
+              <a:lnSpc>
+                <a:spcPct val="130000"/>
+              </a:lnSpc>
+              <a:buSzPct val="100000"/>
+              <a:buFont typeface="+mj-lt"/>
+              <a:buAutoNum type="arabicPeriod"/>
+            </a:pPr>
+            <a:r>
+              <a:rPr lang="ru-RU" sz="2000" dirty="0">
+                <a:effectLst/>
+                <a:latin typeface="+mj-lt"/>
+                <a:ea typeface="Times New Roman" panose="02020603050405020304" pitchFamily="18" charset="0"/>
+              </a:rPr>
+              <a:t>Подобрать и изучить источники по теме «Арифметическое кодирование».</a:t>
+            </a:r>
+          </a:p>
+          <a:p>
+            <a:pPr marL="457200" lvl="0" indent="-457200" algn="just">
+              <a:lnSpc>
+                <a:spcPct val="130000"/>
+              </a:lnSpc>
+              <a:buSzPct val="100000"/>
+              <a:buFont typeface="+mj-lt"/>
+              <a:buAutoNum type="arabicPeriod"/>
+            </a:pPr>
+            <a:r>
+              <a:rPr lang="ru-RU" sz="2000" dirty="0">
+                <a:effectLst/>
+                <a:latin typeface="+mj-lt"/>
+                <a:ea typeface="Times New Roman" panose="02020603050405020304" pitchFamily="18" charset="0"/>
+              </a:rPr>
+              <a:t>Описать алгоритм «Арифметическое кодирование» в форме научного доклада.</a:t>
+            </a:r>
+          </a:p>
+          <a:p>
+            <a:pPr marL="457200" lvl="0" indent="-457200" algn="just">
+              <a:lnSpc>
+                <a:spcPct val="130000"/>
+              </a:lnSpc>
+              <a:buSzPct val="100000"/>
+              <a:buFont typeface="+mj-lt"/>
+              <a:buAutoNum type="arabicPeriod"/>
+            </a:pPr>
+            <a:r>
+              <a:rPr lang="ru-RU" sz="2000" dirty="0">
+                <a:effectLst/>
+                <a:latin typeface="+mj-lt"/>
+                <a:ea typeface="Times New Roman" panose="02020603050405020304" pitchFamily="18" charset="0"/>
+              </a:rPr>
+              <a:t>Реализовать алгоритм «Арифметическое кодирование».</a:t>
+            </a:r>
+          </a:p>
+          <a:p>
+            <a:pPr marL="457200" lvl="0" indent="-457200" algn="just">
+              <a:lnSpc>
+                <a:spcPct val="130000"/>
+              </a:lnSpc>
+              <a:spcAft>
+                <a:spcPts val="800"/>
+              </a:spcAft>
+              <a:buSzPct val="100000"/>
+              <a:buFont typeface="+mj-lt"/>
+              <a:buAutoNum type="arabicPeriod"/>
+            </a:pPr>
+            <a:r>
+              <a:rPr lang="ru-RU" sz="2000" dirty="0">
+                <a:effectLst/>
+                <a:latin typeface="+mj-lt"/>
+                <a:ea typeface="Times New Roman" panose="02020603050405020304" pitchFamily="18" charset="0"/>
+              </a:rPr>
+              <a:t>Сделать анализ эффективности сжатия алгоритма «Арифметическое кодирование».</a:t>
+            </a:r>
+          </a:p>
+          <a:p>
+            <a:pPr marL="0" indent="0">
+              <a:buNone/>
+            </a:pPr>
+            <a:endParaRPr lang="ru-RU" sz="1800" dirty="0">
+              <a:effectLst/>
+              <a:latin typeface="Times New Roman" panose="02020603050405020304" pitchFamily="18" charset="0"/>
+              <a:ea typeface="Times New Roman" panose="02020603050405020304" pitchFamily="18" charset="0"/>
+            </a:endParaRPr>
+          </a:p>
+          <a:p>
             <a:endParaRPr lang="ru-RU" sz="4000" dirty="0">
               <a:latin typeface="Times New Roman" panose="02020603050405020304" pitchFamily="18" charset="0"/>
               <a:cs typeface="Times New Roman" panose="02020603050405020304" pitchFamily="18" charset="0"/>
@@ -4949,7 +5837,7 @@
     </p:spTree>
     <p:extLst>
       <p:ext uri="{BB962C8B-B14F-4D97-AF65-F5344CB8AC3E}">
-        <p14:creationId xmlns:p14="http://schemas.microsoft.com/office/powerpoint/2010/main" val="83750949"/>
+        <p14:creationId xmlns:p14="http://schemas.microsoft.com/office/powerpoint/2010/main" val="720382426"/>
       </p:ext>
     </p:extLst>
   </p:cSld>
@@ -4995,10 +5883,40 @@
             <p:ph type="title"/>
           </p:nvPr>
         </p:nvSpPr>
+        <p:spPr/>
+        <p:txBody>
+          <a:bodyPr/>
+          <a:lstStyle/>
+          <a:p>
+            <a:r>
+              <a:rPr lang="ru-RU" dirty="0">
+                <a:cs typeface="Times New Roman" panose="02020603050405020304" pitchFamily="18" charset="0"/>
+              </a:rPr>
+              <a:t>История</a:t>
+            </a:r>
+          </a:p>
+        </p:txBody>
+      </p:sp>
+      <p:sp>
+        <p:nvSpPr>
+          <p:cNvPr id="3" name="Объект 2">
+            <a:extLst>
+              <a:ext uri="{FF2B5EF4-FFF2-40B4-BE49-F238E27FC236}">
+                <a16:creationId xmlns:a16="http://schemas.microsoft.com/office/drawing/2014/main" id="{60DACB6A-65C3-0DC5-6332-3AA9EFA0BFBC}"/>
+              </a:ext>
+            </a:extLst>
+          </p:cNvPr>
+          <p:cNvSpPr>
+            <a:spLocks noGrp="1"/>
+          </p:cNvSpPr>
+          <p:nvPr>
+            <p:ph idx="1"/>
+          </p:nvPr>
+        </p:nvSpPr>
         <p:spPr>
           <a:xfrm>
-            <a:off x="838200" y="2444960"/>
-            <a:ext cx="10515600" cy="1325563"/>
+            <a:off x="838200" y="1825625"/>
+            <a:ext cx="10515600" cy="4351338"/>
           </a:xfrm>
         </p:spPr>
         <p:txBody>
@@ -5007,14 +5925,58 @@
           </a:bodyPr>
           <a:lstStyle/>
           <a:p>
-            <a:pPr algn="ctr"/>
-            <a:r>
-              <a:rPr lang="ru-RU" sz="4800" dirty="0">
-                <a:latin typeface="Times New Roman" panose="02020603050405020304" pitchFamily="18" charset="0"/>
-                <a:cs typeface="Times New Roman" panose="02020603050405020304" pitchFamily="18" charset="0"/>
-              </a:rPr>
-              <a:t>Пример</a:t>
-            </a:r>
+            <a:pPr indent="0">
+              <a:buNone/>
+            </a:pPr>
+            <a:r>
+              <a:rPr lang="ru-RU" sz="2000" dirty="0">
+                <a:latin typeface="+mj-lt"/>
+                <a:cs typeface="Times New Roman" panose="02020603050405020304" pitchFamily="18" charset="0"/>
+              </a:rPr>
+              <a:t>Арифметическое кодирование - один из наиболее эффективных методов сжатия данных. </a:t>
+            </a:r>
+          </a:p>
+          <a:p>
+            <a:pPr indent="0">
+              <a:buNone/>
+            </a:pPr>
+            <a:r>
+              <a:rPr lang="ru-RU" sz="2000" dirty="0">
+                <a:latin typeface="+mj-lt"/>
+                <a:cs typeface="Times New Roman" panose="02020603050405020304" pitchFamily="18" charset="0"/>
+              </a:rPr>
+              <a:t>Основная идея арифметического кодирования была сформулирована </a:t>
+            </a:r>
+            <a:r>
+              <a:rPr lang="ru-RU" sz="2000" dirty="0" err="1">
+                <a:latin typeface="+mj-lt"/>
+                <a:cs typeface="Times New Roman" panose="02020603050405020304" pitchFamily="18" charset="0"/>
+              </a:rPr>
+              <a:t>Элайесом</a:t>
+            </a:r>
+            <a:r>
+              <a:rPr lang="ru-RU" sz="2000" dirty="0">
+                <a:latin typeface="+mj-lt"/>
+                <a:cs typeface="Times New Roman" panose="02020603050405020304" pitchFamily="18" charset="0"/>
+              </a:rPr>
+              <a:t> еще в начале 60-х годов.</a:t>
+            </a:r>
+          </a:p>
+          <a:p>
+            <a:pPr indent="0">
+              <a:buNone/>
+            </a:pPr>
+            <a:r>
+              <a:rPr lang="ru-RU" sz="2000" dirty="0">
+                <a:latin typeface="+mj-lt"/>
+                <a:cs typeface="Times New Roman" panose="02020603050405020304" pitchFamily="18" charset="0"/>
+              </a:rPr>
+              <a:t>Практическая реализация этой идеи была сделана независимо Риссаненом и Паско в 1976 г.</a:t>
+            </a:r>
+            <a:endParaRPr lang="ru-RU" sz="3600" dirty="0">
+              <a:latin typeface="+mj-lt"/>
+              <a:cs typeface="Times New Roman" panose="02020603050405020304" pitchFamily="18" charset="0"/>
+            </a:endParaRPr>
           </a:p>
         </p:txBody>
       </p:sp>
@@ -5097,7 +6059,7 @@
     </p:spTree>
     <p:extLst>
       <p:ext uri="{BB962C8B-B14F-4D97-AF65-F5344CB8AC3E}">
-        <p14:creationId xmlns:p14="http://schemas.microsoft.com/office/powerpoint/2010/main" val="2621325035"/>
+        <p14:creationId xmlns:p14="http://schemas.microsoft.com/office/powerpoint/2010/main" val="83750949"/>
       </p:ext>
     </p:extLst>
   </p:cSld>
@@ -5132,7 +6094,7 @@
           <p:cNvPr id="2" name="Заголовок 1">
             <a:extLst>
               <a:ext uri="{FF2B5EF4-FFF2-40B4-BE49-F238E27FC236}">
-                <a16:creationId xmlns:a16="http://schemas.microsoft.com/office/drawing/2014/main" id="{8B4EC07C-6F90-4852-2571-D6A31E77C29F}"/>
+                <a16:creationId xmlns:a16="http://schemas.microsoft.com/office/drawing/2014/main" id="{2342822A-4831-029F-F435-153F8561057E}"/>
               </a:ext>
             </a:extLst>
           </p:cNvPr>
@@ -5143,14 +6105,296 @@
             <p:ph type="title"/>
           </p:nvPr>
         </p:nvSpPr>
+        <p:spPr>
+          <a:xfrm>
+            <a:off x="449093" y="275692"/>
+            <a:ext cx="10515600" cy="1325563"/>
+          </a:xfrm>
+        </p:spPr>
+        <p:txBody>
+          <a:bodyPr>
+            <a:normAutofit/>
+          </a:bodyPr>
+          <a:lstStyle/>
+          <a:p>
+            <a:r>
+              <a:rPr lang="ru-RU" dirty="0">
+                <a:cs typeface="Times New Roman" panose="02020603050405020304" pitchFamily="18" charset="0"/>
+              </a:rPr>
+              <a:t>Пример кодирования</a:t>
+            </a:r>
+          </a:p>
+        </p:txBody>
+      </p:sp>
+      <p:pic>
+        <p:nvPicPr>
+          <p:cNvPr id="5" name="Рисунок 4" descr="Фигура органическое натуральное угла">
+            <a:extLst>
+              <a:ext uri="{FF2B5EF4-FFF2-40B4-BE49-F238E27FC236}">
+                <a16:creationId xmlns:a16="http://schemas.microsoft.com/office/drawing/2014/main" id="{2965B820-169E-02FD-BC2E-3EA59C9E0793}"/>
+              </a:ext>
+            </a:extLst>
+          </p:cNvPr>
+          <p:cNvPicPr>
+            <a:picLocks noChangeAspect="1"/>
+          </p:cNvPicPr>
+          <p:nvPr/>
+        </p:nvPicPr>
+        <p:blipFill>
+          <a:blip r:embed="rId2">
+            <a:extLst>
+              <a:ext uri="{28A0092B-C50C-407E-A947-70E740481C1C}">
+                <a14:useLocalDpi xmlns:a14="http://schemas.microsoft.com/office/drawing/2010/main" val="0"/>
+              </a:ext>
+              <a:ext uri="{96DAC541-7B7A-43D3-8B79-37D633B846F1}">
+                <asvg:svgBlip xmlns:asvg="http://schemas.microsoft.com/office/drawing/2016/SVG/main" r:embed="rId3"/>
+              </a:ext>
+            </a:extLst>
+          </a:blip>
+          <a:stretch>
+            <a:fillRect/>
+          </a:stretch>
+        </p:blipFill>
+        <p:spPr>
+          <a:xfrm rot="10800000">
+            <a:off x="7620000" y="2286000"/>
+            <a:ext cx="4572000" cy="4572000"/>
+          </a:xfrm>
+          <a:prstGeom prst="rect">
+            <a:avLst/>
+          </a:prstGeom>
+        </p:spPr>
+      </p:pic>
+      <p:sp>
+        <p:nvSpPr>
+          <p:cNvPr id="4" name="Номер слайда 3">
+            <a:extLst>
+              <a:ext uri="{FF2B5EF4-FFF2-40B4-BE49-F238E27FC236}">
+                <a16:creationId xmlns:a16="http://schemas.microsoft.com/office/drawing/2014/main" id="{07821FB4-8A4E-F21D-A7C5-655E895FA474}"/>
+              </a:ext>
+            </a:extLst>
+          </p:cNvPr>
+          <p:cNvSpPr>
+            <a:spLocks noGrp="1"/>
+          </p:cNvSpPr>
+          <p:nvPr>
+            <p:ph type="sldNum" sz="quarter" idx="12"/>
+          </p:nvPr>
+        </p:nvSpPr>
         <p:spPr/>
         <p:txBody>
           <a:bodyPr/>
           <a:lstStyle/>
           <a:p>
+            <a:fld id="{BDD8F850-0430-479C-987D-4AFB6AF3E393}" type="slidenum">
+              <a:rPr lang="ru-RU" sz="2400" smtClean="0">
+                <a:solidFill>
+                  <a:schemeClr val="tx1"/>
+                </a:solidFill>
+              </a:rPr>
+              <a:t>5</a:t>
+            </a:fld>
+            <a:endParaRPr lang="ru-RU" sz="2400" dirty="0">
+              <a:solidFill>
+                <a:schemeClr val="tx1"/>
+              </a:solidFill>
+            </a:endParaRPr>
+          </a:p>
+        </p:txBody>
+      </p:sp>
+      <p:sp>
+        <p:nvSpPr>
+          <p:cNvPr id="3" name="TextBox 2">
+            <a:extLst>
+              <a:ext uri="{FF2B5EF4-FFF2-40B4-BE49-F238E27FC236}">
+                <a16:creationId xmlns:a16="http://schemas.microsoft.com/office/drawing/2014/main" id="{FD58C7F7-F3B8-AE84-31B4-50C097AD1F5C}"/>
+              </a:ext>
+            </a:extLst>
+          </p:cNvPr>
+          <p:cNvSpPr txBox="1"/>
+          <p:nvPr/>
+        </p:nvSpPr>
+        <p:spPr>
+          <a:xfrm>
+            <a:off x="661481" y="1712068"/>
+            <a:ext cx="9377464" cy="1846659"/>
+          </a:xfrm>
+          <a:prstGeom prst="rect">
+            <a:avLst/>
+          </a:prstGeom>
+          <a:noFill/>
+        </p:spPr>
+        <p:txBody>
+          <a:bodyPr wrap="square" rtlCol="0">
+            <a:spAutoFit/>
+          </a:bodyPr>
+          <a:lstStyle/>
+          <a:p>
+            <a:pPr marL="342900" indent="-342900">
+              <a:buFont typeface="Arial" panose="020B0604020202020204" pitchFamily="34" charset="0"/>
+              <a:buChar char="•"/>
+            </a:pPr>
+            <a:r>
+              <a:rPr lang="ru-RU" sz="2400" b="0" i="0" dirty="0">
+                <a:solidFill>
+                  <a:srgbClr val="1A1A1A"/>
+                </a:solidFill>
+                <a:effectLst/>
+                <a:latin typeface="+mj-lt"/>
+                <a:cs typeface="Times New Roman" panose="02020603050405020304" pitchFamily="18" charset="0"/>
+              </a:rPr>
+              <a:t>Выполним кодирование слова «</a:t>
+            </a:r>
+            <a:r>
+              <a:rPr lang="en-US" sz="2400" b="0" i="0" dirty="0">
+                <a:solidFill>
+                  <a:srgbClr val="1A1A1A"/>
+                </a:solidFill>
+                <a:effectLst/>
+                <a:latin typeface="+mj-lt"/>
+                <a:cs typeface="Times New Roman" panose="02020603050405020304" pitchFamily="18" charset="0"/>
+              </a:rPr>
+              <a:t>CEBA</a:t>
+            </a:r>
+            <a:r>
+              <a:rPr lang="ru-RU" sz="2400" b="0" i="0" dirty="0">
+                <a:solidFill>
+                  <a:srgbClr val="1A1A1A"/>
+                </a:solidFill>
+                <a:effectLst/>
+                <a:latin typeface="+mj-lt"/>
+                <a:cs typeface="Times New Roman" panose="02020603050405020304" pitchFamily="18" charset="0"/>
+              </a:rPr>
+              <a:t>»</a:t>
+            </a:r>
+            <a:r>
+              <a:rPr lang="en-US" sz="2400" dirty="0">
+                <a:solidFill>
+                  <a:srgbClr val="1A1A1A"/>
+                </a:solidFill>
+                <a:latin typeface="+mj-lt"/>
+                <a:cs typeface="Times New Roman" panose="02020603050405020304" pitchFamily="18" charset="0"/>
+              </a:rPr>
+              <a:t>.</a:t>
+            </a:r>
+            <a:endParaRPr lang="ru-RU" sz="2400" dirty="0">
+              <a:solidFill>
+                <a:srgbClr val="1A1A1A"/>
+              </a:solidFill>
+              <a:latin typeface="+mj-lt"/>
+              <a:cs typeface="Times New Roman" panose="02020603050405020304" pitchFamily="18" charset="0"/>
+            </a:endParaRPr>
+          </a:p>
+          <a:p>
+            <a:pPr marL="342900" indent="-342900">
+              <a:buFont typeface="Arial" panose="020B0604020202020204" pitchFamily="34" charset="0"/>
+              <a:buChar char="•"/>
+            </a:pPr>
+            <a:endParaRPr lang="ru-RU" sz="2400" b="0" i="0" dirty="0">
+              <a:solidFill>
+                <a:srgbClr val="1A1A1A"/>
+              </a:solidFill>
+              <a:effectLst/>
+              <a:latin typeface="+mj-lt"/>
+              <a:cs typeface="Times New Roman" panose="02020603050405020304" pitchFamily="18" charset="0"/>
+            </a:endParaRPr>
+          </a:p>
+          <a:p>
+            <a:pPr marL="342900" indent="-342900">
+              <a:buFont typeface="Arial" panose="020B0604020202020204" pitchFamily="34" charset="0"/>
+              <a:buChar char="•"/>
+            </a:pPr>
+            <a:r>
+              <a:rPr lang="ru-RU" sz="2400" b="0" i="0" dirty="0">
+                <a:solidFill>
+                  <a:srgbClr val="1A1A1A"/>
+                </a:solidFill>
+                <a:effectLst/>
+                <a:latin typeface="+mj-lt"/>
+                <a:cs typeface="Times New Roman" panose="02020603050405020304" pitchFamily="18" charset="0"/>
+              </a:rPr>
+              <a:t>Составим таблицу интервалов для символов входного сообщения, указав в ней вероятности символов</a:t>
+            </a:r>
+            <a:r>
+              <a:rPr lang="ru-RU" sz="2400" dirty="0">
+                <a:solidFill>
+                  <a:srgbClr val="1A1A1A"/>
+                </a:solidFill>
+                <a:latin typeface="+mj-lt"/>
+                <a:cs typeface="Times New Roman" panose="02020603050405020304" pitchFamily="18" charset="0"/>
+              </a:rPr>
+              <a:t>.</a:t>
+            </a:r>
+            <a:endParaRPr lang="ru-RU" sz="2400" b="0" i="0" dirty="0">
+              <a:solidFill>
+                <a:srgbClr val="1A1A1A"/>
+              </a:solidFill>
+              <a:effectLst/>
+              <a:latin typeface="+mj-lt"/>
+              <a:cs typeface="Times New Roman" panose="02020603050405020304" pitchFamily="18" charset="0"/>
+            </a:endParaRPr>
+          </a:p>
+          <a:p>
+            <a:endParaRPr lang="ru-RU" dirty="0"/>
+          </a:p>
+        </p:txBody>
+      </p:sp>
+    </p:spTree>
+    <p:extLst>
+      <p:ext uri="{BB962C8B-B14F-4D97-AF65-F5344CB8AC3E}">
+        <p14:creationId xmlns:p14="http://schemas.microsoft.com/office/powerpoint/2010/main" val="2621325035"/>
+      </p:ext>
+    </p:extLst>
+  </p:cSld>
+  <p:clrMapOvr>
+    <a:masterClrMapping/>
+  </p:clrMapOvr>
+  <p:transition spd="slow">
+    <p:push/>
+  </p:transition>
+</p:sld>
+</file>
+
+<file path=ppt/slides/slide6.xml><?xml version="1.0" encoding="utf-8"?>
+<p:sld xmlns:a="http://schemas.openxmlformats.org/drawingml/2006/main" xmlns:r="http://schemas.openxmlformats.org/officeDocument/2006/relationships" xmlns:p="http://schemas.openxmlformats.org/presentationml/2006/main">
+  <p:cSld>
+    <p:spTree>
+      <p:nvGrpSpPr>
+        <p:cNvPr id="1" name=""/>
+        <p:cNvGrpSpPr/>
+        <p:nvPr/>
+      </p:nvGrpSpPr>
+      <p:grpSpPr>
+        <a:xfrm>
+          <a:off x="0" y="0"/>
+          <a:ext cx="0" cy="0"/>
+          <a:chOff x="0" y="0"/>
+          <a:chExt cx="0" cy="0"/>
+        </a:xfrm>
+      </p:grpSpPr>
+      <p:sp>
+        <p:nvSpPr>
+          <p:cNvPr id="2" name="Заголовок 1">
+            <a:extLst>
+              <a:ext uri="{FF2B5EF4-FFF2-40B4-BE49-F238E27FC236}">
+                <a16:creationId xmlns:a16="http://schemas.microsoft.com/office/drawing/2014/main" id="{8B4EC07C-6F90-4852-2571-D6A31E77C29F}"/>
+              </a:ext>
+            </a:extLst>
+          </p:cNvPr>
+          <p:cNvSpPr>
+            <a:spLocks noGrp="1"/>
+          </p:cNvSpPr>
+          <p:nvPr>
+            <p:ph type="title"/>
+          </p:nvPr>
+        </p:nvSpPr>
+        <p:spPr/>
+        <p:txBody>
+          <a:bodyPr/>
+          <a:lstStyle/>
+          <a:p>
             <a:r>
               <a:rPr lang="ru-RU" dirty="0">
-                <a:latin typeface="Times New Roman" panose="02020603050405020304" pitchFamily="18" charset="0"/>
                 <a:cs typeface="Times New Roman" panose="02020603050405020304" pitchFamily="18" charset="0"/>
               </a:rPr>
               <a:t>Таблица вероятностей и интервалов</a:t>
@@ -5174,45 +6418,19 @@
             <p:ph idx="1"/>
           </p:nvPr>
         </p:nvSpPr>
-        <p:spPr/>
+        <p:spPr>
+          <a:xfrm>
+            <a:off x="838199" y="1690688"/>
+            <a:ext cx="10786353" cy="4486275"/>
+          </a:xfrm>
+        </p:spPr>
         <p:txBody>
           <a:bodyPr/>
           <a:lstStyle/>
           <a:p>
-            <a:pPr algn="l"/>
-            <a:r>
-              <a:rPr lang="ru-RU" b="0" i="0" dirty="0">
-                <a:solidFill>
-                  <a:srgbClr val="1A1A1A"/>
-                </a:solidFill>
-                <a:effectLst/>
-                <a:latin typeface="Times New Roman" panose="02020603050405020304" pitchFamily="18" charset="0"/>
-                <a:cs typeface="Times New Roman" panose="02020603050405020304" pitchFamily="18" charset="0"/>
-              </a:rPr>
-              <a:t>Составим таблицу интервалов для символов входного сообщения, указав в ней вероятности символов</a:t>
-            </a:r>
-            <a:r>
-              <a:rPr lang="en-US" b="0" i="0" dirty="0">
-                <a:solidFill>
-                  <a:srgbClr val="1A1A1A"/>
-                </a:solidFill>
-                <a:effectLst/>
-                <a:latin typeface="Times New Roman" panose="02020603050405020304" pitchFamily="18" charset="0"/>
-                <a:cs typeface="Times New Roman" panose="02020603050405020304" pitchFamily="18" charset="0"/>
-              </a:rPr>
-              <a:t>:</a:t>
-            </a:r>
-            <a:endParaRPr lang="ru-RU" b="0" i="0" dirty="0">
-              <a:solidFill>
-                <a:srgbClr val="1A1A1A"/>
-              </a:solidFill>
-              <a:effectLst/>
-              <a:latin typeface="Times New Roman" panose="02020603050405020304" pitchFamily="18" charset="0"/>
-              <a:cs typeface="Times New Roman" panose="02020603050405020304" pitchFamily="18" charset="0"/>
-            </a:endParaRPr>
-          </a:p>
-          <a:p>
-            <a:pPr algn="l"/>
+            <a:pPr marL="0" indent="0" algn="l">
+              <a:buNone/>
+            </a:pPr>
             <a:endParaRPr lang="ru-RU" b="0" i="0" dirty="0">
               <a:solidFill>
                 <a:srgbClr val="1A1A1A"/>
@@ -5719,1937 +6937,6 @@
                   <a:schemeClr val="tx1"/>
                 </a:solidFill>
               </a:rPr>
-              <a:t>5</a:t>
-            </a:fld>
-            <a:endParaRPr lang="ru-RU" sz="2400" dirty="0">
-              <a:solidFill>
-                <a:schemeClr val="tx1"/>
-              </a:solidFill>
-            </a:endParaRPr>
-          </a:p>
-        </p:txBody>
-      </p:sp>
-    </p:spTree>
-    <p:extLst>
-      <p:ext uri="{BB962C8B-B14F-4D97-AF65-F5344CB8AC3E}">
-        <p14:creationId xmlns:p14="http://schemas.microsoft.com/office/powerpoint/2010/main" val="4251193542"/>
-      </p:ext>
-    </p:extLst>
-  </p:cSld>
-  <p:clrMapOvr>
-    <a:masterClrMapping/>
-  </p:clrMapOvr>
-  <p:transition spd="slow">
-    <p:push/>
-  </p:transition>
-</p:sld>
-</file>
-
-<file path=ppt/slides/slide6.xml><?xml version="1.0" encoding="utf-8"?>
-<p:sld xmlns:a="http://schemas.openxmlformats.org/drawingml/2006/main" xmlns:r="http://schemas.openxmlformats.org/officeDocument/2006/relationships" xmlns:p="http://schemas.openxmlformats.org/presentationml/2006/main">
-  <p:cSld>
-    <p:spTree>
-      <p:nvGrpSpPr>
-        <p:cNvPr id="1" name=""/>
-        <p:cNvGrpSpPr/>
-        <p:nvPr/>
-      </p:nvGrpSpPr>
-      <p:grpSpPr>
-        <a:xfrm>
-          <a:off x="0" y="0"/>
-          <a:ext cx="0" cy="0"/>
-          <a:chOff x="0" y="0"/>
-          <a:chExt cx="0" cy="0"/>
-        </a:xfrm>
-      </p:grpSpPr>
-      <p:sp>
-        <p:nvSpPr>
-          <p:cNvPr id="2" name="Заголовок 1">
-            <a:extLst>
-              <a:ext uri="{FF2B5EF4-FFF2-40B4-BE49-F238E27FC236}">
-                <a16:creationId xmlns:a16="http://schemas.microsoft.com/office/drawing/2014/main" id="{6335129C-37C7-4A76-5CC1-46ECEFE07725}"/>
-              </a:ext>
-            </a:extLst>
-          </p:cNvPr>
-          <p:cNvSpPr>
-            <a:spLocks noGrp="1"/>
-          </p:cNvSpPr>
-          <p:nvPr>
-            <p:ph type="title"/>
-          </p:nvPr>
-        </p:nvSpPr>
-        <p:spPr/>
-        <p:txBody>
-          <a:bodyPr/>
-          <a:lstStyle/>
-          <a:p>
-            <a:r>
-              <a:rPr lang="ru-RU" dirty="0">
-                <a:latin typeface="Times New Roman" panose="02020603050405020304" pitchFamily="18" charset="0"/>
-                <a:cs typeface="Times New Roman" panose="02020603050405020304" pitchFamily="18" charset="0"/>
-              </a:rPr>
-              <a:t>Кодирование</a:t>
-            </a:r>
-            <a:endParaRPr lang="ru-RU" dirty="0"/>
-          </a:p>
-        </p:txBody>
-      </p:sp>
-      <p:sp>
-        <p:nvSpPr>
-          <p:cNvPr id="3" name="Объект 2">
-            <a:extLst>
-              <a:ext uri="{FF2B5EF4-FFF2-40B4-BE49-F238E27FC236}">
-                <a16:creationId xmlns:a16="http://schemas.microsoft.com/office/drawing/2014/main" id="{AF8C58FD-0323-D2AB-6B90-FAC24DC169BA}"/>
-              </a:ext>
-            </a:extLst>
-          </p:cNvPr>
-          <p:cNvSpPr>
-            <a:spLocks noGrp="1"/>
-          </p:cNvSpPr>
-          <p:nvPr>
-            <p:ph idx="1"/>
-          </p:nvPr>
-        </p:nvSpPr>
-        <p:spPr>
-          <a:xfrm>
-            <a:off x="594793" y="1491601"/>
-            <a:ext cx="10515600" cy="5366399"/>
-          </a:xfrm>
-        </p:spPr>
-        <p:txBody>
-          <a:bodyPr>
-            <a:normAutofit fontScale="40000" lnSpcReduction="20000"/>
-          </a:bodyPr>
-          <a:lstStyle/>
-          <a:p>
-            <a:pPr marL="0" indent="0">
-              <a:buNone/>
-            </a:pPr>
-            <a:r>
-              <a:rPr lang="ru-RU" sz="4500" b="0" i="0" dirty="0">
-                <a:solidFill>
-                  <a:srgbClr val="1A1A1A"/>
-                </a:solidFill>
-                <a:effectLst/>
-                <a:latin typeface="Times New Roman" panose="02020603050405020304" pitchFamily="18" charset="0"/>
-                <a:cs typeface="Times New Roman" panose="02020603050405020304" pitchFamily="18" charset="0"/>
-              </a:rPr>
-              <a:t>Выполним кодирование слова «</a:t>
-            </a:r>
-            <a:r>
-              <a:rPr lang="en-US" sz="4500" b="0" i="0" dirty="0">
-                <a:solidFill>
-                  <a:srgbClr val="1A1A1A"/>
-                </a:solidFill>
-                <a:effectLst/>
-                <a:latin typeface="Times New Roman" panose="02020603050405020304" pitchFamily="18" charset="0"/>
-                <a:cs typeface="Times New Roman" panose="02020603050405020304" pitchFamily="18" charset="0"/>
-              </a:rPr>
-              <a:t>CEBA</a:t>
-            </a:r>
-            <a:r>
-              <a:rPr lang="ru-RU" sz="4500" b="0" i="0" dirty="0">
-                <a:solidFill>
-                  <a:srgbClr val="1A1A1A"/>
-                </a:solidFill>
-                <a:effectLst/>
-                <a:latin typeface="Times New Roman" panose="02020603050405020304" pitchFamily="18" charset="0"/>
-                <a:cs typeface="Times New Roman" panose="02020603050405020304" pitchFamily="18" charset="0"/>
-              </a:rPr>
-              <a:t>»</a:t>
-            </a:r>
-            <a:r>
-              <a:rPr lang="en-US" sz="4500" dirty="0">
-                <a:solidFill>
-                  <a:srgbClr val="1A1A1A"/>
-                </a:solidFill>
-                <a:latin typeface="Times New Roman" panose="02020603050405020304" pitchFamily="18" charset="0"/>
-                <a:cs typeface="Times New Roman" panose="02020603050405020304" pitchFamily="18" charset="0"/>
-              </a:rPr>
-              <a:t>.</a:t>
-            </a:r>
-            <a:endParaRPr lang="ru-RU" sz="4500" dirty="0">
-              <a:solidFill>
-                <a:srgbClr val="1A1A1A"/>
-              </a:solidFill>
-              <a:latin typeface="Times New Roman" panose="02020603050405020304" pitchFamily="18" charset="0"/>
-              <a:cs typeface="Times New Roman" panose="02020603050405020304" pitchFamily="18" charset="0"/>
-            </a:endParaRPr>
-          </a:p>
-          <a:p>
-            <a:pPr marL="0" indent="0">
-              <a:buNone/>
-            </a:pPr>
-            <a:endParaRPr lang="en-US" sz="4500" dirty="0">
-              <a:solidFill>
-                <a:srgbClr val="1A1A1A"/>
-              </a:solidFill>
-              <a:latin typeface="Times New Roman" panose="02020603050405020304" pitchFamily="18" charset="0"/>
-              <a:cs typeface="Times New Roman" panose="02020603050405020304" pitchFamily="18" charset="0"/>
-            </a:endParaRPr>
-          </a:p>
-          <a:p>
-            <a:pPr marL="457200" lvl="1" indent="0">
-              <a:buNone/>
-            </a:pPr>
-            <a:r>
-              <a:rPr lang="ru-RU" sz="4500" b="0" i="0" dirty="0">
-                <a:solidFill>
-                  <a:srgbClr val="1A1A1A"/>
-                </a:solidFill>
-                <a:effectLst/>
-                <a:latin typeface="Times New Roman" panose="02020603050405020304" pitchFamily="18" charset="0"/>
-                <a:cs typeface="Times New Roman" panose="02020603050405020304" pitchFamily="18" charset="0"/>
-              </a:rPr>
-              <a:t>Начальные условия: </a:t>
-            </a:r>
-            <a:r>
-              <a:rPr lang="en-US" sz="4500" b="0" i="0" dirty="0">
-                <a:solidFill>
-                  <a:srgbClr val="1A1A1A"/>
-                </a:solidFill>
-                <a:effectLst/>
-                <a:latin typeface="Times New Roman" panose="02020603050405020304" pitchFamily="18" charset="0"/>
-                <a:cs typeface="Times New Roman" panose="02020603050405020304" pitchFamily="18" charset="0"/>
-              </a:rPr>
-              <a:t>Low</a:t>
-            </a:r>
-            <a:r>
-              <a:rPr lang="ru-RU" sz="4500" b="0" i="0" dirty="0">
-                <a:solidFill>
-                  <a:srgbClr val="1A1A1A"/>
-                </a:solidFill>
-                <a:effectLst/>
-                <a:latin typeface="Times New Roman" panose="02020603050405020304" pitchFamily="18" charset="0"/>
-                <a:cs typeface="Times New Roman" panose="02020603050405020304" pitchFamily="18" charset="0"/>
-              </a:rPr>
-              <a:t>=0, </a:t>
-            </a:r>
-            <a:r>
-              <a:rPr lang="en-US" sz="4500" b="0" i="0" dirty="0">
-                <a:solidFill>
-                  <a:srgbClr val="1A1A1A"/>
-                </a:solidFill>
-                <a:effectLst/>
-                <a:latin typeface="Times New Roman" panose="02020603050405020304" pitchFamily="18" charset="0"/>
-                <a:cs typeface="Times New Roman" panose="02020603050405020304" pitchFamily="18" charset="0"/>
-              </a:rPr>
-              <a:t>High</a:t>
-            </a:r>
-            <a:r>
-              <a:rPr lang="ru-RU" sz="4500" b="0" i="0" dirty="0">
-                <a:solidFill>
-                  <a:srgbClr val="1A1A1A"/>
-                </a:solidFill>
-                <a:effectLst/>
-                <a:latin typeface="Times New Roman" panose="02020603050405020304" pitchFamily="18" charset="0"/>
-                <a:cs typeface="Times New Roman" panose="02020603050405020304" pitchFamily="18" charset="0"/>
-              </a:rPr>
-              <a:t>=1.</a:t>
-            </a:r>
-          </a:p>
-          <a:p>
-            <a:pPr marL="0" indent="457200" algn="l">
-              <a:buNone/>
-            </a:pPr>
-            <a:r>
-              <a:rPr lang="ru-RU" sz="4500" b="1" i="0" dirty="0">
-                <a:solidFill>
-                  <a:srgbClr val="1A1A1A"/>
-                </a:solidFill>
-                <a:effectLst/>
-                <a:latin typeface="Times New Roman" panose="02020603050405020304" pitchFamily="18" charset="0"/>
-                <a:cs typeface="Times New Roman" panose="02020603050405020304" pitchFamily="18" charset="0"/>
-              </a:rPr>
-              <a:t>Для символа </a:t>
-            </a:r>
-            <a:r>
-              <a:rPr lang="en-US" sz="4500" b="1" dirty="0">
-                <a:solidFill>
-                  <a:srgbClr val="1A1A1A"/>
-                </a:solidFill>
-                <a:latin typeface="Times New Roman" panose="02020603050405020304" pitchFamily="18" charset="0"/>
-                <a:cs typeface="Times New Roman" panose="02020603050405020304" pitchFamily="18" charset="0"/>
-              </a:rPr>
-              <a:t>“C”</a:t>
-            </a:r>
-            <a:r>
-              <a:rPr lang="ru-RU" sz="4500" b="1" i="0" dirty="0">
-                <a:solidFill>
-                  <a:srgbClr val="1A1A1A"/>
-                </a:solidFill>
-                <a:effectLst/>
-                <a:latin typeface="Times New Roman" panose="02020603050405020304" pitchFamily="18" charset="0"/>
-                <a:cs typeface="Times New Roman" panose="02020603050405020304" pitchFamily="18" charset="0"/>
-              </a:rPr>
-              <a:t>:</a:t>
-            </a:r>
-          </a:p>
-          <a:p>
-            <a:pPr marL="457200" lvl="1" indent="457200">
-              <a:buNone/>
-            </a:pPr>
-            <a:r>
-              <a:rPr lang="en-US" sz="4100" dirty="0">
-                <a:solidFill>
-                  <a:srgbClr val="1A1A1A"/>
-                </a:solidFill>
-                <a:latin typeface="Times New Roman" panose="02020603050405020304" pitchFamily="18" charset="0"/>
-                <a:cs typeface="Times New Roman" panose="02020603050405020304" pitchFamily="18" charset="0"/>
-              </a:rPr>
-              <a:t>L</a:t>
-            </a:r>
-            <a:r>
-              <a:rPr lang="ru-RU" sz="4100" b="0" i="0" dirty="0">
-                <a:solidFill>
-                  <a:srgbClr val="1A1A1A"/>
-                </a:solidFill>
-                <a:effectLst/>
-                <a:latin typeface="Times New Roman" panose="02020603050405020304" pitchFamily="18" charset="0"/>
-                <a:cs typeface="Times New Roman" panose="02020603050405020304" pitchFamily="18" charset="0"/>
-              </a:rPr>
-              <a:t>1= </a:t>
-            </a:r>
-            <a:r>
-              <a:rPr lang="en-US" sz="4100" b="0" i="0" dirty="0">
-                <a:solidFill>
-                  <a:srgbClr val="1A1A1A"/>
-                </a:solidFill>
-                <a:effectLst/>
-                <a:latin typeface="Times New Roman" panose="02020603050405020304" pitchFamily="18" charset="0"/>
-                <a:cs typeface="Times New Roman" panose="02020603050405020304" pitchFamily="18" charset="0"/>
-              </a:rPr>
-              <a:t>L</a:t>
-            </a:r>
-            <a:r>
-              <a:rPr lang="en-US" sz="4100" dirty="0">
-                <a:solidFill>
-                  <a:srgbClr val="1A1A1A"/>
-                </a:solidFill>
-                <a:latin typeface="Times New Roman" panose="02020603050405020304" pitchFamily="18" charset="0"/>
-                <a:cs typeface="Times New Roman" panose="02020603050405020304" pitchFamily="18" charset="0"/>
-              </a:rPr>
-              <a:t>ow</a:t>
-            </a:r>
-            <a:r>
-              <a:rPr lang="ru-RU" sz="4100" b="0" i="0" dirty="0">
-                <a:solidFill>
-                  <a:srgbClr val="1A1A1A"/>
-                </a:solidFill>
-                <a:effectLst/>
-                <a:latin typeface="Times New Roman" panose="02020603050405020304" pitchFamily="18" charset="0"/>
-                <a:cs typeface="Times New Roman" panose="02020603050405020304" pitchFamily="18" charset="0"/>
-              </a:rPr>
-              <a:t>+</a:t>
-            </a:r>
-            <a:r>
-              <a:rPr lang="en-US" sz="4100" b="0" i="0" dirty="0">
-                <a:solidFill>
-                  <a:srgbClr val="1A1A1A"/>
-                </a:solidFill>
-                <a:effectLst/>
-                <a:latin typeface="Times New Roman" panose="02020603050405020304" pitchFamily="18" charset="0"/>
-                <a:cs typeface="Times New Roman" panose="02020603050405020304" pitchFamily="18" charset="0"/>
-              </a:rPr>
-              <a:t>L</a:t>
-            </a:r>
-            <a:r>
-              <a:rPr lang="ru-RU" sz="4100" b="0" i="0" dirty="0">
-                <a:solidFill>
-                  <a:srgbClr val="1A1A1A"/>
-                </a:solidFill>
-                <a:effectLst/>
-                <a:latin typeface="Times New Roman" panose="02020603050405020304" pitchFamily="18" charset="0"/>
-                <a:cs typeface="Times New Roman" panose="02020603050405020304" pitchFamily="18" charset="0"/>
-              </a:rPr>
-              <a:t>[</a:t>
-            </a:r>
-            <a:r>
-              <a:rPr lang="en-US" sz="4100" b="0" i="0" dirty="0">
-                <a:solidFill>
-                  <a:srgbClr val="1A1A1A"/>
-                </a:solidFill>
-                <a:effectLst/>
-                <a:latin typeface="Times New Roman" panose="02020603050405020304" pitchFamily="18" charset="0"/>
-                <a:cs typeface="Times New Roman" panose="02020603050405020304" pitchFamily="18" charset="0"/>
-              </a:rPr>
-              <a:t>C</a:t>
-            </a:r>
-            <a:r>
-              <a:rPr lang="ru-RU" sz="4100" b="0" i="0" dirty="0">
-                <a:solidFill>
-                  <a:srgbClr val="1A1A1A"/>
-                </a:solidFill>
-                <a:effectLst/>
-                <a:latin typeface="Times New Roman" panose="02020603050405020304" pitchFamily="18" charset="0"/>
-                <a:cs typeface="Times New Roman" panose="02020603050405020304" pitchFamily="18" charset="0"/>
-              </a:rPr>
-              <a:t>] (</a:t>
-            </a:r>
-            <a:r>
-              <a:rPr lang="en-US" sz="4100" b="0" i="0" dirty="0">
-                <a:solidFill>
-                  <a:srgbClr val="1A1A1A"/>
-                </a:solidFill>
-                <a:effectLst/>
-                <a:latin typeface="Times New Roman" panose="02020603050405020304" pitchFamily="18" charset="0"/>
-                <a:cs typeface="Times New Roman" panose="02020603050405020304" pitchFamily="18" charset="0"/>
-              </a:rPr>
-              <a:t>H</a:t>
-            </a:r>
-            <a:r>
-              <a:rPr lang="en-US" sz="4100" dirty="0">
-                <a:solidFill>
-                  <a:srgbClr val="1A1A1A"/>
-                </a:solidFill>
-                <a:latin typeface="Times New Roman" panose="02020603050405020304" pitchFamily="18" charset="0"/>
-                <a:cs typeface="Times New Roman" panose="02020603050405020304" pitchFamily="18" charset="0"/>
-              </a:rPr>
-              <a:t>igh</a:t>
-            </a:r>
-            <a:r>
-              <a:rPr lang="ru-RU" sz="4100" b="0" i="0" dirty="0">
-                <a:solidFill>
-                  <a:srgbClr val="1A1A1A"/>
-                </a:solidFill>
-                <a:effectLst/>
-                <a:latin typeface="Times New Roman" panose="02020603050405020304" pitchFamily="18" charset="0"/>
-                <a:cs typeface="Times New Roman" panose="02020603050405020304" pitchFamily="18" charset="0"/>
-              </a:rPr>
-              <a:t>- </a:t>
-            </a:r>
-            <a:r>
-              <a:rPr lang="en-US" sz="4100" b="0" i="0" dirty="0">
-                <a:solidFill>
-                  <a:srgbClr val="1A1A1A"/>
-                </a:solidFill>
-                <a:effectLst/>
-                <a:latin typeface="Times New Roman" panose="02020603050405020304" pitchFamily="18" charset="0"/>
-                <a:cs typeface="Times New Roman" panose="02020603050405020304" pitchFamily="18" charset="0"/>
-              </a:rPr>
-              <a:t>Low</a:t>
-            </a:r>
-            <a:r>
-              <a:rPr lang="ru-RU" sz="4100" b="0" i="0" dirty="0">
-                <a:solidFill>
-                  <a:srgbClr val="1A1A1A"/>
-                </a:solidFill>
-                <a:effectLst/>
-                <a:latin typeface="Times New Roman" panose="02020603050405020304" pitchFamily="18" charset="0"/>
-                <a:cs typeface="Times New Roman" panose="02020603050405020304" pitchFamily="18" charset="0"/>
-              </a:rPr>
-              <a:t>) =</a:t>
-            </a:r>
-            <a:r>
-              <a:rPr lang="en-US" sz="4100" b="0" i="0" dirty="0">
-                <a:solidFill>
-                  <a:srgbClr val="1A1A1A"/>
-                </a:solidFill>
-                <a:effectLst/>
-                <a:latin typeface="Times New Roman" panose="02020603050405020304" pitchFamily="18" charset="0"/>
-                <a:cs typeface="Times New Roman" panose="02020603050405020304" pitchFamily="18" charset="0"/>
-              </a:rPr>
-              <a:t> </a:t>
-            </a:r>
-            <a:r>
-              <a:rPr lang="ru-RU" sz="4100" b="0" i="0" dirty="0">
-                <a:solidFill>
-                  <a:srgbClr val="1A1A1A"/>
-                </a:solidFill>
-                <a:effectLst/>
-                <a:latin typeface="Times New Roman" panose="02020603050405020304" pitchFamily="18" charset="0"/>
-                <a:cs typeface="Times New Roman" panose="02020603050405020304" pitchFamily="18" charset="0"/>
-              </a:rPr>
-              <a:t>0+0,5(1-0) =</a:t>
-            </a:r>
-            <a:r>
-              <a:rPr lang="en-US" sz="4100" b="0" i="0" dirty="0">
-                <a:solidFill>
-                  <a:srgbClr val="1A1A1A"/>
-                </a:solidFill>
-                <a:effectLst/>
-                <a:latin typeface="Times New Roman" panose="02020603050405020304" pitchFamily="18" charset="0"/>
-                <a:cs typeface="Times New Roman" panose="02020603050405020304" pitchFamily="18" charset="0"/>
-              </a:rPr>
-              <a:t> </a:t>
-            </a:r>
-            <a:r>
-              <a:rPr lang="ru-RU" sz="4100" b="0" i="0" dirty="0">
-                <a:solidFill>
-                  <a:srgbClr val="1A1A1A"/>
-                </a:solidFill>
-                <a:effectLst/>
-                <a:latin typeface="Times New Roman" panose="02020603050405020304" pitchFamily="18" charset="0"/>
-                <a:cs typeface="Times New Roman" panose="02020603050405020304" pitchFamily="18" charset="0"/>
-              </a:rPr>
-              <a:t>0,5</a:t>
-            </a:r>
-          </a:p>
-          <a:p>
-            <a:pPr marL="457200" lvl="1" indent="457200">
-              <a:buNone/>
-            </a:pPr>
-            <a:r>
-              <a:rPr lang="en-US" sz="4100" dirty="0">
-                <a:solidFill>
-                  <a:srgbClr val="1A1A1A"/>
-                </a:solidFill>
-                <a:latin typeface="Times New Roman" panose="02020603050405020304" pitchFamily="18" charset="0"/>
-                <a:cs typeface="Times New Roman" panose="02020603050405020304" pitchFamily="18" charset="0"/>
-              </a:rPr>
-              <a:t>H</a:t>
-            </a:r>
-            <a:r>
-              <a:rPr lang="ru-RU" sz="4100" b="0" i="0" dirty="0">
-                <a:solidFill>
-                  <a:srgbClr val="1A1A1A"/>
-                </a:solidFill>
-                <a:effectLst/>
-                <a:latin typeface="Times New Roman" panose="02020603050405020304" pitchFamily="18" charset="0"/>
-                <a:cs typeface="Times New Roman" panose="02020603050405020304" pitchFamily="18" charset="0"/>
-              </a:rPr>
-              <a:t>1= </a:t>
-            </a:r>
-            <a:r>
-              <a:rPr lang="en-US" sz="4100" b="0" i="0" dirty="0">
-                <a:solidFill>
-                  <a:srgbClr val="1A1A1A"/>
-                </a:solidFill>
-                <a:effectLst/>
-                <a:latin typeface="Times New Roman" panose="02020603050405020304" pitchFamily="18" charset="0"/>
-                <a:cs typeface="Times New Roman" panose="02020603050405020304" pitchFamily="18" charset="0"/>
-              </a:rPr>
-              <a:t>Low</a:t>
-            </a:r>
-            <a:r>
-              <a:rPr lang="ru-RU" sz="4100" b="0" i="0" dirty="0">
-                <a:solidFill>
-                  <a:srgbClr val="1A1A1A"/>
-                </a:solidFill>
-                <a:effectLst/>
-                <a:latin typeface="Times New Roman" panose="02020603050405020304" pitchFamily="18" charset="0"/>
-                <a:cs typeface="Times New Roman" panose="02020603050405020304" pitchFamily="18" charset="0"/>
-              </a:rPr>
-              <a:t>+</a:t>
-            </a:r>
-            <a:r>
-              <a:rPr lang="en-US" sz="4100" b="0" i="0" dirty="0">
-                <a:solidFill>
-                  <a:srgbClr val="1A1A1A"/>
-                </a:solidFill>
-                <a:effectLst/>
-                <a:latin typeface="Times New Roman" panose="02020603050405020304" pitchFamily="18" charset="0"/>
-                <a:cs typeface="Times New Roman" panose="02020603050405020304" pitchFamily="18" charset="0"/>
-              </a:rPr>
-              <a:t>H</a:t>
-            </a:r>
-            <a:r>
-              <a:rPr lang="ru-RU" sz="4100" b="0" i="0" dirty="0">
-                <a:solidFill>
-                  <a:srgbClr val="1A1A1A"/>
-                </a:solidFill>
-                <a:effectLst/>
-                <a:latin typeface="Times New Roman" panose="02020603050405020304" pitchFamily="18" charset="0"/>
-                <a:cs typeface="Times New Roman" panose="02020603050405020304" pitchFamily="18" charset="0"/>
-              </a:rPr>
-              <a:t>[</a:t>
-            </a:r>
-            <a:r>
-              <a:rPr lang="en-US" sz="4100" b="0" i="0" dirty="0">
-                <a:solidFill>
-                  <a:srgbClr val="1A1A1A"/>
-                </a:solidFill>
-                <a:effectLst/>
-                <a:latin typeface="Times New Roman" panose="02020603050405020304" pitchFamily="18" charset="0"/>
-                <a:cs typeface="Times New Roman" panose="02020603050405020304" pitchFamily="18" charset="0"/>
-              </a:rPr>
-              <a:t>C</a:t>
-            </a:r>
-            <a:r>
-              <a:rPr lang="ru-RU" sz="4100" b="0" i="0" dirty="0">
-                <a:solidFill>
-                  <a:srgbClr val="1A1A1A"/>
-                </a:solidFill>
-                <a:effectLst/>
-                <a:latin typeface="Times New Roman" panose="02020603050405020304" pitchFamily="18" charset="0"/>
-                <a:cs typeface="Times New Roman" panose="02020603050405020304" pitchFamily="18" charset="0"/>
-              </a:rPr>
-              <a:t>] (</a:t>
-            </a:r>
-            <a:r>
-              <a:rPr lang="en-US" sz="4100" b="0" i="0" dirty="0">
-                <a:solidFill>
-                  <a:srgbClr val="1A1A1A"/>
-                </a:solidFill>
-                <a:effectLst/>
-                <a:latin typeface="Times New Roman" panose="02020603050405020304" pitchFamily="18" charset="0"/>
-                <a:cs typeface="Times New Roman" panose="02020603050405020304" pitchFamily="18" charset="0"/>
-              </a:rPr>
-              <a:t>High-Low</a:t>
-            </a:r>
-            <a:r>
-              <a:rPr lang="ru-RU" sz="4100" b="0" i="0" dirty="0">
-                <a:solidFill>
-                  <a:srgbClr val="1A1A1A"/>
-                </a:solidFill>
-                <a:effectLst/>
-                <a:latin typeface="Times New Roman" panose="02020603050405020304" pitchFamily="18" charset="0"/>
-                <a:cs typeface="Times New Roman" panose="02020603050405020304" pitchFamily="18" charset="0"/>
-              </a:rPr>
-              <a:t>) =</a:t>
-            </a:r>
-            <a:r>
-              <a:rPr lang="en-US" sz="4100" b="0" i="0" dirty="0">
-                <a:solidFill>
-                  <a:srgbClr val="1A1A1A"/>
-                </a:solidFill>
-                <a:effectLst/>
-                <a:latin typeface="Times New Roman" panose="02020603050405020304" pitchFamily="18" charset="0"/>
-                <a:cs typeface="Times New Roman" panose="02020603050405020304" pitchFamily="18" charset="0"/>
-              </a:rPr>
-              <a:t> </a:t>
-            </a:r>
-            <a:r>
-              <a:rPr lang="ru-RU" sz="4100" b="0" i="0" dirty="0">
-                <a:solidFill>
-                  <a:srgbClr val="1A1A1A"/>
-                </a:solidFill>
-                <a:effectLst/>
-                <a:latin typeface="Times New Roman" panose="02020603050405020304" pitchFamily="18" charset="0"/>
-                <a:cs typeface="Times New Roman" panose="02020603050405020304" pitchFamily="18" charset="0"/>
-              </a:rPr>
-              <a:t>0+0,75(1-0) =</a:t>
-            </a:r>
-            <a:r>
-              <a:rPr lang="en-US" sz="4100" b="0" i="0" dirty="0">
-                <a:solidFill>
-                  <a:srgbClr val="1A1A1A"/>
-                </a:solidFill>
-                <a:effectLst/>
-                <a:latin typeface="Times New Roman" panose="02020603050405020304" pitchFamily="18" charset="0"/>
-                <a:cs typeface="Times New Roman" panose="02020603050405020304" pitchFamily="18" charset="0"/>
-              </a:rPr>
-              <a:t> </a:t>
-            </a:r>
-            <a:r>
-              <a:rPr lang="ru-RU" sz="4100" b="0" i="0" dirty="0">
-                <a:solidFill>
-                  <a:srgbClr val="1A1A1A"/>
-                </a:solidFill>
-                <a:effectLst/>
-                <a:latin typeface="Times New Roman" panose="02020603050405020304" pitchFamily="18" charset="0"/>
-                <a:cs typeface="Times New Roman" panose="02020603050405020304" pitchFamily="18" charset="0"/>
-              </a:rPr>
-              <a:t>0,75</a:t>
-            </a:r>
-          </a:p>
-          <a:p>
-            <a:pPr marL="457200" lvl="1" indent="457200">
-              <a:buNone/>
-            </a:pPr>
-            <a:endParaRPr lang="ru-RU" sz="4100" b="0" i="0" dirty="0">
-              <a:solidFill>
-                <a:srgbClr val="1A1A1A"/>
-              </a:solidFill>
-              <a:effectLst/>
-              <a:latin typeface="Times New Roman" panose="02020603050405020304" pitchFamily="18" charset="0"/>
-              <a:cs typeface="Times New Roman" panose="02020603050405020304" pitchFamily="18" charset="0"/>
-            </a:endParaRPr>
-          </a:p>
-          <a:p>
-            <a:pPr marL="0" indent="457200" algn="l">
-              <a:buNone/>
-            </a:pPr>
-            <a:r>
-              <a:rPr lang="ru-RU" sz="4500" b="1" i="0" dirty="0">
-                <a:solidFill>
-                  <a:srgbClr val="1A1A1A"/>
-                </a:solidFill>
-                <a:effectLst/>
-                <a:latin typeface="Times New Roman" panose="02020603050405020304" pitchFamily="18" charset="0"/>
-                <a:cs typeface="Times New Roman" panose="02020603050405020304" pitchFamily="18" charset="0"/>
-              </a:rPr>
-              <a:t>Для символа</a:t>
-            </a:r>
-            <a:r>
-              <a:rPr lang="en-US" sz="4500" b="1" i="0" dirty="0">
-                <a:solidFill>
-                  <a:srgbClr val="1A1A1A"/>
-                </a:solidFill>
-                <a:effectLst/>
-                <a:latin typeface="Times New Roman" panose="02020603050405020304" pitchFamily="18" charset="0"/>
-                <a:cs typeface="Times New Roman" panose="02020603050405020304" pitchFamily="18" charset="0"/>
-              </a:rPr>
-              <a:t> ”E”:</a:t>
-            </a:r>
-            <a:endParaRPr lang="ru-RU" sz="4500" b="1" i="0" dirty="0">
-              <a:solidFill>
-                <a:srgbClr val="1A1A1A"/>
-              </a:solidFill>
-              <a:effectLst/>
-              <a:latin typeface="Times New Roman" panose="02020603050405020304" pitchFamily="18" charset="0"/>
-              <a:cs typeface="Times New Roman" panose="02020603050405020304" pitchFamily="18" charset="0"/>
-            </a:endParaRPr>
-          </a:p>
-          <a:p>
-            <a:pPr marL="457200" lvl="1" indent="457200">
-              <a:buNone/>
-            </a:pPr>
-            <a:r>
-              <a:rPr lang="en-US" sz="4100" dirty="0">
-                <a:solidFill>
-                  <a:srgbClr val="1A1A1A"/>
-                </a:solidFill>
-                <a:latin typeface="Times New Roman" panose="02020603050405020304" pitchFamily="18" charset="0"/>
-                <a:cs typeface="Times New Roman" panose="02020603050405020304" pitchFamily="18" charset="0"/>
-              </a:rPr>
-              <a:t>L</a:t>
-            </a:r>
-            <a:r>
-              <a:rPr lang="ru-RU" sz="4100" b="0" i="0" dirty="0">
-                <a:solidFill>
-                  <a:srgbClr val="1A1A1A"/>
-                </a:solidFill>
-                <a:effectLst/>
-                <a:latin typeface="Times New Roman" panose="02020603050405020304" pitchFamily="18" charset="0"/>
-                <a:cs typeface="Times New Roman" panose="02020603050405020304" pitchFamily="18" charset="0"/>
-              </a:rPr>
-              <a:t>2= </a:t>
-            </a:r>
-            <a:r>
-              <a:rPr lang="en-US" sz="4100" b="0" i="0" dirty="0">
-                <a:solidFill>
-                  <a:srgbClr val="1A1A1A"/>
-                </a:solidFill>
-                <a:effectLst/>
-                <a:latin typeface="Times New Roman" panose="02020603050405020304" pitchFamily="18" charset="0"/>
-                <a:cs typeface="Times New Roman" panose="02020603050405020304" pitchFamily="18" charset="0"/>
-              </a:rPr>
-              <a:t>Low</a:t>
-            </a:r>
-            <a:r>
-              <a:rPr lang="ru-RU" sz="4100" b="0" i="0" dirty="0">
-                <a:solidFill>
-                  <a:srgbClr val="1A1A1A"/>
-                </a:solidFill>
-                <a:effectLst/>
-                <a:latin typeface="Times New Roman" panose="02020603050405020304" pitchFamily="18" charset="0"/>
-                <a:cs typeface="Times New Roman" panose="02020603050405020304" pitchFamily="18" charset="0"/>
-              </a:rPr>
-              <a:t>+</a:t>
-            </a:r>
-            <a:r>
-              <a:rPr lang="en-US" sz="4100" b="0" i="0" dirty="0">
-                <a:solidFill>
-                  <a:srgbClr val="1A1A1A"/>
-                </a:solidFill>
-                <a:effectLst/>
-                <a:latin typeface="Times New Roman" panose="02020603050405020304" pitchFamily="18" charset="0"/>
-                <a:cs typeface="Times New Roman" panose="02020603050405020304" pitchFamily="18" charset="0"/>
-              </a:rPr>
-              <a:t>L</a:t>
-            </a:r>
-            <a:r>
-              <a:rPr lang="ru-RU" sz="4100" b="0" i="0" dirty="0">
-                <a:solidFill>
-                  <a:srgbClr val="1A1A1A"/>
-                </a:solidFill>
-                <a:effectLst/>
-                <a:latin typeface="Times New Roman" panose="02020603050405020304" pitchFamily="18" charset="0"/>
-                <a:cs typeface="Times New Roman" panose="02020603050405020304" pitchFamily="18" charset="0"/>
-              </a:rPr>
-              <a:t>[</a:t>
-            </a:r>
-            <a:r>
-              <a:rPr lang="en-US" sz="4100" b="0" i="0" dirty="0">
-                <a:solidFill>
-                  <a:srgbClr val="1A1A1A"/>
-                </a:solidFill>
-                <a:effectLst/>
-                <a:latin typeface="Times New Roman" panose="02020603050405020304" pitchFamily="18" charset="0"/>
-                <a:cs typeface="Times New Roman" panose="02020603050405020304" pitchFamily="18" charset="0"/>
-              </a:rPr>
-              <a:t>E</a:t>
-            </a:r>
-            <a:r>
-              <a:rPr lang="ru-RU" sz="4100" b="0" i="0" dirty="0">
-                <a:solidFill>
-                  <a:srgbClr val="1A1A1A"/>
-                </a:solidFill>
-                <a:effectLst/>
-                <a:latin typeface="Times New Roman" panose="02020603050405020304" pitchFamily="18" charset="0"/>
-                <a:cs typeface="Times New Roman" panose="02020603050405020304" pitchFamily="18" charset="0"/>
-              </a:rPr>
-              <a:t>] (</a:t>
-            </a:r>
-            <a:r>
-              <a:rPr lang="en-US" sz="4100" b="0" i="0" dirty="0">
-                <a:solidFill>
-                  <a:srgbClr val="1A1A1A"/>
-                </a:solidFill>
-                <a:effectLst/>
-                <a:latin typeface="Times New Roman" panose="02020603050405020304" pitchFamily="18" charset="0"/>
-                <a:cs typeface="Times New Roman" panose="02020603050405020304" pitchFamily="18" charset="0"/>
-              </a:rPr>
-              <a:t>H</a:t>
-            </a:r>
-            <a:r>
-              <a:rPr lang="ru-RU" sz="4100" b="0" i="0" dirty="0">
-                <a:solidFill>
-                  <a:srgbClr val="1A1A1A"/>
-                </a:solidFill>
-                <a:effectLst/>
-                <a:latin typeface="Times New Roman" panose="02020603050405020304" pitchFamily="18" charset="0"/>
-                <a:cs typeface="Times New Roman" panose="02020603050405020304" pitchFamily="18" charset="0"/>
-              </a:rPr>
-              <a:t>1- </a:t>
-            </a:r>
-            <a:r>
-              <a:rPr lang="en-US" sz="4100" dirty="0">
-                <a:solidFill>
-                  <a:srgbClr val="1A1A1A"/>
-                </a:solidFill>
-                <a:latin typeface="Times New Roman" panose="02020603050405020304" pitchFamily="18" charset="0"/>
-                <a:cs typeface="Times New Roman" panose="02020603050405020304" pitchFamily="18" charset="0"/>
-              </a:rPr>
-              <a:t>L</a:t>
-            </a:r>
-            <a:r>
-              <a:rPr lang="ru-RU" sz="4100" b="0" i="0" dirty="0">
-                <a:solidFill>
-                  <a:srgbClr val="1A1A1A"/>
-                </a:solidFill>
-                <a:effectLst/>
-                <a:latin typeface="Times New Roman" panose="02020603050405020304" pitchFamily="18" charset="0"/>
-                <a:cs typeface="Times New Roman" panose="02020603050405020304" pitchFamily="18" charset="0"/>
-              </a:rPr>
-              <a:t>1) =</a:t>
-            </a:r>
-            <a:r>
-              <a:rPr lang="en-US" sz="4100" b="0" i="0" dirty="0">
-                <a:solidFill>
-                  <a:srgbClr val="1A1A1A"/>
-                </a:solidFill>
-                <a:effectLst/>
-                <a:latin typeface="Times New Roman" panose="02020603050405020304" pitchFamily="18" charset="0"/>
-                <a:cs typeface="Times New Roman" panose="02020603050405020304" pitchFamily="18" charset="0"/>
-              </a:rPr>
-              <a:t> </a:t>
-            </a:r>
-            <a:r>
-              <a:rPr lang="ru-RU" sz="4100" b="0" i="0" dirty="0">
-                <a:solidFill>
-                  <a:srgbClr val="1A1A1A"/>
-                </a:solidFill>
-                <a:effectLst/>
-                <a:latin typeface="Times New Roman" panose="02020603050405020304" pitchFamily="18" charset="0"/>
-                <a:cs typeface="Times New Roman" panose="02020603050405020304" pitchFamily="18" charset="0"/>
-              </a:rPr>
-              <a:t>0,5+0, 5(0,75-0,5) =</a:t>
-            </a:r>
-            <a:r>
-              <a:rPr lang="en-US" sz="4100" b="0" i="0" dirty="0">
-                <a:solidFill>
-                  <a:srgbClr val="1A1A1A"/>
-                </a:solidFill>
-                <a:effectLst/>
-                <a:latin typeface="Times New Roman" panose="02020603050405020304" pitchFamily="18" charset="0"/>
-                <a:cs typeface="Times New Roman" panose="02020603050405020304" pitchFamily="18" charset="0"/>
-              </a:rPr>
-              <a:t> </a:t>
-            </a:r>
-            <a:r>
-              <a:rPr lang="ru-RU" sz="4100" b="0" i="0" dirty="0">
-                <a:solidFill>
-                  <a:srgbClr val="1A1A1A"/>
-                </a:solidFill>
-                <a:effectLst/>
-                <a:latin typeface="Times New Roman" panose="02020603050405020304" pitchFamily="18" charset="0"/>
-                <a:cs typeface="Times New Roman" panose="02020603050405020304" pitchFamily="18" charset="0"/>
-              </a:rPr>
-              <a:t>0,6875</a:t>
-            </a:r>
-          </a:p>
-          <a:p>
-            <a:pPr marL="457200" lvl="1" indent="457200">
-              <a:buNone/>
-            </a:pPr>
-            <a:r>
-              <a:rPr lang="en-US" sz="4100" b="0" i="0" dirty="0">
-                <a:solidFill>
-                  <a:srgbClr val="1A1A1A"/>
-                </a:solidFill>
-                <a:effectLst/>
-                <a:latin typeface="Times New Roman" panose="02020603050405020304" pitchFamily="18" charset="0"/>
-                <a:cs typeface="Times New Roman" panose="02020603050405020304" pitchFamily="18" charset="0"/>
-              </a:rPr>
-              <a:t>H</a:t>
-            </a:r>
-            <a:r>
-              <a:rPr lang="ru-RU" sz="4100" b="0" i="0" dirty="0">
-                <a:solidFill>
-                  <a:srgbClr val="1A1A1A"/>
-                </a:solidFill>
-                <a:effectLst/>
-                <a:latin typeface="Times New Roman" panose="02020603050405020304" pitchFamily="18" charset="0"/>
-                <a:cs typeface="Times New Roman" panose="02020603050405020304" pitchFamily="18" charset="0"/>
-              </a:rPr>
-              <a:t>2= </a:t>
-            </a:r>
-            <a:r>
-              <a:rPr lang="en-US" sz="4100" b="0" i="0" dirty="0">
-                <a:solidFill>
-                  <a:srgbClr val="1A1A1A"/>
-                </a:solidFill>
-                <a:effectLst/>
-                <a:latin typeface="Times New Roman" panose="02020603050405020304" pitchFamily="18" charset="0"/>
-                <a:cs typeface="Times New Roman" panose="02020603050405020304" pitchFamily="18" charset="0"/>
-              </a:rPr>
-              <a:t>Low</a:t>
-            </a:r>
-            <a:r>
-              <a:rPr lang="ru-RU" sz="4100" b="0" i="0" dirty="0">
-                <a:solidFill>
-                  <a:srgbClr val="1A1A1A"/>
-                </a:solidFill>
-                <a:effectLst/>
-                <a:latin typeface="Times New Roman" panose="02020603050405020304" pitchFamily="18" charset="0"/>
-                <a:cs typeface="Times New Roman" panose="02020603050405020304" pitchFamily="18" charset="0"/>
-              </a:rPr>
-              <a:t>+</a:t>
-            </a:r>
-            <a:r>
-              <a:rPr lang="en-US" sz="4100" dirty="0">
-                <a:solidFill>
-                  <a:srgbClr val="1A1A1A"/>
-                </a:solidFill>
-                <a:latin typeface="Times New Roman" panose="02020603050405020304" pitchFamily="18" charset="0"/>
-                <a:cs typeface="Times New Roman" panose="02020603050405020304" pitchFamily="18" charset="0"/>
-              </a:rPr>
-              <a:t>H</a:t>
-            </a:r>
-            <a:r>
-              <a:rPr lang="ru-RU" sz="4100" b="0" i="0" dirty="0">
-                <a:solidFill>
-                  <a:srgbClr val="1A1A1A"/>
-                </a:solidFill>
-                <a:effectLst/>
-                <a:latin typeface="Times New Roman" panose="02020603050405020304" pitchFamily="18" charset="0"/>
-                <a:cs typeface="Times New Roman" panose="02020603050405020304" pitchFamily="18" charset="0"/>
-              </a:rPr>
-              <a:t>[</a:t>
-            </a:r>
-            <a:r>
-              <a:rPr lang="en-US" sz="4100" dirty="0">
-                <a:solidFill>
-                  <a:srgbClr val="1A1A1A"/>
-                </a:solidFill>
-                <a:latin typeface="Times New Roman" panose="02020603050405020304" pitchFamily="18" charset="0"/>
-                <a:cs typeface="Times New Roman" panose="02020603050405020304" pitchFamily="18" charset="0"/>
-              </a:rPr>
-              <a:t>E</a:t>
-            </a:r>
-            <a:r>
-              <a:rPr lang="ru-RU" sz="4100" b="0" i="0" dirty="0">
-                <a:solidFill>
-                  <a:srgbClr val="1A1A1A"/>
-                </a:solidFill>
-                <a:effectLst/>
-                <a:latin typeface="Times New Roman" panose="02020603050405020304" pitchFamily="18" charset="0"/>
-                <a:cs typeface="Times New Roman" panose="02020603050405020304" pitchFamily="18" charset="0"/>
-              </a:rPr>
-              <a:t>] (</a:t>
-            </a:r>
-            <a:r>
-              <a:rPr lang="en-US" sz="4100" b="0" i="0" dirty="0">
-                <a:solidFill>
-                  <a:srgbClr val="1A1A1A"/>
-                </a:solidFill>
-                <a:effectLst/>
-                <a:latin typeface="Times New Roman" panose="02020603050405020304" pitchFamily="18" charset="0"/>
-                <a:cs typeface="Times New Roman" panose="02020603050405020304" pitchFamily="18" charset="0"/>
-              </a:rPr>
-              <a:t>H</a:t>
-            </a:r>
-            <a:r>
-              <a:rPr lang="ru-RU" sz="4100" b="0" i="0" dirty="0">
-                <a:solidFill>
-                  <a:srgbClr val="1A1A1A"/>
-                </a:solidFill>
-                <a:effectLst/>
-                <a:latin typeface="Times New Roman" panose="02020603050405020304" pitchFamily="18" charset="0"/>
-                <a:cs typeface="Times New Roman" panose="02020603050405020304" pitchFamily="18" charset="0"/>
-              </a:rPr>
-              <a:t>1- </a:t>
-            </a:r>
-            <a:r>
-              <a:rPr lang="en-US" sz="4100" dirty="0">
-                <a:solidFill>
-                  <a:srgbClr val="1A1A1A"/>
-                </a:solidFill>
-                <a:latin typeface="Times New Roman" panose="02020603050405020304" pitchFamily="18" charset="0"/>
-                <a:cs typeface="Times New Roman" panose="02020603050405020304" pitchFamily="18" charset="0"/>
-              </a:rPr>
-              <a:t>L</a:t>
-            </a:r>
-            <a:r>
-              <a:rPr lang="ru-RU" sz="4100" b="0" i="0" dirty="0">
-                <a:solidFill>
-                  <a:srgbClr val="1A1A1A"/>
-                </a:solidFill>
-                <a:effectLst/>
-                <a:latin typeface="Times New Roman" panose="02020603050405020304" pitchFamily="18" charset="0"/>
-                <a:cs typeface="Times New Roman" panose="02020603050405020304" pitchFamily="18" charset="0"/>
-              </a:rPr>
-              <a:t>1) =</a:t>
-            </a:r>
-            <a:r>
-              <a:rPr lang="en-US" sz="4100" b="0" i="0" dirty="0">
-                <a:solidFill>
-                  <a:srgbClr val="1A1A1A"/>
-                </a:solidFill>
-                <a:effectLst/>
-                <a:latin typeface="Times New Roman" panose="02020603050405020304" pitchFamily="18" charset="0"/>
-                <a:cs typeface="Times New Roman" panose="02020603050405020304" pitchFamily="18" charset="0"/>
-              </a:rPr>
-              <a:t> </a:t>
-            </a:r>
-            <a:r>
-              <a:rPr lang="ru-RU" sz="4100" b="0" i="0" dirty="0">
-                <a:solidFill>
-                  <a:srgbClr val="1A1A1A"/>
-                </a:solidFill>
-                <a:effectLst/>
-                <a:latin typeface="Times New Roman" panose="02020603050405020304" pitchFamily="18" charset="0"/>
-                <a:cs typeface="Times New Roman" panose="02020603050405020304" pitchFamily="18" charset="0"/>
-              </a:rPr>
-              <a:t>0,5+1(0,75-0,5) =</a:t>
-            </a:r>
-            <a:r>
-              <a:rPr lang="en-US" sz="4100" b="0" i="0" dirty="0">
-                <a:solidFill>
-                  <a:srgbClr val="1A1A1A"/>
-                </a:solidFill>
-                <a:effectLst/>
-                <a:latin typeface="Times New Roman" panose="02020603050405020304" pitchFamily="18" charset="0"/>
-                <a:cs typeface="Times New Roman" panose="02020603050405020304" pitchFamily="18" charset="0"/>
-              </a:rPr>
-              <a:t> </a:t>
-            </a:r>
-            <a:r>
-              <a:rPr lang="ru-RU" sz="4100" b="0" i="0" dirty="0">
-                <a:solidFill>
-                  <a:srgbClr val="1A1A1A"/>
-                </a:solidFill>
-                <a:effectLst/>
-                <a:latin typeface="Times New Roman" panose="02020603050405020304" pitchFamily="18" charset="0"/>
-                <a:cs typeface="Times New Roman" panose="02020603050405020304" pitchFamily="18" charset="0"/>
-              </a:rPr>
-              <a:t>0,75</a:t>
-            </a:r>
-          </a:p>
-          <a:p>
-            <a:pPr marL="457200" lvl="1" indent="457200">
-              <a:buNone/>
-            </a:pPr>
-            <a:endParaRPr lang="ru-RU" sz="4100" b="0" i="0" dirty="0">
-              <a:solidFill>
-                <a:srgbClr val="1A1A1A"/>
-              </a:solidFill>
-              <a:effectLst/>
-              <a:latin typeface="Times New Roman" panose="02020603050405020304" pitchFamily="18" charset="0"/>
-              <a:cs typeface="Times New Roman" panose="02020603050405020304" pitchFamily="18" charset="0"/>
-            </a:endParaRPr>
-          </a:p>
-          <a:p>
-            <a:pPr marL="0" indent="457200" algn="l">
-              <a:buNone/>
-            </a:pPr>
-            <a:r>
-              <a:rPr lang="ru-RU" sz="4500" b="1" i="0" dirty="0">
-                <a:solidFill>
-                  <a:srgbClr val="1A1A1A"/>
-                </a:solidFill>
-                <a:effectLst/>
-                <a:latin typeface="Times New Roman" panose="02020603050405020304" pitchFamily="18" charset="0"/>
-                <a:cs typeface="Times New Roman" panose="02020603050405020304" pitchFamily="18" charset="0"/>
-              </a:rPr>
-              <a:t>Для символа </a:t>
-            </a:r>
-            <a:r>
-              <a:rPr lang="en-US" sz="4500" b="1" i="0" dirty="0">
-                <a:solidFill>
-                  <a:srgbClr val="1A1A1A"/>
-                </a:solidFill>
-                <a:effectLst/>
-                <a:latin typeface="Times New Roman" panose="02020603050405020304" pitchFamily="18" charset="0"/>
-                <a:cs typeface="Times New Roman" panose="02020603050405020304" pitchFamily="18" charset="0"/>
-              </a:rPr>
-              <a:t>“B”</a:t>
-            </a:r>
-            <a:r>
-              <a:rPr lang="ru-RU" sz="4500" b="1" i="0" dirty="0">
-                <a:solidFill>
-                  <a:srgbClr val="1A1A1A"/>
-                </a:solidFill>
-                <a:effectLst/>
-                <a:latin typeface="Times New Roman" panose="02020603050405020304" pitchFamily="18" charset="0"/>
-                <a:cs typeface="Times New Roman" panose="02020603050405020304" pitchFamily="18" charset="0"/>
-              </a:rPr>
-              <a:t>:</a:t>
-            </a:r>
-          </a:p>
-          <a:p>
-            <a:pPr marL="457200" lvl="1" indent="457200">
-              <a:buNone/>
-            </a:pPr>
-            <a:r>
-              <a:rPr lang="en-US" sz="4100" dirty="0">
-                <a:solidFill>
-                  <a:srgbClr val="1A1A1A"/>
-                </a:solidFill>
-                <a:latin typeface="Times New Roman" panose="02020603050405020304" pitchFamily="18" charset="0"/>
-                <a:cs typeface="Times New Roman" panose="02020603050405020304" pitchFamily="18" charset="0"/>
-              </a:rPr>
-              <a:t>L</a:t>
-            </a:r>
-            <a:r>
-              <a:rPr lang="ru-RU" sz="4100" b="0" i="0" dirty="0">
-                <a:solidFill>
-                  <a:srgbClr val="1A1A1A"/>
-                </a:solidFill>
-                <a:effectLst/>
-                <a:latin typeface="Times New Roman" panose="02020603050405020304" pitchFamily="18" charset="0"/>
-                <a:cs typeface="Times New Roman" panose="02020603050405020304" pitchFamily="18" charset="0"/>
-              </a:rPr>
-              <a:t>3= </a:t>
-            </a:r>
-            <a:r>
-              <a:rPr lang="en-US" sz="4100" b="0" i="0" dirty="0">
-                <a:solidFill>
-                  <a:srgbClr val="1A1A1A"/>
-                </a:solidFill>
-                <a:effectLst/>
-                <a:latin typeface="Times New Roman" panose="02020603050405020304" pitchFamily="18" charset="0"/>
-                <a:cs typeface="Times New Roman" panose="02020603050405020304" pitchFamily="18" charset="0"/>
-              </a:rPr>
-              <a:t>L</a:t>
-            </a:r>
-            <a:r>
-              <a:rPr lang="ru-RU" sz="4100" b="0" i="0" dirty="0">
-                <a:solidFill>
-                  <a:srgbClr val="1A1A1A"/>
-                </a:solidFill>
-                <a:effectLst/>
-                <a:latin typeface="Times New Roman" panose="02020603050405020304" pitchFamily="18" charset="0"/>
-                <a:cs typeface="Times New Roman" panose="02020603050405020304" pitchFamily="18" charset="0"/>
-              </a:rPr>
-              <a:t>2+</a:t>
-            </a:r>
-            <a:r>
-              <a:rPr lang="en-US" sz="4100" b="0" i="0" dirty="0">
-                <a:solidFill>
-                  <a:srgbClr val="1A1A1A"/>
-                </a:solidFill>
-                <a:effectLst/>
-                <a:latin typeface="Times New Roman" panose="02020603050405020304" pitchFamily="18" charset="0"/>
-                <a:cs typeface="Times New Roman" panose="02020603050405020304" pitchFamily="18" charset="0"/>
-              </a:rPr>
-              <a:t>L</a:t>
-            </a:r>
-            <a:r>
-              <a:rPr lang="ru-RU" sz="4100" b="0" i="0" dirty="0">
-                <a:solidFill>
-                  <a:srgbClr val="1A1A1A"/>
-                </a:solidFill>
-                <a:effectLst/>
-                <a:latin typeface="Times New Roman" panose="02020603050405020304" pitchFamily="18" charset="0"/>
-                <a:cs typeface="Times New Roman" panose="02020603050405020304" pitchFamily="18" charset="0"/>
-              </a:rPr>
-              <a:t>[</a:t>
-            </a:r>
-            <a:r>
-              <a:rPr lang="en-US" sz="4100" dirty="0">
-                <a:solidFill>
-                  <a:srgbClr val="1A1A1A"/>
-                </a:solidFill>
-                <a:latin typeface="Times New Roman" panose="02020603050405020304" pitchFamily="18" charset="0"/>
-                <a:cs typeface="Times New Roman" panose="02020603050405020304" pitchFamily="18" charset="0"/>
-              </a:rPr>
-              <a:t>B</a:t>
-            </a:r>
-            <a:r>
-              <a:rPr lang="ru-RU" sz="4100" b="0" i="0" dirty="0">
-                <a:solidFill>
-                  <a:srgbClr val="1A1A1A"/>
-                </a:solidFill>
-                <a:effectLst/>
-                <a:latin typeface="Times New Roman" panose="02020603050405020304" pitchFamily="18" charset="0"/>
-                <a:cs typeface="Times New Roman" panose="02020603050405020304" pitchFamily="18" charset="0"/>
-              </a:rPr>
-              <a:t>] (</a:t>
-            </a:r>
-            <a:r>
-              <a:rPr lang="en-US" sz="4100" b="0" i="0" dirty="0">
-                <a:solidFill>
-                  <a:srgbClr val="1A1A1A"/>
-                </a:solidFill>
-                <a:effectLst/>
-                <a:latin typeface="Times New Roman" panose="02020603050405020304" pitchFamily="18" charset="0"/>
-                <a:cs typeface="Times New Roman" panose="02020603050405020304" pitchFamily="18" charset="0"/>
-              </a:rPr>
-              <a:t>H</a:t>
-            </a:r>
-            <a:r>
-              <a:rPr lang="ru-RU" sz="4100" b="0" i="0" dirty="0">
-                <a:solidFill>
-                  <a:srgbClr val="1A1A1A"/>
-                </a:solidFill>
-                <a:effectLst/>
-                <a:latin typeface="Times New Roman" panose="02020603050405020304" pitchFamily="18" charset="0"/>
-                <a:cs typeface="Times New Roman" panose="02020603050405020304" pitchFamily="18" charset="0"/>
-              </a:rPr>
-              <a:t>2- </a:t>
-            </a:r>
-            <a:r>
-              <a:rPr lang="en-US" sz="4100" dirty="0">
-                <a:solidFill>
-                  <a:srgbClr val="1A1A1A"/>
-                </a:solidFill>
-                <a:latin typeface="Times New Roman" panose="02020603050405020304" pitchFamily="18" charset="0"/>
-                <a:cs typeface="Times New Roman" panose="02020603050405020304" pitchFamily="18" charset="0"/>
-              </a:rPr>
-              <a:t>L</a:t>
-            </a:r>
-            <a:r>
-              <a:rPr lang="ru-RU" sz="4100" b="0" i="0" dirty="0">
-                <a:solidFill>
-                  <a:srgbClr val="1A1A1A"/>
-                </a:solidFill>
-                <a:effectLst/>
-                <a:latin typeface="Times New Roman" panose="02020603050405020304" pitchFamily="18" charset="0"/>
-                <a:cs typeface="Times New Roman" panose="02020603050405020304" pitchFamily="18" charset="0"/>
-              </a:rPr>
-              <a:t>2) = 0,6875+0,25(0,75-0,6875) =</a:t>
-            </a:r>
-            <a:r>
-              <a:rPr lang="en-US" sz="4100" b="0" i="0" dirty="0">
-                <a:solidFill>
-                  <a:srgbClr val="1A1A1A"/>
-                </a:solidFill>
-                <a:effectLst/>
-                <a:latin typeface="Times New Roman" panose="02020603050405020304" pitchFamily="18" charset="0"/>
-                <a:cs typeface="Times New Roman" panose="02020603050405020304" pitchFamily="18" charset="0"/>
-              </a:rPr>
-              <a:t> </a:t>
-            </a:r>
-            <a:r>
-              <a:rPr lang="ru-RU" sz="4100" b="0" i="0" dirty="0">
-                <a:solidFill>
-                  <a:srgbClr val="1A1A1A"/>
-                </a:solidFill>
-                <a:effectLst/>
-                <a:latin typeface="Times New Roman" panose="02020603050405020304" pitchFamily="18" charset="0"/>
-                <a:cs typeface="Times New Roman" panose="02020603050405020304" pitchFamily="18" charset="0"/>
-              </a:rPr>
-              <a:t>0,703125</a:t>
-            </a:r>
-          </a:p>
-          <a:p>
-            <a:pPr marL="457200" lvl="1" indent="457200">
-              <a:buNone/>
-            </a:pPr>
-            <a:r>
-              <a:rPr lang="en-US" sz="4100" dirty="0">
-                <a:solidFill>
-                  <a:srgbClr val="1A1A1A"/>
-                </a:solidFill>
-                <a:latin typeface="Times New Roman" panose="02020603050405020304" pitchFamily="18" charset="0"/>
-                <a:cs typeface="Times New Roman" panose="02020603050405020304" pitchFamily="18" charset="0"/>
-              </a:rPr>
-              <a:t>H</a:t>
-            </a:r>
-            <a:r>
-              <a:rPr lang="ru-RU" sz="4100" b="0" i="0" dirty="0">
-                <a:solidFill>
-                  <a:srgbClr val="1A1A1A"/>
-                </a:solidFill>
-                <a:effectLst/>
-                <a:latin typeface="Times New Roman" panose="02020603050405020304" pitchFamily="18" charset="0"/>
-                <a:cs typeface="Times New Roman" panose="02020603050405020304" pitchFamily="18" charset="0"/>
-              </a:rPr>
-              <a:t>3= </a:t>
-            </a:r>
-            <a:r>
-              <a:rPr lang="en-US" sz="4100" b="0" i="0" dirty="0">
-                <a:solidFill>
-                  <a:srgbClr val="1A1A1A"/>
-                </a:solidFill>
-                <a:effectLst/>
-                <a:latin typeface="Times New Roman" panose="02020603050405020304" pitchFamily="18" charset="0"/>
-                <a:cs typeface="Times New Roman" panose="02020603050405020304" pitchFamily="18" charset="0"/>
-              </a:rPr>
-              <a:t>L</a:t>
-            </a:r>
-            <a:r>
-              <a:rPr lang="ru-RU" sz="4100" b="0" i="0" dirty="0">
-                <a:solidFill>
-                  <a:srgbClr val="1A1A1A"/>
-                </a:solidFill>
-                <a:effectLst/>
-                <a:latin typeface="Times New Roman" panose="02020603050405020304" pitchFamily="18" charset="0"/>
-                <a:cs typeface="Times New Roman" panose="02020603050405020304" pitchFamily="18" charset="0"/>
-              </a:rPr>
-              <a:t>2+</a:t>
-            </a:r>
-            <a:r>
-              <a:rPr lang="en-US" sz="4100" b="0" i="0" dirty="0">
-                <a:solidFill>
-                  <a:srgbClr val="1A1A1A"/>
-                </a:solidFill>
-                <a:effectLst/>
-                <a:latin typeface="Times New Roman" panose="02020603050405020304" pitchFamily="18" charset="0"/>
-                <a:cs typeface="Times New Roman" panose="02020603050405020304" pitchFamily="18" charset="0"/>
-              </a:rPr>
-              <a:t>H</a:t>
-            </a:r>
-            <a:r>
-              <a:rPr lang="ru-RU" sz="4100" b="0" i="0" dirty="0">
-                <a:solidFill>
-                  <a:srgbClr val="1A1A1A"/>
-                </a:solidFill>
-                <a:effectLst/>
-                <a:latin typeface="Times New Roman" panose="02020603050405020304" pitchFamily="18" charset="0"/>
-                <a:cs typeface="Times New Roman" panose="02020603050405020304" pitchFamily="18" charset="0"/>
-              </a:rPr>
-              <a:t>[</a:t>
-            </a:r>
-            <a:r>
-              <a:rPr lang="en-US" sz="4100" dirty="0">
-                <a:solidFill>
-                  <a:srgbClr val="1A1A1A"/>
-                </a:solidFill>
-                <a:latin typeface="Times New Roman" panose="02020603050405020304" pitchFamily="18" charset="0"/>
-                <a:cs typeface="Times New Roman" panose="02020603050405020304" pitchFamily="18" charset="0"/>
-              </a:rPr>
-              <a:t>B</a:t>
-            </a:r>
-            <a:r>
-              <a:rPr lang="ru-RU" sz="4100" b="0" i="0" dirty="0">
-                <a:solidFill>
-                  <a:srgbClr val="1A1A1A"/>
-                </a:solidFill>
-                <a:effectLst/>
-                <a:latin typeface="Times New Roman" panose="02020603050405020304" pitchFamily="18" charset="0"/>
-                <a:cs typeface="Times New Roman" panose="02020603050405020304" pitchFamily="18" charset="0"/>
-              </a:rPr>
-              <a:t>] (</a:t>
-            </a:r>
-            <a:r>
-              <a:rPr lang="en-US" sz="4100" b="0" i="0" dirty="0">
-                <a:solidFill>
-                  <a:srgbClr val="1A1A1A"/>
-                </a:solidFill>
-                <a:effectLst/>
-                <a:latin typeface="Times New Roman" panose="02020603050405020304" pitchFamily="18" charset="0"/>
-                <a:cs typeface="Times New Roman" panose="02020603050405020304" pitchFamily="18" charset="0"/>
-              </a:rPr>
-              <a:t>H</a:t>
-            </a:r>
-            <a:r>
-              <a:rPr lang="ru-RU" sz="4100" b="0" i="0" dirty="0">
-                <a:solidFill>
-                  <a:srgbClr val="1A1A1A"/>
-                </a:solidFill>
-                <a:effectLst/>
-                <a:latin typeface="Times New Roman" panose="02020603050405020304" pitchFamily="18" charset="0"/>
-                <a:cs typeface="Times New Roman" panose="02020603050405020304" pitchFamily="18" charset="0"/>
-              </a:rPr>
-              <a:t>2- </a:t>
-            </a:r>
-            <a:r>
-              <a:rPr lang="en-US" sz="4100" dirty="0">
-                <a:solidFill>
-                  <a:srgbClr val="1A1A1A"/>
-                </a:solidFill>
-                <a:latin typeface="Times New Roman" panose="02020603050405020304" pitchFamily="18" charset="0"/>
-                <a:cs typeface="Times New Roman" panose="02020603050405020304" pitchFamily="18" charset="0"/>
-              </a:rPr>
-              <a:t>L</a:t>
-            </a:r>
-            <a:r>
-              <a:rPr lang="ru-RU" sz="4100" b="0" i="0" dirty="0">
-                <a:solidFill>
-                  <a:srgbClr val="1A1A1A"/>
-                </a:solidFill>
-                <a:effectLst/>
-                <a:latin typeface="Times New Roman" panose="02020603050405020304" pitchFamily="18" charset="0"/>
-                <a:cs typeface="Times New Roman" panose="02020603050405020304" pitchFamily="18" charset="0"/>
-              </a:rPr>
-              <a:t>2) =</a:t>
-            </a:r>
-            <a:r>
-              <a:rPr lang="en-US" sz="4100" b="0" i="0" dirty="0">
-                <a:solidFill>
-                  <a:srgbClr val="1A1A1A"/>
-                </a:solidFill>
-                <a:effectLst/>
-                <a:latin typeface="Times New Roman" panose="02020603050405020304" pitchFamily="18" charset="0"/>
-                <a:cs typeface="Times New Roman" panose="02020603050405020304" pitchFamily="18" charset="0"/>
-              </a:rPr>
-              <a:t> </a:t>
-            </a:r>
-            <a:r>
-              <a:rPr lang="ru-RU" sz="4100" b="0" i="0" dirty="0">
-                <a:solidFill>
-                  <a:srgbClr val="1A1A1A"/>
-                </a:solidFill>
-                <a:effectLst/>
-                <a:latin typeface="Times New Roman" panose="02020603050405020304" pitchFamily="18" charset="0"/>
-                <a:cs typeface="Times New Roman" panose="02020603050405020304" pitchFamily="18" charset="0"/>
-              </a:rPr>
-              <a:t>0,6875+0,5(0,75-0,6875) =</a:t>
-            </a:r>
-            <a:r>
-              <a:rPr lang="en-US" sz="4100" b="0" i="0" dirty="0">
-                <a:solidFill>
-                  <a:srgbClr val="1A1A1A"/>
-                </a:solidFill>
-                <a:effectLst/>
-                <a:latin typeface="Times New Roman" panose="02020603050405020304" pitchFamily="18" charset="0"/>
-                <a:cs typeface="Times New Roman" panose="02020603050405020304" pitchFamily="18" charset="0"/>
-              </a:rPr>
-              <a:t> </a:t>
-            </a:r>
-            <a:r>
-              <a:rPr lang="ru-RU" sz="4100" b="0" i="0" dirty="0">
-                <a:solidFill>
-                  <a:srgbClr val="1A1A1A"/>
-                </a:solidFill>
-                <a:effectLst/>
-                <a:latin typeface="Times New Roman" panose="02020603050405020304" pitchFamily="18" charset="0"/>
-                <a:cs typeface="Times New Roman" panose="02020603050405020304" pitchFamily="18" charset="0"/>
-              </a:rPr>
-              <a:t>0,7185</a:t>
-            </a:r>
-          </a:p>
-          <a:p>
-            <a:pPr marL="457200" lvl="1" indent="457200">
-              <a:buNone/>
-            </a:pPr>
-            <a:endParaRPr lang="ru-RU" sz="4100" b="0" i="0" dirty="0">
-              <a:solidFill>
-                <a:srgbClr val="1A1A1A"/>
-              </a:solidFill>
-              <a:effectLst/>
-              <a:latin typeface="Times New Roman" panose="02020603050405020304" pitchFamily="18" charset="0"/>
-              <a:cs typeface="Times New Roman" panose="02020603050405020304" pitchFamily="18" charset="0"/>
-            </a:endParaRPr>
-          </a:p>
-          <a:p>
-            <a:pPr marL="0" indent="457200" algn="l">
-              <a:buNone/>
-            </a:pPr>
-            <a:r>
-              <a:rPr lang="ru-RU" sz="4500" b="1" i="0" dirty="0">
-                <a:solidFill>
-                  <a:srgbClr val="1A1A1A"/>
-                </a:solidFill>
-                <a:effectLst/>
-                <a:latin typeface="Times New Roman" panose="02020603050405020304" pitchFamily="18" charset="0"/>
-                <a:cs typeface="Times New Roman" panose="02020603050405020304" pitchFamily="18" charset="0"/>
-              </a:rPr>
-              <a:t>Для символа </a:t>
-            </a:r>
-            <a:r>
-              <a:rPr lang="en-US" sz="4500" b="1" i="0" dirty="0">
-                <a:solidFill>
-                  <a:srgbClr val="1A1A1A"/>
-                </a:solidFill>
-                <a:effectLst/>
-                <a:latin typeface="Times New Roman" panose="02020603050405020304" pitchFamily="18" charset="0"/>
-                <a:cs typeface="Times New Roman" panose="02020603050405020304" pitchFamily="18" charset="0"/>
-              </a:rPr>
-              <a:t>“A”:</a:t>
-            </a:r>
-            <a:endParaRPr lang="ru-RU" sz="4500" b="1" i="0" dirty="0">
-              <a:solidFill>
-                <a:srgbClr val="1A1A1A"/>
-              </a:solidFill>
-              <a:effectLst/>
-              <a:latin typeface="Times New Roman" panose="02020603050405020304" pitchFamily="18" charset="0"/>
-              <a:cs typeface="Times New Roman" panose="02020603050405020304" pitchFamily="18" charset="0"/>
-            </a:endParaRPr>
-          </a:p>
-          <a:p>
-            <a:pPr marL="457200" lvl="1" indent="457200">
-              <a:buNone/>
-            </a:pPr>
-            <a:r>
-              <a:rPr lang="en-US" sz="4100" dirty="0">
-                <a:solidFill>
-                  <a:srgbClr val="1A1A1A"/>
-                </a:solidFill>
-                <a:latin typeface="Times New Roman" panose="02020603050405020304" pitchFamily="18" charset="0"/>
-                <a:cs typeface="Times New Roman" panose="02020603050405020304" pitchFamily="18" charset="0"/>
-              </a:rPr>
-              <a:t>L</a:t>
-            </a:r>
-            <a:r>
-              <a:rPr lang="ru-RU" sz="4100" b="0" i="0" dirty="0">
-                <a:solidFill>
-                  <a:srgbClr val="1A1A1A"/>
-                </a:solidFill>
-                <a:effectLst/>
-                <a:latin typeface="Times New Roman" panose="02020603050405020304" pitchFamily="18" charset="0"/>
-                <a:cs typeface="Times New Roman" panose="02020603050405020304" pitchFamily="18" charset="0"/>
-              </a:rPr>
-              <a:t>4 = </a:t>
-            </a:r>
-            <a:r>
-              <a:rPr lang="en-US" sz="4100" b="0" i="0" dirty="0">
-                <a:solidFill>
-                  <a:srgbClr val="1A1A1A"/>
-                </a:solidFill>
-                <a:effectLst/>
-                <a:latin typeface="Times New Roman" panose="02020603050405020304" pitchFamily="18" charset="0"/>
-                <a:cs typeface="Times New Roman" panose="02020603050405020304" pitchFamily="18" charset="0"/>
-              </a:rPr>
-              <a:t>L</a:t>
-            </a:r>
-            <a:r>
-              <a:rPr lang="ru-RU" sz="4100" b="0" i="0" dirty="0">
-                <a:solidFill>
-                  <a:srgbClr val="1A1A1A"/>
-                </a:solidFill>
-                <a:effectLst/>
-                <a:latin typeface="Times New Roman" panose="02020603050405020304" pitchFamily="18" charset="0"/>
-                <a:cs typeface="Times New Roman" panose="02020603050405020304" pitchFamily="18" charset="0"/>
-              </a:rPr>
-              <a:t>3+ </a:t>
-            </a:r>
-            <a:r>
-              <a:rPr lang="en-US" sz="4100" b="0" i="0" dirty="0">
-                <a:solidFill>
-                  <a:srgbClr val="1A1A1A"/>
-                </a:solidFill>
-                <a:effectLst/>
-                <a:latin typeface="Times New Roman" panose="02020603050405020304" pitchFamily="18" charset="0"/>
-                <a:cs typeface="Times New Roman" panose="02020603050405020304" pitchFamily="18" charset="0"/>
-              </a:rPr>
-              <a:t>L</a:t>
-            </a:r>
-            <a:r>
-              <a:rPr lang="ru-RU" sz="4100" b="0" i="0" dirty="0">
-                <a:solidFill>
-                  <a:srgbClr val="1A1A1A"/>
-                </a:solidFill>
-                <a:effectLst/>
-                <a:latin typeface="Times New Roman" panose="02020603050405020304" pitchFamily="18" charset="0"/>
-                <a:cs typeface="Times New Roman" panose="02020603050405020304" pitchFamily="18" charset="0"/>
-              </a:rPr>
-              <a:t>[</a:t>
-            </a:r>
-            <a:r>
-              <a:rPr lang="en-US" sz="4100" dirty="0">
-                <a:solidFill>
-                  <a:srgbClr val="1A1A1A"/>
-                </a:solidFill>
-                <a:latin typeface="Times New Roman" panose="02020603050405020304" pitchFamily="18" charset="0"/>
-                <a:cs typeface="Times New Roman" panose="02020603050405020304" pitchFamily="18" charset="0"/>
-              </a:rPr>
-              <a:t>A</a:t>
-            </a:r>
-            <a:r>
-              <a:rPr lang="ru-RU" sz="4100" b="0" i="0" dirty="0">
-                <a:solidFill>
-                  <a:srgbClr val="1A1A1A"/>
-                </a:solidFill>
-                <a:effectLst/>
-                <a:latin typeface="Times New Roman" panose="02020603050405020304" pitchFamily="18" charset="0"/>
-                <a:cs typeface="Times New Roman" panose="02020603050405020304" pitchFamily="18" charset="0"/>
-              </a:rPr>
-              <a:t>] (</a:t>
-            </a:r>
-            <a:r>
-              <a:rPr lang="en-US" sz="4100" b="0" i="0" dirty="0">
-                <a:solidFill>
-                  <a:srgbClr val="1A1A1A"/>
-                </a:solidFill>
-                <a:effectLst/>
-                <a:latin typeface="Times New Roman" panose="02020603050405020304" pitchFamily="18" charset="0"/>
-                <a:cs typeface="Times New Roman" panose="02020603050405020304" pitchFamily="18" charset="0"/>
-              </a:rPr>
-              <a:t>H</a:t>
-            </a:r>
-            <a:r>
-              <a:rPr lang="ru-RU" sz="4100" b="0" i="0" dirty="0">
-                <a:solidFill>
-                  <a:srgbClr val="1A1A1A"/>
-                </a:solidFill>
-                <a:effectLst/>
-                <a:latin typeface="Times New Roman" panose="02020603050405020304" pitchFamily="18" charset="0"/>
-                <a:cs typeface="Times New Roman" panose="02020603050405020304" pitchFamily="18" charset="0"/>
-              </a:rPr>
-              <a:t>3- </a:t>
-            </a:r>
-            <a:r>
-              <a:rPr lang="en-US" sz="4100" dirty="0">
-                <a:solidFill>
-                  <a:srgbClr val="1A1A1A"/>
-                </a:solidFill>
-                <a:latin typeface="Times New Roman" panose="02020603050405020304" pitchFamily="18" charset="0"/>
-                <a:cs typeface="Times New Roman" panose="02020603050405020304" pitchFamily="18" charset="0"/>
-              </a:rPr>
-              <a:t>L</a:t>
-            </a:r>
-            <a:r>
-              <a:rPr lang="ru-RU" sz="4100" b="0" i="0" dirty="0">
-                <a:solidFill>
-                  <a:srgbClr val="1A1A1A"/>
-                </a:solidFill>
-                <a:effectLst/>
-                <a:latin typeface="Times New Roman" panose="02020603050405020304" pitchFamily="18" charset="0"/>
-                <a:cs typeface="Times New Roman" panose="02020603050405020304" pitchFamily="18" charset="0"/>
-              </a:rPr>
-              <a:t>3) =</a:t>
-            </a:r>
-            <a:r>
-              <a:rPr lang="en-US" sz="4100" b="0" i="0" dirty="0">
-                <a:solidFill>
-                  <a:srgbClr val="1A1A1A"/>
-                </a:solidFill>
-                <a:effectLst/>
-                <a:latin typeface="Times New Roman" panose="02020603050405020304" pitchFamily="18" charset="0"/>
-                <a:cs typeface="Times New Roman" panose="02020603050405020304" pitchFamily="18" charset="0"/>
-              </a:rPr>
-              <a:t> </a:t>
-            </a:r>
-            <a:r>
-              <a:rPr lang="ru-RU" sz="4100" b="0" i="0" dirty="0">
-                <a:solidFill>
-                  <a:srgbClr val="1A1A1A"/>
-                </a:solidFill>
-                <a:effectLst/>
-                <a:latin typeface="Times New Roman" panose="02020603050405020304" pitchFamily="18" charset="0"/>
-                <a:cs typeface="Times New Roman" panose="02020603050405020304" pitchFamily="18" charset="0"/>
-              </a:rPr>
-              <a:t>0,703125+0(0,71875-0,703125) =</a:t>
-            </a:r>
-            <a:r>
-              <a:rPr lang="en-US" sz="4100" b="0" i="0" dirty="0">
-                <a:solidFill>
-                  <a:srgbClr val="1A1A1A"/>
-                </a:solidFill>
-                <a:effectLst/>
-                <a:latin typeface="Times New Roman" panose="02020603050405020304" pitchFamily="18" charset="0"/>
-                <a:cs typeface="Times New Roman" panose="02020603050405020304" pitchFamily="18" charset="0"/>
-              </a:rPr>
-              <a:t> </a:t>
-            </a:r>
-            <a:r>
-              <a:rPr lang="ru-RU" sz="4100" b="0" i="0" dirty="0">
-                <a:solidFill>
-                  <a:srgbClr val="1A1A1A"/>
-                </a:solidFill>
-                <a:effectLst/>
-                <a:latin typeface="Times New Roman" panose="02020603050405020304" pitchFamily="18" charset="0"/>
-                <a:cs typeface="Times New Roman" panose="02020603050405020304" pitchFamily="18" charset="0"/>
-              </a:rPr>
-              <a:t>0,703125</a:t>
-            </a:r>
-          </a:p>
-          <a:p>
-            <a:pPr marL="457200" lvl="1" indent="457200">
-              <a:buNone/>
-            </a:pPr>
-            <a:r>
-              <a:rPr lang="en-US" sz="4100" dirty="0">
-                <a:solidFill>
-                  <a:srgbClr val="1A1A1A"/>
-                </a:solidFill>
-                <a:latin typeface="Times New Roman" panose="02020603050405020304" pitchFamily="18" charset="0"/>
-                <a:cs typeface="Times New Roman" panose="02020603050405020304" pitchFamily="18" charset="0"/>
-              </a:rPr>
-              <a:t>H</a:t>
-            </a:r>
-            <a:r>
-              <a:rPr lang="ru-RU" sz="4100" b="0" i="0" dirty="0">
-                <a:solidFill>
-                  <a:srgbClr val="1A1A1A"/>
-                </a:solidFill>
-                <a:effectLst/>
-                <a:latin typeface="Times New Roman" panose="02020603050405020304" pitchFamily="18" charset="0"/>
-                <a:cs typeface="Times New Roman" panose="02020603050405020304" pitchFamily="18" charset="0"/>
-              </a:rPr>
-              <a:t>4= </a:t>
-            </a:r>
-            <a:r>
-              <a:rPr lang="en-US" sz="4100" b="0" i="0" dirty="0">
-                <a:solidFill>
-                  <a:srgbClr val="1A1A1A"/>
-                </a:solidFill>
-                <a:effectLst/>
-                <a:latin typeface="Times New Roman" panose="02020603050405020304" pitchFamily="18" charset="0"/>
-                <a:cs typeface="Times New Roman" panose="02020603050405020304" pitchFamily="18" charset="0"/>
-              </a:rPr>
-              <a:t>L</a:t>
-            </a:r>
-            <a:r>
-              <a:rPr lang="ru-RU" sz="4100" b="0" i="0" dirty="0">
-                <a:solidFill>
-                  <a:srgbClr val="1A1A1A"/>
-                </a:solidFill>
-                <a:effectLst/>
-                <a:latin typeface="Times New Roman" panose="02020603050405020304" pitchFamily="18" charset="0"/>
-                <a:cs typeface="Times New Roman" panose="02020603050405020304" pitchFamily="18" charset="0"/>
-              </a:rPr>
-              <a:t>3+</a:t>
-            </a:r>
-            <a:r>
-              <a:rPr lang="en-US" sz="4100" b="0" i="0" dirty="0">
-                <a:solidFill>
-                  <a:srgbClr val="1A1A1A"/>
-                </a:solidFill>
-                <a:effectLst/>
-                <a:latin typeface="Times New Roman" panose="02020603050405020304" pitchFamily="18" charset="0"/>
-                <a:cs typeface="Times New Roman" panose="02020603050405020304" pitchFamily="18" charset="0"/>
-              </a:rPr>
-              <a:t>H</a:t>
-            </a:r>
-            <a:r>
-              <a:rPr lang="ru-RU" sz="4100" b="0" i="0" dirty="0">
-                <a:solidFill>
-                  <a:srgbClr val="1A1A1A"/>
-                </a:solidFill>
-                <a:effectLst/>
-                <a:latin typeface="Times New Roman" panose="02020603050405020304" pitchFamily="18" charset="0"/>
-                <a:cs typeface="Times New Roman" panose="02020603050405020304" pitchFamily="18" charset="0"/>
-              </a:rPr>
-              <a:t>[</a:t>
-            </a:r>
-            <a:r>
-              <a:rPr lang="en-US" sz="4100" dirty="0">
-                <a:solidFill>
-                  <a:srgbClr val="1A1A1A"/>
-                </a:solidFill>
-                <a:latin typeface="Times New Roman" panose="02020603050405020304" pitchFamily="18" charset="0"/>
-                <a:cs typeface="Times New Roman" panose="02020603050405020304" pitchFamily="18" charset="0"/>
-              </a:rPr>
-              <a:t>A</a:t>
-            </a:r>
-            <a:r>
-              <a:rPr lang="ru-RU" sz="4100" b="0" i="0" dirty="0">
-                <a:solidFill>
-                  <a:srgbClr val="1A1A1A"/>
-                </a:solidFill>
-                <a:effectLst/>
-                <a:latin typeface="Times New Roman" panose="02020603050405020304" pitchFamily="18" charset="0"/>
-                <a:cs typeface="Times New Roman" panose="02020603050405020304" pitchFamily="18" charset="0"/>
-              </a:rPr>
-              <a:t>] (</a:t>
-            </a:r>
-            <a:r>
-              <a:rPr lang="en-US" sz="4100" b="0" i="0" dirty="0">
-                <a:solidFill>
-                  <a:srgbClr val="1A1A1A"/>
-                </a:solidFill>
-                <a:effectLst/>
-                <a:latin typeface="Times New Roman" panose="02020603050405020304" pitchFamily="18" charset="0"/>
-                <a:cs typeface="Times New Roman" panose="02020603050405020304" pitchFamily="18" charset="0"/>
-              </a:rPr>
-              <a:t>H</a:t>
-            </a:r>
-            <a:r>
-              <a:rPr lang="ru-RU" sz="4100" b="0" i="0" dirty="0">
-                <a:solidFill>
-                  <a:srgbClr val="1A1A1A"/>
-                </a:solidFill>
-                <a:effectLst/>
-                <a:latin typeface="Times New Roman" panose="02020603050405020304" pitchFamily="18" charset="0"/>
-                <a:cs typeface="Times New Roman" panose="02020603050405020304" pitchFamily="18" charset="0"/>
-              </a:rPr>
-              <a:t>3- </a:t>
-            </a:r>
-            <a:r>
-              <a:rPr lang="en-US" sz="4100" dirty="0">
-                <a:solidFill>
-                  <a:srgbClr val="1A1A1A"/>
-                </a:solidFill>
-                <a:latin typeface="Times New Roman" panose="02020603050405020304" pitchFamily="18" charset="0"/>
-                <a:cs typeface="Times New Roman" panose="02020603050405020304" pitchFamily="18" charset="0"/>
-              </a:rPr>
-              <a:t>L</a:t>
-            </a:r>
-            <a:r>
-              <a:rPr lang="ru-RU" sz="4100" b="0" i="0" dirty="0">
-                <a:solidFill>
-                  <a:srgbClr val="1A1A1A"/>
-                </a:solidFill>
-                <a:effectLst/>
-                <a:latin typeface="Times New Roman" panose="02020603050405020304" pitchFamily="18" charset="0"/>
-                <a:cs typeface="Times New Roman" panose="02020603050405020304" pitchFamily="18" charset="0"/>
-              </a:rPr>
-              <a:t>3) = 0,703125+0,25(0,71875-0,703125) =</a:t>
-            </a:r>
-            <a:r>
-              <a:rPr lang="en-US" sz="4100" b="0" i="0" dirty="0">
-                <a:solidFill>
-                  <a:srgbClr val="1A1A1A"/>
-                </a:solidFill>
-                <a:effectLst/>
-                <a:latin typeface="Times New Roman" panose="02020603050405020304" pitchFamily="18" charset="0"/>
-                <a:cs typeface="Times New Roman" panose="02020603050405020304" pitchFamily="18" charset="0"/>
-              </a:rPr>
-              <a:t> </a:t>
-            </a:r>
-            <a:r>
-              <a:rPr lang="ru-RU" sz="4100" b="0" i="0" dirty="0">
-                <a:solidFill>
-                  <a:srgbClr val="1A1A1A"/>
-                </a:solidFill>
-                <a:effectLst/>
-                <a:latin typeface="Times New Roman" panose="02020603050405020304" pitchFamily="18" charset="0"/>
-                <a:cs typeface="Times New Roman" panose="02020603050405020304" pitchFamily="18" charset="0"/>
-              </a:rPr>
-              <a:t>0,7070312</a:t>
-            </a:r>
-          </a:p>
-          <a:p>
-            <a:pPr marL="457200" lvl="1" indent="457200">
-              <a:buNone/>
-            </a:pPr>
-            <a:endParaRPr lang="ru-RU" sz="4100" b="0" i="0" dirty="0">
-              <a:solidFill>
-                <a:srgbClr val="1A1A1A"/>
-              </a:solidFill>
-              <a:effectLst/>
-              <a:latin typeface="Times New Roman" panose="02020603050405020304" pitchFamily="18" charset="0"/>
-              <a:cs typeface="Times New Roman" panose="02020603050405020304" pitchFamily="18" charset="0"/>
-            </a:endParaRPr>
-          </a:p>
-          <a:p>
-            <a:pPr marL="0" indent="0" algn="l">
-              <a:buNone/>
-            </a:pPr>
-            <a:r>
-              <a:rPr lang="ru-RU" sz="4500" b="0" i="0" dirty="0">
-                <a:solidFill>
-                  <a:srgbClr val="1A1A1A"/>
-                </a:solidFill>
-                <a:effectLst/>
-                <a:latin typeface="Times New Roman" panose="02020603050405020304" pitchFamily="18" charset="0"/>
-                <a:cs typeface="Times New Roman" panose="02020603050405020304" pitchFamily="18" charset="0"/>
-              </a:rPr>
-              <a:t>Таким образом, число 0,703125 однозначно кодирует сообщение «</a:t>
-            </a:r>
-            <a:r>
-              <a:rPr lang="en-US" sz="4500" b="0" i="0" dirty="0">
-                <a:solidFill>
-                  <a:srgbClr val="1A1A1A"/>
-                </a:solidFill>
-                <a:effectLst/>
-                <a:latin typeface="Times New Roman" panose="02020603050405020304" pitchFamily="18" charset="0"/>
-                <a:cs typeface="Times New Roman" panose="02020603050405020304" pitchFamily="18" charset="0"/>
-              </a:rPr>
-              <a:t>CEBA</a:t>
-            </a:r>
-            <a:r>
-              <a:rPr lang="ru-RU" sz="4500" b="0" i="0" dirty="0">
-                <a:solidFill>
-                  <a:srgbClr val="1A1A1A"/>
-                </a:solidFill>
-                <a:effectLst/>
-                <a:latin typeface="Times New Roman" panose="02020603050405020304" pitchFamily="18" charset="0"/>
-                <a:cs typeface="Times New Roman" panose="02020603050405020304" pitchFamily="18" charset="0"/>
-              </a:rPr>
-              <a:t>».</a:t>
-            </a:r>
-          </a:p>
-          <a:p>
-            <a:pPr marL="0" indent="0" algn="l">
-              <a:buNone/>
-            </a:pPr>
-            <a:endParaRPr lang="ru-RU" sz="2000" b="0" i="0" dirty="0">
-              <a:solidFill>
-                <a:srgbClr val="1A1A1A"/>
-              </a:solidFill>
-              <a:effectLst/>
-              <a:latin typeface="Times New Roman" panose="02020603050405020304" pitchFamily="18" charset="0"/>
-              <a:cs typeface="Times New Roman" panose="02020603050405020304" pitchFamily="18" charset="0"/>
-            </a:endParaRPr>
-          </a:p>
-          <a:p>
-            <a:endParaRPr lang="ru-RU" dirty="0"/>
-          </a:p>
-        </p:txBody>
-      </p:sp>
-      <p:pic>
-        <p:nvPicPr>
-          <p:cNvPr id="5" name="Рисунок 4" descr="Фигура органическое натуральное угла">
-            <a:extLst>
-              <a:ext uri="{FF2B5EF4-FFF2-40B4-BE49-F238E27FC236}">
-                <a16:creationId xmlns:a16="http://schemas.microsoft.com/office/drawing/2014/main" id="{BCE2466C-7CB1-C508-0FF7-91AE21F28D19}"/>
-              </a:ext>
-            </a:extLst>
-          </p:cNvPr>
-          <p:cNvPicPr>
-            <a:picLocks noChangeAspect="1"/>
-          </p:cNvPicPr>
-          <p:nvPr/>
-        </p:nvPicPr>
-        <p:blipFill>
-          <a:blip r:embed="rId2">
-            <a:extLst>
-              <a:ext uri="{28A0092B-C50C-407E-A947-70E740481C1C}">
-                <a14:useLocalDpi xmlns:a14="http://schemas.microsoft.com/office/drawing/2010/main" val="0"/>
-              </a:ext>
-              <a:ext uri="{96DAC541-7B7A-43D3-8B79-37D633B846F1}">
-                <asvg:svgBlip xmlns:asvg="http://schemas.microsoft.com/office/drawing/2016/SVG/main" r:embed="rId3"/>
-              </a:ext>
-            </a:extLst>
-          </a:blip>
-          <a:stretch>
-            <a:fillRect/>
-          </a:stretch>
-        </p:blipFill>
-        <p:spPr>
-          <a:xfrm rot="10800000">
-            <a:off x="7620000" y="2286000"/>
-            <a:ext cx="4572000" cy="4572000"/>
-          </a:xfrm>
-          <a:prstGeom prst="rect">
-            <a:avLst/>
-          </a:prstGeom>
-        </p:spPr>
-      </p:pic>
-      <p:sp>
-        <p:nvSpPr>
-          <p:cNvPr id="4" name="Номер слайда 3">
-            <a:extLst>
-              <a:ext uri="{FF2B5EF4-FFF2-40B4-BE49-F238E27FC236}">
-                <a16:creationId xmlns:a16="http://schemas.microsoft.com/office/drawing/2014/main" id="{FD7A0FAF-E21B-A944-D301-5B2103A369D6}"/>
-              </a:ext>
-            </a:extLst>
-          </p:cNvPr>
-          <p:cNvSpPr>
-            <a:spLocks noGrp="1"/>
-          </p:cNvSpPr>
-          <p:nvPr>
-            <p:ph type="sldNum" sz="quarter" idx="12"/>
-          </p:nvPr>
-        </p:nvSpPr>
-        <p:spPr/>
-        <p:txBody>
-          <a:bodyPr/>
-          <a:lstStyle/>
-          <a:p>
-            <a:fld id="{BDD8F850-0430-479C-987D-4AFB6AF3E393}" type="slidenum">
-              <a:rPr lang="ru-RU" sz="2400" smtClean="0">
-                <a:solidFill>
-                  <a:schemeClr val="tx1"/>
-                </a:solidFill>
-              </a:rPr>
               <a:t>6</a:t>
             </a:fld>
             <a:endParaRPr lang="ru-RU" sz="2400" dirty="0">
@@ -7663,7 +6950,7 @@
     </p:spTree>
     <p:extLst>
       <p:ext uri="{BB962C8B-B14F-4D97-AF65-F5344CB8AC3E}">
-        <p14:creationId xmlns:p14="http://schemas.microsoft.com/office/powerpoint/2010/main" val="1760863927"/>
+        <p14:creationId xmlns:p14="http://schemas.microsoft.com/office/powerpoint/2010/main" val="4251193542"/>
       </p:ext>
     </p:extLst>
   </p:cSld>
@@ -7698,7 +6985,7 @@
           <p:cNvPr id="2" name="Заголовок 1">
             <a:extLst>
               <a:ext uri="{FF2B5EF4-FFF2-40B4-BE49-F238E27FC236}">
-                <a16:creationId xmlns:a16="http://schemas.microsoft.com/office/drawing/2014/main" id="{8B4EC07C-6F90-4852-2571-D6A31E77C29F}"/>
+                <a16:creationId xmlns:a16="http://schemas.microsoft.com/office/drawing/2014/main" id="{6335129C-37C7-4A76-5CC1-46ECEFE07725}"/>
               </a:ext>
             </a:extLst>
           </p:cNvPr>
@@ -7716,7 +7003,1946 @@
           <a:p>
             <a:r>
               <a:rPr lang="ru-RU" dirty="0">
-                <a:latin typeface="Times New Roman" panose="02020603050405020304" pitchFamily="18" charset="0"/>
+                <a:cs typeface="Times New Roman" panose="02020603050405020304" pitchFamily="18" charset="0"/>
+              </a:rPr>
+              <a:t>Пример кодирования</a:t>
+            </a:r>
+            <a:endParaRPr lang="ru-RU" dirty="0"/>
+          </a:p>
+        </p:txBody>
+      </p:sp>
+      <p:sp>
+        <p:nvSpPr>
+          <p:cNvPr id="3" name="Объект 2">
+            <a:extLst>
+              <a:ext uri="{FF2B5EF4-FFF2-40B4-BE49-F238E27FC236}">
+                <a16:creationId xmlns:a16="http://schemas.microsoft.com/office/drawing/2014/main" id="{AF8C58FD-0323-D2AB-6B90-FAC24DC169BA}"/>
+              </a:ext>
+            </a:extLst>
+          </p:cNvPr>
+          <p:cNvSpPr>
+            <a:spLocks noGrp="1"/>
+          </p:cNvSpPr>
+          <p:nvPr>
+            <p:ph idx="1"/>
+          </p:nvPr>
+        </p:nvSpPr>
+        <p:spPr>
+          <a:xfrm>
+            <a:off x="594793" y="1491601"/>
+            <a:ext cx="10515600" cy="5366399"/>
+          </a:xfrm>
+        </p:spPr>
+        <p:txBody>
+          <a:bodyPr>
+            <a:normAutofit fontScale="40000" lnSpcReduction="20000"/>
+          </a:bodyPr>
+          <a:lstStyle/>
+          <a:p>
+            <a:pPr marL="0" indent="0">
+              <a:buNone/>
+            </a:pPr>
+            <a:r>
+              <a:rPr lang="ru-RU" sz="4500" dirty="0">
+                <a:solidFill>
+                  <a:srgbClr val="1A1A1A"/>
+                </a:solidFill>
+                <a:latin typeface="+mj-lt"/>
+                <a:cs typeface="Times New Roman" panose="02020603050405020304" pitchFamily="18" charset="0"/>
+              </a:rPr>
+              <a:t>С</a:t>
+            </a:r>
+            <a:r>
+              <a:rPr lang="ru-RU" sz="4500" b="0" i="0" dirty="0">
+                <a:solidFill>
+                  <a:srgbClr val="1A1A1A"/>
+                </a:solidFill>
+                <a:effectLst/>
+                <a:latin typeface="+mj-lt"/>
+                <a:cs typeface="Times New Roman" panose="02020603050405020304" pitchFamily="18" charset="0"/>
+              </a:rPr>
+              <a:t>лово «</a:t>
+            </a:r>
+            <a:r>
+              <a:rPr lang="en-US" sz="4500" b="0" i="0" dirty="0">
+                <a:solidFill>
+                  <a:srgbClr val="1A1A1A"/>
+                </a:solidFill>
+                <a:effectLst/>
+                <a:latin typeface="+mj-lt"/>
+                <a:cs typeface="Times New Roman" panose="02020603050405020304" pitchFamily="18" charset="0"/>
+              </a:rPr>
+              <a:t>CEBA</a:t>
+            </a:r>
+            <a:r>
+              <a:rPr lang="ru-RU" sz="4500" b="0" i="0" dirty="0">
+                <a:solidFill>
+                  <a:srgbClr val="1A1A1A"/>
+                </a:solidFill>
+                <a:effectLst/>
+                <a:latin typeface="+mj-lt"/>
+                <a:cs typeface="Times New Roman" panose="02020603050405020304" pitchFamily="18" charset="0"/>
+              </a:rPr>
+              <a:t>»</a:t>
+            </a:r>
+            <a:r>
+              <a:rPr lang="en-US" sz="4500" dirty="0">
+                <a:solidFill>
+                  <a:srgbClr val="1A1A1A"/>
+                </a:solidFill>
+                <a:latin typeface="+mj-lt"/>
+                <a:cs typeface="Times New Roman" panose="02020603050405020304" pitchFamily="18" charset="0"/>
+              </a:rPr>
+              <a:t>.</a:t>
+            </a:r>
+            <a:endParaRPr lang="ru-RU" sz="4500" dirty="0">
+              <a:solidFill>
+                <a:srgbClr val="1A1A1A"/>
+              </a:solidFill>
+              <a:latin typeface="+mj-lt"/>
+              <a:cs typeface="Times New Roman" panose="02020603050405020304" pitchFamily="18" charset="0"/>
+            </a:endParaRPr>
+          </a:p>
+          <a:p>
+            <a:pPr marL="0" indent="0">
+              <a:buNone/>
+            </a:pPr>
+            <a:endParaRPr lang="en-US" sz="4500" dirty="0">
+              <a:solidFill>
+                <a:srgbClr val="1A1A1A"/>
+              </a:solidFill>
+              <a:latin typeface="+mj-lt"/>
+              <a:cs typeface="Times New Roman" panose="02020603050405020304" pitchFamily="18" charset="0"/>
+            </a:endParaRPr>
+          </a:p>
+          <a:p>
+            <a:pPr marL="457200" lvl="1" indent="0">
+              <a:buNone/>
+            </a:pPr>
+            <a:r>
+              <a:rPr lang="ru-RU" sz="4500" b="0" i="0" dirty="0">
+                <a:solidFill>
+                  <a:srgbClr val="1A1A1A"/>
+                </a:solidFill>
+                <a:effectLst/>
+                <a:latin typeface="+mj-lt"/>
+                <a:cs typeface="Times New Roman" panose="02020603050405020304" pitchFamily="18" charset="0"/>
+              </a:rPr>
+              <a:t>Начальные условия: </a:t>
+            </a:r>
+            <a:r>
+              <a:rPr lang="en-US" sz="4500" b="0" i="0" dirty="0">
+                <a:solidFill>
+                  <a:srgbClr val="1A1A1A"/>
+                </a:solidFill>
+                <a:effectLst/>
+                <a:latin typeface="+mj-lt"/>
+                <a:cs typeface="Times New Roman" panose="02020603050405020304" pitchFamily="18" charset="0"/>
+              </a:rPr>
+              <a:t>Low</a:t>
+            </a:r>
+            <a:r>
+              <a:rPr lang="ru-RU" sz="4500" b="0" i="0" dirty="0">
+                <a:solidFill>
+                  <a:srgbClr val="1A1A1A"/>
+                </a:solidFill>
+                <a:effectLst/>
+                <a:latin typeface="+mj-lt"/>
+                <a:cs typeface="Times New Roman" panose="02020603050405020304" pitchFamily="18" charset="0"/>
+              </a:rPr>
+              <a:t>=0, </a:t>
+            </a:r>
+            <a:r>
+              <a:rPr lang="en-US" sz="4500" b="0" i="0" dirty="0">
+                <a:solidFill>
+                  <a:srgbClr val="1A1A1A"/>
+                </a:solidFill>
+                <a:effectLst/>
+                <a:latin typeface="+mj-lt"/>
+                <a:cs typeface="Times New Roman" panose="02020603050405020304" pitchFamily="18" charset="0"/>
+              </a:rPr>
+              <a:t>High</a:t>
+            </a:r>
+            <a:r>
+              <a:rPr lang="ru-RU" sz="4500" b="0" i="0" dirty="0">
+                <a:solidFill>
+                  <a:srgbClr val="1A1A1A"/>
+                </a:solidFill>
+                <a:effectLst/>
+                <a:latin typeface="+mj-lt"/>
+                <a:cs typeface="Times New Roman" panose="02020603050405020304" pitchFamily="18" charset="0"/>
+              </a:rPr>
+              <a:t>=1.</a:t>
+            </a:r>
+          </a:p>
+          <a:p>
+            <a:pPr marL="0" indent="457200" algn="l">
+              <a:buNone/>
+            </a:pPr>
+            <a:r>
+              <a:rPr lang="ru-RU" sz="4500" b="1" i="0" dirty="0">
+                <a:solidFill>
+                  <a:srgbClr val="1A1A1A"/>
+                </a:solidFill>
+                <a:effectLst/>
+                <a:latin typeface="+mj-lt"/>
+                <a:cs typeface="Times New Roman" panose="02020603050405020304" pitchFamily="18" charset="0"/>
+              </a:rPr>
+              <a:t>Для символа </a:t>
+            </a:r>
+            <a:r>
+              <a:rPr lang="en-US" sz="4500" b="1" dirty="0">
+                <a:solidFill>
+                  <a:srgbClr val="1A1A1A"/>
+                </a:solidFill>
+                <a:latin typeface="+mj-lt"/>
+                <a:cs typeface="Times New Roman" panose="02020603050405020304" pitchFamily="18" charset="0"/>
+              </a:rPr>
+              <a:t>“C”</a:t>
+            </a:r>
+            <a:r>
+              <a:rPr lang="ru-RU" sz="4500" b="1" i="0" dirty="0">
+                <a:solidFill>
+                  <a:srgbClr val="1A1A1A"/>
+                </a:solidFill>
+                <a:effectLst/>
+                <a:latin typeface="+mj-lt"/>
+                <a:cs typeface="Times New Roman" panose="02020603050405020304" pitchFamily="18" charset="0"/>
+              </a:rPr>
+              <a:t>:</a:t>
+            </a:r>
+          </a:p>
+          <a:p>
+            <a:pPr marL="457200" lvl="1" indent="457200">
+              <a:buNone/>
+            </a:pPr>
+            <a:r>
+              <a:rPr lang="en-US" sz="4100" dirty="0">
+                <a:solidFill>
+                  <a:srgbClr val="1A1A1A"/>
+                </a:solidFill>
+                <a:latin typeface="+mj-lt"/>
+                <a:cs typeface="Times New Roman" panose="02020603050405020304" pitchFamily="18" charset="0"/>
+              </a:rPr>
+              <a:t>L</a:t>
+            </a:r>
+            <a:r>
+              <a:rPr lang="ru-RU" sz="4100" b="0" i="0" dirty="0">
+                <a:solidFill>
+                  <a:srgbClr val="1A1A1A"/>
+                </a:solidFill>
+                <a:effectLst/>
+                <a:latin typeface="+mj-lt"/>
+                <a:cs typeface="Times New Roman" panose="02020603050405020304" pitchFamily="18" charset="0"/>
+              </a:rPr>
+              <a:t>1= </a:t>
+            </a:r>
+            <a:r>
+              <a:rPr lang="en-US" sz="4100" b="0" i="0" dirty="0">
+                <a:solidFill>
+                  <a:srgbClr val="1A1A1A"/>
+                </a:solidFill>
+                <a:effectLst/>
+                <a:latin typeface="+mj-lt"/>
+                <a:cs typeface="Times New Roman" panose="02020603050405020304" pitchFamily="18" charset="0"/>
+              </a:rPr>
+              <a:t>L</a:t>
+            </a:r>
+            <a:r>
+              <a:rPr lang="en-US" sz="4100" dirty="0">
+                <a:solidFill>
+                  <a:srgbClr val="1A1A1A"/>
+                </a:solidFill>
+                <a:latin typeface="+mj-lt"/>
+                <a:cs typeface="Times New Roman" panose="02020603050405020304" pitchFamily="18" charset="0"/>
+              </a:rPr>
+              <a:t>ow</a:t>
+            </a:r>
+            <a:r>
+              <a:rPr lang="ru-RU" sz="4100" b="0" i="0" dirty="0">
+                <a:solidFill>
+                  <a:srgbClr val="1A1A1A"/>
+                </a:solidFill>
+                <a:effectLst/>
+                <a:latin typeface="+mj-lt"/>
+                <a:cs typeface="Times New Roman" panose="02020603050405020304" pitchFamily="18" charset="0"/>
+              </a:rPr>
+              <a:t>+</a:t>
+            </a:r>
+            <a:r>
+              <a:rPr lang="en-US" sz="4100" b="0" i="0" dirty="0">
+                <a:solidFill>
+                  <a:srgbClr val="1A1A1A"/>
+                </a:solidFill>
+                <a:effectLst/>
+                <a:latin typeface="+mj-lt"/>
+                <a:cs typeface="Times New Roman" panose="02020603050405020304" pitchFamily="18" charset="0"/>
+              </a:rPr>
+              <a:t>L</a:t>
+            </a:r>
+            <a:r>
+              <a:rPr lang="ru-RU" sz="4100" b="0" i="0" dirty="0">
+                <a:solidFill>
+                  <a:srgbClr val="1A1A1A"/>
+                </a:solidFill>
+                <a:effectLst/>
+                <a:latin typeface="+mj-lt"/>
+                <a:cs typeface="Times New Roman" panose="02020603050405020304" pitchFamily="18" charset="0"/>
+              </a:rPr>
+              <a:t>[</a:t>
+            </a:r>
+            <a:r>
+              <a:rPr lang="en-US" sz="4100" b="0" i="0" dirty="0">
+                <a:solidFill>
+                  <a:srgbClr val="1A1A1A"/>
+                </a:solidFill>
+                <a:effectLst/>
+                <a:latin typeface="+mj-lt"/>
+                <a:cs typeface="Times New Roman" panose="02020603050405020304" pitchFamily="18" charset="0"/>
+              </a:rPr>
+              <a:t>C</a:t>
+            </a:r>
+            <a:r>
+              <a:rPr lang="ru-RU" sz="4100" b="0" i="0" dirty="0">
+                <a:solidFill>
+                  <a:srgbClr val="1A1A1A"/>
+                </a:solidFill>
+                <a:effectLst/>
+                <a:latin typeface="+mj-lt"/>
+                <a:cs typeface="Times New Roman" panose="02020603050405020304" pitchFamily="18" charset="0"/>
+              </a:rPr>
+              <a:t>] (</a:t>
+            </a:r>
+            <a:r>
+              <a:rPr lang="en-US" sz="4100" b="0" i="0" dirty="0">
+                <a:solidFill>
+                  <a:srgbClr val="1A1A1A"/>
+                </a:solidFill>
+                <a:effectLst/>
+                <a:latin typeface="+mj-lt"/>
+                <a:cs typeface="Times New Roman" panose="02020603050405020304" pitchFamily="18" charset="0"/>
+              </a:rPr>
+              <a:t>H</a:t>
+            </a:r>
+            <a:r>
+              <a:rPr lang="en-US" sz="4100" dirty="0">
+                <a:solidFill>
+                  <a:srgbClr val="1A1A1A"/>
+                </a:solidFill>
+                <a:latin typeface="+mj-lt"/>
+                <a:cs typeface="Times New Roman" panose="02020603050405020304" pitchFamily="18" charset="0"/>
+              </a:rPr>
+              <a:t>igh</a:t>
+            </a:r>
+            <a:r>
+              <a:rPr lang="ru-RU" sz="4100" b="0" i="0" dirty="0">
+                <a:solidFill>
+                  <a:srgbClr val="1A1A1A"/>
+                </a:solidFill>
+                <a:effectLst/>
+                <a:latin typeface="+mj-lt"/>
+                <a:cs typeface="Times New Roman" panose="02020603050405020304" pitchFamily="18" charset="0"/>
+              </a:rPr>
+              <a:t>- </a:t>
+            </a:r>
+            <a:r>
+              <a:rPr lang="en-US" sz="4100" b="0" i="0" dirty="0">
+                <a:solidFill>
+                  <a:srgbClr val="1A1A1A"/>
+                </a:solidFill>
+                <a:effectLst/>
+                <a:latin typeface="+mj-lt"/>
+                <a:cs typeface="Times New Roman" panose="02020603050405020304" pitchFamily="18" charset="0"/>
+              </a:rPr>
+              <a:t>Low</a:t>
+            </a:r>
+            <a:r>
+              <a:rPr lang="ru-RU" sz="4100" b="0" i="0" dirty="0">
+                <a:solidFill>
+                  <a:srgbClr val="1A1A1A"/>
+                </a:solidFill>
+                <a:effectLst/>
+                <a:latin typeface="+mj-lt"/>
+                <a:cs typeface="Times New Roman" panose="02020603050405020304" pitchFamily="18" charset="0"/>
+              </a:rPr>
+              <a:t>) =</a:t>
+            </a:r>
+            <a:r>
+              <a:rPr lang="en-US" sz="4100" b="0" i="0" dirty="0">
+                <a:solidFill>
+                  <a:srgbClr val="1A1A1A"/>
+                </a:solidFill>
+                <a:effectLst/>
+                <a:latin typeface="+mj-lt"/>
+                <a:cs typeface="Times New Roman" panose="02020603050405020304" pitchFamily="18" charset="0"/>
+              </a:rPr>
+              <a:t> </a:t>
+            </a:r>
+            <a:r>
+              <a:rPr lang="ru-RU" sz="4100" b="0" i="0" dirty="0">
+                <a:solidFill>
+                  <a:srgbClr val="1A1A1A"/>
+                </a:solidFill>
+                <a:effectLst/>
+                <a:latin typeface="+mj-lt"/>
+                <a:cs typeface="Times New Roman" panose="02020603050405020304" pitchFamily="18" charset="0"/>
+              </a:rPr>
+              <a:t>0+0,5(1-0) =</a:t>
+            </a:r>
+            <a:r>
+              <a:rPr lang="en-US" sz="4100" b="0" i="0" dirty="0">
+                <a:solidFill>
+                  <a:srgbClr val="1A1A1A"/>
+                </a:solidFill>
+                <a:effectLst/>
+                <a:latin typeface="+mj-lt"/>
+                <a:cs typeface="Times New Roman" panose="02020603050405020304" pitchFamily="18" charset="0"/>
+              </a:rPr>
+              <a:t> </a:t>
+            </a:r>
+            <a:r>
+              <a:rPr lang="ru-RU" sz="4100" b="0" i="0" dirty="0">
+                <a:solidFill>
+                  <a:srgbClr val="1A1A1A"/>
+                </a:solidFill>
+                <a:effectLst/>
+                <a:latin typeface="+mj-lt"/>
+                <a:cs typeface="Times New Roman" panose="02020603050405020304" pitchFamily="18" charset="0"/>
+              </a:rPr>
+              <a:t>0,5</a:t>
+            </a:r>
+          </a:p>
+          <a:p>
+            <a:pPr marL="457200" lvl="1" indent="457200">
+              <a:buNone/>
+            </a:pPr>
+            <a:r>
+              <a:rPr lang="en-US" sz="4100" dirty="0">
+                <a:solidFill>
+                  <a:srgbClr val="1A1A1A"/>
+                </a:solidFill>
+                <a:latin typeface="+mj-lt"/>
+                <a:cs typeface="Times New Roman" panose="02020603050405020304" pitchFamily="18" charset="0"/>
+              </a:rPr>
+              <a:t>H</a:t>
+            </a:r>
+            <a:r>
+              <a:rPr lang="ru-RU" sz="4100" b="0" i="0" dirty="0">
+                <a:solidFill>
+                  <a:srgbClr val="1A1A1A"/>
+                </a:solidFill>
+                <a:effectLst/>
+                <a:latin typeface="+mj-lt"/>
+                <a:cs typeface="Times New Roman" panose="02020603050405020304" pitchFamily="18" charset="0"/>
+              </a:rPr>
+              <a:t>1= </a:t>
+            </a:r>
+            <a:r>
+              <a:rPr lang="en-US" sz="4100" b="0" i="0" dirty="0">
+                <a:solidFill>
+                  <a:srgbClr val="1A1A1A"/>
+                </a:solidFill>
+                <a:effectLst/>
+                <a:latin typeface="+mj-lt"/>
+                <a:cs typeface="Times New Roman" panose="02020603050405020304" pitchFamily="18" charset="0"/>
+              </a:rPr>
+              <a:t>Low</a:t>
+            </a:r>
+            <a:r>
+              <a:rPr lang="ru-RU" sz="4100" b="0" i="0" dirty="0">
+                <a:solidFill>
+                  <a:srgbClr val="1A1A1A"/>
+                </a:solidFill>
+                <a:effectLst/>
+                <a:latin typeface="+mj-lt"/>
+                <a:cs typeface="Times New Roman" panose="02020603050405020304" pitchFamily="18" charset="0"/>
+              </a:rPr>
+              <a:t>+</a:t>
+            </a:r>
+            <a:r>
+              <a:rPr lang="en-US" sz="4100" b="0" i="0" dirty="0">
+                <a:solidFill>
+                  <a:srgbClr val="1A1A1A"/>
+                </a:solidFill>
+                <a:effectLst/>
+                <a:latin typeface="+mj-lt"/>
+                <a:cs typeface="Times New Roman" panose="02020603050405020304" pitchFamily="18" charset="0"/>
+              </a:rPr>
+              <a:t>H</a:t>
+            </a:r>
+            <a:r>
+              <a:rPr lang="ru-RU" sz="4100" b="0" i="0" dirty="0">
+                <a:solidFill>
+                  <a:srgbClr val="1A1A1A"/>
+                </a:solidFill>
+                <a:effectLst/>
+                <a:latin typeface="+mj-lt"/>
+                <a:cs typeface="Times New Roman" panose="02020603050405020304" pitchFamily="18" charset="0"/>
+              </a:rPr>
+              <a:t>[</a:t>
+            </a:r>
+            <a:r>
+              <a:rPr lang="en-US" sz="4100" b="0" i="0" dirty="0">
+                <a:solidFill>
+                  <a:srgbClr val="1A1A1A"/>
+                </a:solidFill>
+                <a:effectLst/>
+                <a:latin typeface="+mj-lt"/>
+                <a:cs typeface="Times New Roman" panose="02020603050405020304" pitchFamily="18" charset="0"/>
+              </a:rPr>
+              <a:t>C</a:t>
+            </a:r>
+            <a:r>
+              <a:rPr lang="ru-RU" sz="4100" b="0" i="0" dirty="0">
+                <a:solidFill>
+                  <a:srgbClr val="1A1A1A"/>
+                </a:solidFill>
+                <a:effectLst/>
+                <a:latin typeface="+mj-lt"/>
+                <a:cs typeface="Times New Roman" panose="02020603050405020304" pitchFamily="18" charset="0"/>
+              </a:rPr>
+              <a:t>] (</a:t>
+            </a:r>
+            <a:r>
+              <a:rPr lang="en-US" sz="4100" b="0" i="0" dirty="0">
+                <a:solidFill>
+                  <a:srgbClr val="1A1A1A"/>
+                </a:solidFill>
+                <a:effectLst/>
+                <a:latin typeface="+mj-lt"/>
+                <a:cs typeface="Times New Roman" panose="02020603050405020304" pitchFamily="18" charset="0"/>
+              </a:rPr>
+              <a:t>High-Low</a:t>
+            </a:r>
+            <a:r>
+              <a:rPr lang="ru-RU" sz="4100" b="0" i="0" dirty="0">
+                <a:solidFill>
+                  <a:srgbClr val="1A1A1A"/>
+                </a:solidFill>
+                <a:effectLst/>
+                <a:latin typeface="+mj-lt"/>
+                <a:cs typeface="Times New Roman" panose="02020603050405020304" pitchFamily="18" charset="0"/>
+              </a:rPr>
+              <a:t>) =</a:t>
+            </a:r>
+            <a:r>
+              <a:rPr lang="en-US" sz="4100" b="0" i="0" dirty="0">
+                <a:solidFill>
+                  <a:srgbClr val="1A1A1A"/>
+                </a:solidFill>
+                <a:effectLst/>
+                <a:latin typeface="+mj-lt"/>
+                <a:cs typeface="Times New Roman" panose="02020603050405020304" pitchFamily="18" charset="0"/>
+              </a:rPr>
+              <a:t> </a:t>
+            </a:r>
+            <a:r>
+              <a:rPr lang="ru-RU" sz="4100" b="0" i="0" dirty="0">
+                <a:solidFill>
+                  <a:srgbClr val="1A1A1A"/>
+                </a:solidFill>
+                <a:effectLst/>
+                <a:latin typeface="+mj-lt"/>
+                <a:cs typeface="Times New Roman" panose="02020603050405020304" pitchFamily="18" charset="0"/>
+              </a:rPr>
+              <a:t>0+0,75(1-0) =</a:t>
+            </a:r>
+            <a:r>
+              <a:rPr lang="en-US" sz="4100" b="0" i="0" dirty="0">
+                <a:solidFill>
+                  <a:srgbClr val="1A1A1A"/>
+                </a:solidFill>
+                <a:effectLst/>
+                <a:latin typeface="+mj-lt"/>
+                <a:cs typeface="Times New Roman" panose="02020603050405020304" pitchFamily="18" charset="0"/>
+              </a:rPr>
+              <a:t> </a:t>
+            </a:r>
+            <a:r>
+              <a:rPr lang="ru-RU" sz="4100" b="0" i="0" dirty="0">
+                <a:solidFill>
+                  <a:srgbClr val="1A1A1A"/>
+                </a:solidFill>
+                <a:effectLst/>
+                <a:latin typeface="+mj-lt"/>
+                <a:cs typeface="Times New Roman" panose="02020603050405020304" pitchFamily="18" charset="0"/>
+              </a:rPr>
+              <a:t>0,75</a:t>
+            </a:r>
+          </a:p>
+          <a:p>
+            <a:pPr marL="457200" lvl="1" indent="457200">
+              <a:buNone/>
+            </a:pPr>
+            <a:endParaRPr lang="ru-RU" sz="4100" b="0" i="0" dirty="0">
+              <a:solidFill>
+                <a:srgbClr val="1A1A1A"/>
+              </a:solidFill>
+              <a:effectLst/>
+              <a:latin typeface="+mj-lt"/>
+              <a:cs typeface="Times New Roman" panose="02020603050405020304" pitchFamily="18" charset="0"/>
+            </a:endParaRPr>
+          </a:p>
+          <a:p>
+            <a:pPr marL="0" indent="457200" algn="l">
+              <a:buNone/>
+            </a:pPr>
+            <a:r>
+              <a:rPr lang="ru-RU" sz="4500" b="1" i="0" dirty="0">
+                <a:solidFill>
+                  <a:srgbClr val="1A1A1A"/>
+                </a:solidFill>
+                <a:effectLst/>
+                <a:latin typeface="+mj-lt"/>
+                <a:cs typeface="Times New Roman" panose="02020603050405020304" pitchFamily="18" charset="0"/>
+              </a:rPr>
+              <a:t>Для символа</a:t>
+            </a:r>
+            <a:r>
+              <a:rPr lang="en-US" sz="4500" b="1" i="0" dirty="0">
+                <a:solidFill>
+                  <a:srgbClr val="1A1A1A"/>
+                </a:solidFill>
+                <a:effectLst/>
+                <a:latin typeface="+mj-lt"/>
+                <a:cs typeface="Times New Roman" panose="02020603050405020304" pitchFamily="18" charset="0"/>
+              </a:rPr>
+              <a:t> ”E”:</a:t>
+            </a:r>
+            <a:endParaRPr lang="ru-RU" sz="4500" b="1" i="0" dirty="0">
+              <a:solidFill>
+                <a:srgbClr val="1A1A1A"/>
+              </a:solidFill>
+              <a:effectLst/>
+              <a:latin typeface="+mj-lt"/>
+              <a:cs typeface="Times New Roman" panose="02020603050405020304" pitchFamily="18" charset="0"/>
+            </a:endParaRPr>
+          </a:p>
+          <a:p>
+            <a:pPr marL="457200" lvl="1" indent="457200">
+              <a:buNone/>
+            </a:pPr>
+            <a:r>
+              <a:rPr lang="en-US" sz="4100" dirty="0">
+                <a:solidFill>
+                  <a:srgbClr val="1A1A1A"/>
+                </a:solidFill>
+                <a:latin typeface="+mj-lt"/>
+                <a:cs typeface="Times New Roman" panose="02020603050405020304" pitchFamily="18" charset="0"/>
+              </a:rPr>
+              <a:t>L</a:t>
+            </a:r>
+            <a:r>
+              <a:rPr lang="ru-RU" sz="4100" b="0" i="0" dirty="0">
+                <a:solidFill>
+                  <a:srgbClr val="1A1A1A"/>
+                </a:solidFill>
+                <a:effectLst/>
+                <a:latin typeface="+mj-lt"/>
+                <a:cs typeface="Times New Roman" panose="02020603050405020304" pitchFamily="18" charset="0"/>
+              </a:rPr>
+              <a:t>2= </a:t>
+            </a:r>
+            <a:r>
+              <a:rPr lang="en-US" sz="4100" b="0" i="0" dirty="0">
+                <a:solidFill>
+                  <a:srgbClr val="1A1A1A"/>
+                </a:solidFill>
+                <a:effectLst/>
+                <a:latin typeface="+mj-lt"/>
+                <a:cs typeface="Times New Roman" panose="02020603050405020304" pitchFamily="18" charset="0"/>
+              </a:rPr>
+              <a:t>Low</a:t>
+            </a:r>
+            <a:r>
+              <a:rPr lang="ru-RU" sz="4100" b="0" i="0" dirty="0">
+                <a:solidFill>
+                  <a:srgbClr val="1A1A1A"/>
+                </a:solidFill>
+                <a:effectLst/>
+                <a:latin typeface="+mj-lt"/>
+                <a:cs typeface="Times New Roman" panose="02020603050405020304" pitchFamily="18" charset="0"/>
+              </a:rPr>
+              <a:t>+</a:t>
+            </a:r>
+            <a:r>
+              <a:rPr lang="en-US" sz="4100" b="0" i="0" dirty="0">
+                <a:solidFill>
+                  <a:srgbClr val="1A1A1A"/>
+                </a:solidFill>
+                <a:effectLst/>
+                <a:latin typeface="+mj-lt"/>
+                <a:cs typeface="Times New Roman" panose="02020603050405020304" pitchFamily="18" charset="0"/>
+              </a:rPr>
+              <a:t>L</a:t>
+            </a:r>
+            <a:r>
+              <a:rPr lang="ru-RU" sz="4100" b="0" i="0" dirty="0">
+                <a:solidFill>
+                  <a:srgbClr val="1A1A1A"/>
+                </a:solidFill>
+                <a:effectLst/>
+                <a:latin typeface="+mj-lt"/>
+                <a:cs typeface="Times New Roman" panose="02020603050405020304" pitchFamily="18" charset="0"/>
+              </a:rPr>
+              <a:t>[</a:t>
+            </a:r>
+            <a:r>
+              <a:rPr lang="en-US" sz="4100" b="0" i="0" dirty="0">
+                <a:solidFill>
+                  <a:srgbClr val="1A1A1A"/>
+                </a:solidFill>
+                <a:effectLst/>
+                <a:latin typeface="+mj-lt"/>
+                <a:cs typeface="Times New Roman" panose="02020603050405020304" pitchFamily="18" charset="0"/>
+              </a:rPr>
+              <a:t>E</a:t>
+            </a:r>
+            <a:r>
+              <a:rPr lang="ru-RU" sz="4100" b="0" i="0" dirty="0">
+                <a:solidFill>
+                  <a:srgbClr val="1A1A1A"/>
+                </a:solidFill>
+                <a:effectLst/>
+                <a:latin typeface="+mj-lt"/>
+                <a:cs typeface="Times New Roman" panose="02020603050405020304" pitchFamily="18" charset="0"/>
+              </a:rPr>
+              <a:t>] (</a:t>
+            </a:r>
+            <a:r>
+              <a:rPr lang="en-US" sz="4100" b="0" i="0" dirty="0">
+                <a:solidFill>
+                  <a:srgbClr val="1A1A1A"/>
+                </a:solidFill>
+                <a:effectLst/>
+                <a:latin typeface="+mj-lt"/>
+                <a:cs typeface="Times New Roman" panose="02020603050405020304" pitchFamily="18" charset="0"/>
+              </a:rPr>
+              <a:t>H</a:t>
+            </a:r>
+            <a:r>
+              <a:rPr lang="ru-RU" sz="4100" b="0" i="0" dirty="0">
+                <a:solidFill>
+                  <a:srgbClr val="1A1A1A"/>
+                </a:solidFill>
+                <a:effectLst/>
+                <a:latin typeface="+mj-lt"/>
+                <a:cs typeface="Times New Roman" panose="02020603050405020304" pitchFamily="18" charset="0"/>
+              </a:rPr>
+              <a:t>1- </a:t>
+            </a:r>
+            <a:r>
+              <a:rPr lang="en-US" sz="4100" dirty="0">
+                <a:solidFill>
+                  <a:srgbClr val="1A1A1A"/>
+                </a:solidFill>
+                <a:latin typeface="+mj-lt"/>
+                <a:cs typeface="Times New Roman" panose="02020603050405020304" pitchFamily="18" charset="0"/>
+              </a:rPr>
+              <a:t>L</a:t>
+            </a:r>
+            <a:r>
+              <a:rPr lang="ru-RU" sz="4100" b="0" i="0" dirty="0">
+                <a:solidFill>
+                  <a:srgbClr val="1A1A1A"/>
+                </a:solidFill>
+                <a:effectLst/>
+                <a:latin typeface="+mj-lt"/>
+                <a:cs typeface="Times New Roman" panose="02020603050405020304" pitchFamily="18" charset="0"/>
+              </a:rPr>
+              <a:t>1) =</a:t>
+            </a:r>
+            <a:r>
+              <a:rPr lang="en-US" sz="4100" b="0" i="0" dirty="0">
+                <a:solidFill>
+                  <a:srgbClr val="1A1A1A"/>
+                </a:solidFill>
+                <a:effectLst/>
+                <a:latin typeface="+mj-lt"/>
+                <a:cs typeface="Times New Roman" panose="02020603050405020304" pitchFamily="18" charset="0"/>
+              </a:rPr>
+              <a:t> </a:t>
+            </a:r>
+            <a:r>
+              <a:rPr lang="ru-RU" sz="4100" b="0" i="0" dirty="0">
+                <a:solidFill>
+                  <a:srgbClr val="1A1A1A"/>
+                </a:solidFill>
+                <a:effectLst/>
+                <a:latin typeface="+mj-lt"/>
+                <a:cs typeface="Times New Roman" panose="02020603050405020304" pitchFamily="18" charset="0"/>
+              </a:rPr>
+              <a:t>0,5+0, 5(0,75-0,5) =</a:t>
+            </a:r>
+            <a:r>
+              <a:rPr lang="en-US" sz="4100" b="0" i="0" dirty="0">
+                <a:solidFill>
+                  <a:srgbClr val="1A1A1A"/>
+                </a:solidFill>
+                <a:effectLst/>
+                <a:latin typeface="+mj-lt"/>
+                <a:cs typeface="Times New Roman" panose="02020603050405020304" pitchFamily="18" charset="0"/>
+              </a:rPr>
+              <a:t> </a:t>
+            </a:r>
+            <a:r>
+              <a:rPr lang="ru-RU" sz="4100" b="0" i="0" dirty="0">
+                <a:solidFill>
+                  <a:srgbClr val="1A1A1A"/>
+                </a:solidFill>
+                <a:effectLst/>
+                <a:latin typeface="+mj-lt"/>
+                <a:cs typeface="Times New Roman" panose="02020603050405020304" pitchFamily="18" charset="0"/>
+              </a:rPr>
+              <a:t>0,6875</a:t>
+            </a:r>
+          </a:p>
+          <a:p>
+            <a:pPr marL="457200" lvl="1" indent="457200">
+              <a:buNone/>
+            </a:pPr>
+            <a:r>
+              <a:rPr lang="en-US" sz="4100" b="0" i="0" dirty="0">
+                <a:solidFill>
+                  <a:srgbClr val="1A1A1A"/>
+                </a:solidFill>
+                <a:effectLst/>
+                <a:latin typeface="+mj-lt"/>
+                <a:cs typeface="Times New Roman" panose="02020603050405020304" pitchFamily="18" charset="0"/>
+              </a:rPr>
+              <a:t>H</a:t>
+            </a:r>
+            <a:r>
+              <a:rPr lang="ru-RU" sz="4100" b="0" i="0" dirty="0">
+                <a:solidFill>
+                  <a:srgbClr val="1A1A1A"/>
+                </a:solidFill>
+                <a:effectLst/>
+                <a:latin typeface="+mj-lt"/>
+                <a:cs typeface="Times New Roman" panose="02020603050405020304" pitchFamily="18" charset="0"/>
+              </a:rPr>
+              <a:t>2= </a:t>
+            </a:r>
+            <a:r>
+              <a:rPr lang="en-US" sz="4100" b="0" i="0" dirty="0">
+                <a:solidFill>
+                  <a:srgbClr val="1A1A1A"/>
+                </a:solidFill>
+                <a:effectLst/>
+                <a:latin typeface="+mj-lt"/>
+                <a:cs typeface="Times New Roman" panose="02020603050405020304" pitchFamily="18" charset="0"/>
+              </a:rPr>
+              <a:t>Low</a:t>
+            </a:r>
+            <a:r>
+              <a:rPr lang="ru-RU" sz="4100" b="0" i="0" dirty="0">
+                <a:solidFill>
+                  <a:srgbClr val="1A1A1A"/>
+                </a:solidFill>
+                <a:effectLst/>
+                <a:latin typeface="+mj-lt"/>
+                <a:cs typeface="Times New Roman" panose="02020603050405020304" pitchFamily="18" charset="0"/>
+              </a:rPr>
+              <a:t>+</a:t>
+            </a:r>
+            <a:r>
+              <a:rPr lang="en-US" sz="4100" dirty="0">
+                <a:solidFill>
+                  <a:srgbClr val="1A1A1A"/>
+                </a:solidFill>
+                <a:latin typeface="+mj-lt"/>
+                <a:cs typeface="Times New Roman" panose="02020603050405020304" pitchFamily="18" charset="0"/>
+              </a:rPr>
+              <a:t>H</a:t>
+            </a:r>
+            <a:r>
+              <a:rPr lang="ru-RU" sz="4100" b="0" i="0" dirty="0">
+                <a:solidFill>
+                  <a:srgbClr val="1A1A1A"/>
+                </a:solidFill>
+                <a:effectLst/>
+                <a:latin typeface="+mj-lt"/>
+                <a:cs typeface="Times New Roman" panose="02020603050405020304" pitchFamily="18" charset="0"/>
+              </a:rPr>
+              <a:t>[</a:t>
+            </a:r>
+            <a:r>
+              <a:rPr lang="en-US" sz="4100" dirty="0">
+                <a:solidFill>
+                  <a:srgbClr val="1A1A1A"/>
+                </a:solidFill>
+                <a:latin typeface="+mj-lt"/>
+                <a:cs typeface="Times New Roman" panose="02020603050405020304" pitchFamily="18" charset="0"/>
+              </a:rPr>
+              <a:t>E</a:t>
+            </a:r>
+            <a:r>
+              <a:rPr lang="ru-RU" sz="4100" b="0" i="0" dirty="0">
+                <a:solidFill>
+                  <a:srgbClr val="1A1A1A"/>
+                </a:solidFill>
+                <a:effectLst/>
+                <a:latin typeface="+mj-lt"/>
+                <a:cs typeface="Times New Roman" panose="02020603050405020304" pitchFamily="18" charset="0"/>
+              </a:rPr>
+              <a:t>] (</a:t>
+            </a:r>
+            <a:r>
+              <a:rPr lang="en-US" sz="4100" b="0" i="0" dirty="0">
+                <a:solidFill>
+                  <a:srgbClr val="1A1A1A"/>
+                </a:solidFill>
+                <a:effectLst/>
+                <a:latin typeface="+mj-lt"/>
+                <a:cs typeface="Times New Roman" panose="02020603050405020304" pitchFamily="18" charset="0"/>
+              </a:rPr>
+              <a:t>H</a:t>
+            </a:r>
+            <a:r>
+              <a:rPr lang="ru-RU" sz="4100" b="0" i="0" dirty="0">
+                <a:solidFill>
+                  <a:srgbClr val="1A1A1A"/>
+                </a:solidFill>
+                <a:effectLst/>
+                <a:latin typeface="+mj-lt"/>
+                <a:cs typeface="Times New Roman" panose="02020603050405020304" pitchFamily="18" charset="0"/>
+              </a:rPr>
+              <a:t>1- </a:t>
+            </a:r>
+            <a:r>
+              <a:rPr lang="en-US" sz="4100" dirty="0">
+                <a:solidFill>
+                  <a:srgbClr val="1A1A1A"/>
+                </a:solidFill>
+                <a:latin typeface="+mj-lt"/>
+                <a:cs typeface="Times New Roman" panose="02020603050405020304" pitchFamily="18" charset="0"/>
+              </a:rPr>
+              <a:t>L</a:t>
+            </a:r>
+            <a:r>
+              <a:rPr lang="ru-RU" sz="4100" b="0" i="0" dirty="0">
+                <a:solidFill>
+                  <a:srgbClr val="1A1A1A"/>
+                </a:solidFill>
+                <a:effectLst/>
+                <a:latin typeface="+mj-lt"/>
+                <a:cs typeface="Times New Roman" panose="02020603050405020304" pitchFamily="18" charset="0"/>
+              </a:rPr>
+              <a:t>1) =</a:t>
+            </a:r>
+            <a:r>
+              <a:rPr lang="en-US" sz="4100" b="0" i="0" dirty="0">
+                <a:solidFill>
+                  <a:srgbClr val="1A1A1A"/>
+                </a:solidFill>
+                <a:effectLst/>
+                <a:latin typeface="+mj-lt"/>
+                <a:cs typeface="Times New Roman" panose="02020603050405020304" pitchFamily="18" charset="0"/>
+              </a:rPr>
+              <a:t> </a:t>
+            </a:r>
+            <a:r>
+              <a:rPr lang="ru-RU" sz="4100" b="0" i="0" dirty="0">
+                <a:solidFill>
+                  <a:srgbClr val="1A1A1A"/>
+                </a:solidFill>
+                <a:effectLst/>
+                <a:latin typeface="+mj-lt"/>
+                <a:cs typeface="Times New Roman" panose="02020603050405020304" pitchFamily="18" charset="0"/>
+              </a:rPr>
+              <a:t>0,5+1(0,75-0,5) =</a:t>
+            </a:r>
+            <a:r>
+              <a:rPr lang="en-US" sz="4100" b="0" i="0" dirty="0">
+                <a:solidFill>
+                  <a:srgbClr val="1A1A1A"/>
+                </a:solidFill>
+                <a:effectLst/>
+                <a:latin typeface="+mj-lt"/>
+                <a:cs typeface="Times New Roman" panose="02020603050405020304" pitchFamily="18" charset="0"/>
+              </a:rPr>
+              <a:t> </a:t>
+            </a:r>
+            <a:r>
+              <a:rPr lang="ru-RU" sz="4100" b="0" i="0" dirty="0">
+                <a:solidFill>
+                  <a:srgbClr val="1A1A1A"/>
+                </a:solidFill>
+                <a:effectLst/>
+                <a:latin typeface="+mj-lt"/>
+                <a:cs typeface="Times New Roman" panose="02020603050405020304" pitchFamily="18" charset="0"/>
+              </a:rPr>
+              <a:t>0,75</a:t>
+            </a:r>
+          </a:p>
+          <a:p>
+            <a:pPr marL="457200" lvl="1" indent="457200">
+              <a:buNone/>
+            </a:pPr>
+            <a:endParaRPr lang="ru-RU" sz="4100" b="0" i="0" dirty="0">
+              <a:solidFill>
+                <a:srgbClr val="1A1A1A"/>
+              </a:solidFill>
+              <a:effectLst/>
+              <a:latin typeface="+mj-lt"/>
+              <a:cs typeface="Times New Roman" panose="02020603050405020304" pitchFamily="18" charset="0"/>
+            </a:endParaRPr>
+          </a:p>
+          <a:p>
+            <a:pPr marL="0" indent="457200" algn="l">
+              <a:buNone/>
+            </a:pPr>
+            <a:r>
+              <a:rPr lang="ru-RU" sz="4500" b="1" i="0" dirty="0">
+                <a:solidFill>
+                  <a:srgbClr val="1A1A1A"/>
+                </a:solidFill>
+                <a:effectLst/>
+                <a:latin typeface="+mj-lt"/>
+                <a:cs typeface="Times New Roman" panose="02020603050405020304" pitchFamily="18" charset="0"/>
+              </a:rPr>
+              <a:t>Для символа </a:t>
+            </a:r>
+            <a:r>
+              <a:rPr lang="en-US" sz="4500" b="1" i="0" dirty="0">
+                <a:solidFill>
+                  <a:srgbClr val="1A1A1A"/>
+                </a:solidFill>
+                <a:effectLst/>
+                <a:latin typeface="+mj-lt"/>
+                <a:cs typeface="Times New Roman" panose="02020603050405020304" pitchFamily="18" charset="0"/>
+              </a:rPr>
+              <a:t>“B”</a:t>
+            </a:r>
+            <a:r>
+              <a:rPr lang="ru-RU" sz="4500" b="1" i="0" dirty="0">
+                <a:solidFill>
+                  <a:srgbClr val="1A1A1A"/>
+                </a:solidFill>
+                <a:effectLst/>
+                <a:latin typeface="+mj-lt"/>
+                <a:cs typeface="Times New Roman" panose="02020603050405020304" pitchFamily="18" charset="0"/>
+              </a:rPr>
+              <a:t>:</a:t>
+            </a:r>
+          </a:p>
+          <a:p>
+            <a:pPr marL="457200" lvl="1" indent="457200">
+              <a:buNone/>
+            </a:pPr>
+            <a:r>
+              <a:rPr lang="en-US" sz="4100" dirty="0">
+                <a:solidFill>
+                  <a:srgbClr val="1A1A1A"/>
+                </a:solidFill>
+                <a:latin typeface="+mj-lt"/>
+                <a:cs typeface="Times New Roman" panose="02020603050405020304" pitchFamily="18" charset="0"/>
+              </a:rPr>
+              <a:t>L</a:t>
+            </a:r>
+            <a:r>
+              <a:rPr lang="ru-RU" sz="4100" b="0" i="0" dirty="0">
+                <a:solidFill>
+                  <a:srgbClr val="1A1A1A"/>
+                </a:solidFill>
+                <a:effectLst/>
+                <a:latin typeface="+mj-lt"/>
+                <a:cs typeface="Times New Roman" panose="02020603050405020304" pitchFamily="18" charset="0"/>
+              </a:rPr>
+              <a:t>3= </a:t>
+            </a:r>
+            <a:r>
+              <a:rPr lang="en-US" sz="4100" b="0" i="0" dirty="0">
+                <a:solidFill>
+                  <a:srgbClr val="1A1A1A"/>
+                </a:solidFill>
+                <a:effectLst/>
+                <a:latin typeface="+mj-lt"/>
+                <a:cs typeface="Times New Roman" panose="02020603050405020304" pitchFamily="18" charset="0"/>
+              </a:rPr>
+              <a:t>L</a:t>
+            </a:r>
+            <a:r>
+              <a:rPr lang="ru-RU" sz="4100" b="0" i="0" dirty="0">
+                <a:solidFill>
+                  <a:srgbClr val="1A1A1A"/>
+                </a:solidFill>
+                <a:effectLst/>
+                <a:latin typeface="+mj-lt"/>
+                <a:cs typeface="Times New Roman" panose="02020603050405020304" pitchFamily="18" charset="0"/>
+              </a:rPr>
+              <a:t>2+</a:t>
+            </a:r>
+            <a:r>
+              <a:rPr lang="en-US" sz="4100" b="0" i="0" dirty="0">
+                <a:solidFill>
+                  <a:srgbClr val="1A1A1A"/>
+                </a:solidFill>
+                <a:effectLst/>
+                <a:latin typeface="+mj-lt"/>
+                <a:cs typeface="Times New Roman" panose="02020603050405020304" pitchFamily="18" charset="0"/>
+              </a:rPr>
+              <a:t>L</a:t>
+            </a:r>
+            <a:r>
+              <a:rPr lang="ru-RU" sz="4100" b="0" i="0" dirty="0">
+                <a:solidFill>
+                  <a:srgbClr val="1A1A1A"/>
+                </a:solidFill>
+                <a:effectLst/>
+                <a:latin typeface="+mj-lt"/>
+                <a:cs typeface="Times New Roman" panose="02020603050405020304" pitchFamily="18" charset="0"/>
+              </a:rPr>
+              <a:t>[</a:t>
+            </a:r>
+            <a:r>
+              <a:rPr lang="en-US" sz="4100" dirty="0">
+                <a:solidFill>
+                  <a:srgbClr val="1A1A1A"/>
+                </a:solidFill>
+                <a:latin typeface="+mj-lt"/>
+                <a:cs typeface="Times New Roman" panose="02020603050405020304" pitchFamily="18" charset="0"/>
+              </a:rPr>
+              <a:t>B</a:t>
+            </a:r>
+            <a:r>
+              <a:rPr lang="ru-RU" sz="4100" b="0" i="0" dirty="0">
+                <a:solidFill>
+                  <a:srgbClr val="1A1A1A"/>
+                </a:solidFill>
+                <a:effectLst/>
+                <a:latin typeface="+mj-lt"/>
+                <a:cs typeface="Times New Roman" panose="02020603050405020304" pitchFamily="18" charset="0"/>
+              </a:rPr>
+              <a:t>] (</a:t>
+            </a:r>
+            <a:r>
+              <a:rPr lang="en-US" sz="4100" b="0" i="0" dirty="0">
+                <a:solidFill>
+                  <a:srgbClr val="1A1A1A"/>
+                </a:solidFill>
+                <a:effectLst/>
+                <a:latin typeface="+mj-lt"/>
+                <a:cs typeface="Times New Roman" panose="02020603050405020304" pitchFamily="18" charset="0"/>
+              </a:rPr>
+              <a:t>H</a:t>
+            </a:r>
+            <a:r>
+              <a:rPr lang="ru-RU" sz="4100" b="0" i="0" dirty="0">
+                <a:solidFill>
+                  <a:srgbClr val="1A1A1A"/>
+                </a:solidFill>
+                <a:effectLst/>
+                <a:latin typeface="+mj-lt"/>
+                <a:cs typeface="Times New Roman" panose="02020603050405020304" pitchFamily="18" charset="0"/>
+              </a:rPr>
+              <a:t>2- </a:t>
+            </a:r>
+            <a:r>
+              <a:rPr lang="en-US" sz="4100" dirty="0">
+                <a:solidFill>
+                  <a:srgbClr val="1A1A1A"/>
+                </a:solidFill>
+                <a:latin typeface="+mj-lt"/>
+                <a:cs typeface="Times New Roman" panose="02020603050405020304" pitchFamily="18" charset="0"/>
+              </a:rPr>
+              <a:t>L</a:t>
+            </a:r>
+            <a:r>
+              <a:rPr lang="ru-RU" sz="4100" b="0" i="0" dirty="0">
+                <a:solidFill>
+                  <a:srgbClr val="1A1A1A"/>
+                </a:solidFill>
+                <a:effectLst/>
+                <a:latin typeface="+mj-lt"/>
+                <a:cs typeface="Times New Roman" panose="02020603050405020304" pitchFamily="18" charset="0"/>
+              </a:rPr>
+              <a:t>2) = 0,6875+0,25(0,75-0,6875) =</a:t>
+            </a:r>
+            <a:r>
+              <a:rPr lang="en-US" sz="4100" b="0" i="0" dirty="0">
+                <a:solidFill>
+                  <a:srgbClr val="1A1A1A"/>
+                </a:solidFill>
+                <a:effectLst/>
+                <a:latin typeface="+mj-lt"/>
+                <a:cs typeface="Times New Roman" panose="02020603050405020304" pitchFamily="18" charset="0"/>
+              </a:rPr>
+              <a:t> </a:t>
+            </a:r>
+            <a:r>
+              <a:rPr lang="ru-RU" sz="4100" b="0" i="0" dirty="0">
+                <a:solidFill>
+                  <a:srgbClr val="1A1A1A"/>
+                </a:solidFill>
+                <a:effectLst/>
+                <a:latin typeface="+mj-lt"/>
+                <a:cs typeface="Times New Roman" panose="02020603050405020304" pitchFamily="18" charset="0"/>
+              </a:rPr>
+              <a:t>0,703125</a:t>
+            </a:r>
+          </a:p>
+          <a:p>
+            <a:pPr marL="457200" lvl="1" indent="457200">
+              <a:buNone/>
+            </a:pPr>
+            <a:r>
+              <a:rPr lang="en-US" sz="4100" dirty="0">
+                <a:solidFill>
+                  <a:srgbClr val="1A1A1A"/>
+                </a:solidFill>
+                <a:latin typeface="+mj-lt"/>
+                <a:cs typeface="Times New Roman" panose="02020603050405020304" pitchFamily="18" charset="0"/>
+              </a:rPr>
+              <a:t>H</a:t>
+            </a:r>
+            <a:r>
+              <a:rPr lang="ru-RU" sz="4100" b="0" i="0" dirty="0">
+                <a:solidFill>
+                  <a:srgbClr val="1A1A1A"/>
+                </a:solidFill>
+                <a:effectLst/>
+                <a:latin typeface="+mj-lt"/>
+                <a:cs typeface="Times New Roman" panose="02020603050405020304" pitchFamily="18" charset="0"/>
+              </a:rPr>
+              <a:t>3= </a:t>
+            </a:r>
+            <a:r>
+              <a:rPr lang="en-US" sz="4100" b="0" i="0" dirty="0">
+                <a:solidFill>
+                  <a:srgbClr val="1A1A1A"/>
+                </a:solidFill>
+                <a:effectLst/>
+                <a:latin typeface="+mj-lt"/>
+                <a:cs typeface="Times New Roman" panose="02020603050405020304" pitchFamily="18" charset="0"/>
+              </a:rPr>
+              <a:t>L</a:t>
+            </a:r>
+            <a:r>
+              <a:rPr lang="ru-RU" sz="4100" b="0" i="0" dirty="0">
+                <a:solidFill>
+                  <a:srgbClr val="1A1A1A"/>
+                </a:solidFill>
+                <a:effectLst/>
+                <a:latin typeface="+mj-lt"/>
+                <a:cs typeface="Times New Roman" panose="02020603050405020304" pitchFamily="18" charset="0"/>
+              </a:rPr>
+              <a:t>2+</a:t>
+            </a:r>
+            <a:r>
+              <a:rPr lang="en-US" sz="4100" b="0" i="0" dirty="0">
+                <a:solidFill>
+                  <a:srgbClr val="1A1A1A"/>
+                </a:solidFill>
+                <a:effectLst/>
+                <a:latin typeface="+mj-lt"/>
+                <a:cs typeface="Times New Roman" panose="02020603050405020304" pitchFamily="18" charset="0"/>
+              </a:rPr>
+              <a:t>H</a:t>
+            </a:r>
+            <a:r>
+              <a:rPr lang="ru-RU" sz="4100" b="0" i="0" dirty="0">
+                <a:solidFill>
+                  <a:srgbClr val="1A1A1A"/>
+                </a:solidFill>
+                <a:effectLst/>
+                <a:latin typeface="+mj-lt"/>
+                <a:cs typeface="Times New Roman" panose="02020603050405020304" pitchFamily="18" charset="0"/>
+              </a:rPr>
+              <a:t>[</a:t>
+            </a:r>
+            <a:r>
+              <a:rPr lang="en-US" sz="4100" dirty="0">
+                <a:solidFill>
+                  <a:srgbClr val="1A1A1A"/>
+                </a:solidFill>
+                <a:latin typeface="+mj-lt"/>
+                <a:cs typeface="Times New Roman" panose="02020603050405020304" pitchFamily="18" charset="0"/>
+              </a:rPr>
+              <a:t>B</a:t>
+            </a:r>
+            <a:r>
+              <a:rPr lang="ru-RU" sz="4100" b="0" i="0" dirty="0">
+                <a:solidFill>
+                  <a:srgbClr val="1A1A1A"/>
+                </a:solidFill>
+                <a:effectLst/>
+                <a:latin typeface="+mj-lt"/>
+                <a:cs typeface="Times New Roman" panose="02020603050405020304" pitchFamily="18" charset="0"/>
+              </a:rPr>
+              <a:t>] (</a:t>
+            </a:r>
+            <a:r>
+              <a:rPr lang="en-US" sz="4100" b="0" i="0" dirty="0">
+                <a:solidFill>
+                  <a:srgbClr val="1A1A1A"/>
+                </a:solidFill>
+                <a:effectLst/>
+                <a:latin typeface="+mj-lt"/>
+                <a:cs typeface="Times New Roman" panose="02020603050405020304" pitchFamily="18" charset="0"/>
+              </a:rPr>
+              <a:t>H</a:t>
+            </a:r>
+            <a:r>
+              <a:rPr lang="ru-RU" sz="4100" b="0" i="0" dirty="0">
+                <a:solidFill>
+                  <a:srgbClr val="1A1A1A"/>
+                </a:solidFill>
+                <a:effectLst/>
+                <a:latin typeface="+mj-lt"/>
+                <a:cs typeface="Times New Roman" panose="02020603050405020304" pitchFamily="18" charset="0"/>
+              </a:rPr>
+              <a:t>2- </a:t>
+            </a:r>
+            <a:r>
+              <a:rPr lang="en-US" sz="4100" dirty="0">
+                <a:solidFill>
+                  <a:srgbClr val="1A1A1A"/>
+                </a:solidFill>
+                <a:latin typeface="+mj-lt"/>
+                <a:cs typeface="Times New Roman" panose="02020603050405020304" pitchFamily="18" charset="0"/>
+              </a:rPr>
+              <a:t>L</a:t>
+            </a:r>
+            <a:r>
+              <a:rPr lang="ru-RU" sz="4100" b="0" i="0" dirty="0">
+                <a:solidFill>
+                  <a:srgbClr val="1A1A1A"/>
+                </a:solidFill>
+                <a:effectLst/>
+                <a:latin typeface="+mj-lt"/>
+                <a:cs typeface="Times New Roman" panose="02020603050405020304" pitchFamily="18" charset="0"/>
+              </a:rPr>
+              <a:t>2) =</a:t>
+            </a:r>
+            <a:r>
+              <a:rPr lang="en-US" sz="4100" b="0" i="0" dirty="0">
+                <a:solidFill>
+                  <a:srgbClr val="1A1A1A"/>
+                </a:solidFill>
+                <a:effectLst/>
+                <a:latin typeface="+mj-lt"/>
+                <a:cs typeface="Times New Roman" panose="02020603050405020304" pitchFamily="18" charset="0"/>
+              </a:rPr>
+              <a:t> </a:t>
+            </a:r>
+            <a:r>
+              <a:rPr lang="ru-RU" sz="4100" b="0" i="0" dirty="0">
+                <a:solidFill>
+                  <a:srgbClr val="1A1A1A"/>
+                </a:solidFill>
+                <a:effectLst/>
+                <a:latin typeface="+mj-lt"/>
+                <a:cs typeface="Times New Roman" panose="02020603050405020304" pitchFamily="18" charset="0"/>
+              </a:rPr>
+              <a:t>0,6875+0,5(0,75-0,6875) =</a:t>
+            </a:r>
+            <a:r>
+              <a:rPr lang="en-US" sz="4100" b="0" i="0" dirty="0">
+                <a:solidFill>
+                  <a:srgbClr val="1A1A1A"/>
+                </a:solidFill>
+                <a:effectLst/>
+                <a:latin typeface="+mj-lt"/>
+                <a:cs typeface="Times New Roman" panose="02020603050405020304" pitchFamily="18" charset="0"/>
+              </a:rPr>
+              <a:t> </a:t>
+            </a:r>
+            <a:r>
+              <a:rPr lang="ru-RU" sz="4100" b="0" i="0" dirty="0">
+                <a:solidFill>
+                  <a:srgbClr val="1A1A1A"/>
+                </a:solidFill>
+                <a:effectLst/>
+                <a:latin typeface="+mj-lt"/>
+                <a:cs typeface="Times New Roman" panose="02020603050405020304" pitchFamily="18" charset="0"/>
+              </a:rPr>
+              <a:t>0,7185</a:t>
+            </a:r>
+          </a:p>
+          <a:p>
+            <a:pPr marL="457200" lvl="1" indent="457200">
+              <a:buNone/>
+            </a:pPr>
+            <a:endParaRPr lang="ru-RU" sz="4100" b="0" i="0" dirty="0">
+              <a:solidFill>
+                <a:srgbClr val="1A1A1A"/>
+              </a:solidFill>
+              <a:effectLst/>
+              <a:latin typeface="+mj-lt"/>
+              <a:cs typeface="Times New Roman" panose="02020603050405020304" pitchFamily="18" charset="0"/>
+            </a:endParaRPr>
+          </a:p>
+          <a:p>
+            <a:pPr marL="0" indent="457200" algn="l">
+              <a:buNone/>
+            </a:pPr>
+            <a:r>
+              <a:rPr lang="ru-RU" sz="4500" b="1" i="0" dirty="0">
+                <a:solidFill>
+                  <a:srgbClr val="1A1A1A"/>
+                </a:solidFill>
+                <a:effectLst/>
+                <a:latin typeface="+mj-lt"/>
+                <a:cs typeface="Times New Roman" panose="02020603050405020304" pitchFamily="18" charset="0"/>
+              </a:rPr>
+              <a:t>Для символа </a:t>
+            </a:r>
+            <a:r>
+              <a:rPr lang="en-US" sz="4500" b="1" i="0" dirty="0">
+                <a:solidFill>
+                  <a:srgbClr val="1A1A1A"/>
+                </a:solidFill>
+                <a:effectLst/>
+                <a:latin typeface="+mj-lt"/>
+                <a:cs typeface="Times New Roman" panose="02020603050405020304" pitchFamily="18" charset="0"/>
+              </a:rPr>
+              <a:t>“A”:</a:t>
+            </a:r>
+            <a:endParaRPr lang="ru-RU" sz="4500" b="1" i="0" dirty="0">
+              <a:solidFill>
+                <a:srgbClr val="1A1A1A"/>
+              </a:solidFill>
+              <a:effectLst/>
+              <a:latin typeface="+mj-lt"/>
+              <a:cs typeface="Times New Roman" panose="02020603050405020304" pitchFamily="18" charset="0"/>
+            </a:endParaRPr>
+          </a:p>
+          <a:p>
+            <a:pPr marL="457200" lvl="1" indent="457200">
+              <a:buNone/>
+            </a:pPr>
+            <a:r>
+              <a:rPr lang="en-US" sz="4100" dirty="0">
+                <a:solidFill>
+                  <a:srgbClr val="1A1A1A"/>
+                </a:solidFill>
+                <a:latin typeface="+mj-lt"/>
+                <a:cs typeface="Times New Roman" panose="02020603050405020304" pitchFamily="18" charset="0"/>
+              </a:rPr>
+              <a:t>L</a:t>
+            </a:r>
+            <a:r>
+              <a:rPr lang="ru-RU" sz="4100" b="0" i="0" dirty="0">
+                <a:solidFill>
+                  <a:srgbClr val="1A1A1A"/>
+                </a:solidFill>
+                <a:effectLst/>
+                <a:latin typeface="+mj-lt"/>
+                <a:cs typeface="Times New Roman" panose="02020603050405020304" pitchFamily="18" charset="0"/>
+              </a:rPr>
+              <a:t>4 = </a:t>
+            </a:r>
+            <a:r>
+              <a:rPr lang="en-US" sz="4100" b="0" i="0" dirty="0">
+                <a:solidFill>
+                  <a:srgbClr val="1A1A1A"/>
+                </a:solidFill>
+                <a:effectLst/>
+                <a:latin typeface="+mj-lt"/>
+                <a:cs typeface="Times New Roman" panose="02020603050405020304" pitchFamily="18" charset="0"/>
+              </a:rPr>
+              <a:t>L</a:t>
+            </a:r>
+            <a:r>
+              <a:rPr lang="ru-RU" sz="4100" b="0" i="0" dirty="0">
+                <a:solidFill>
+                  <a:srgbClr val="1A1A1A"/>
+                </a:solidFill>
+                <a:effectLst/>
+                <a:latin typeface="+mj-lt"/>
+                <a:cs typeface="Times New Roman" panose="02020603050405020304" pitchFamily="18" charset="0"/>
+              </a:rPr>
+              <a:t>3+ </a:t>
+            </a:r>
+            <a:r>
+              <a:rPr lang="en-US" sz="4100" b="0" i="0" dirty="0">
+                <a:solidFill>
+                  <a:srgbClr val="1A1A1A"/>
+                </a:solidFill>
+                <a:effectLst/>
+                <a:latin typeface="+mj-lt"/>
+                <a:cs typeface="Times New Roman" panose="02020603050405020304" pitchFamily="18" charset="0"/>
+              </a:rPr>
+              <a:t>L</a:t>
+            </a:r>
+            <a:r>
+              <a:rPr lang="ru-RU" sz="4100" b="0" i="0" dirty="0">
+                <a:solidFill>
+                  <a:srgbClr val="1A1A1A"/>
+                </a:solidFill>
+                <a:effectLst/>
+                <a:latin typeface="+mj-lt"/>
+                <a:cs typeface="Times New Roman" panose="02020603050405020304" pitchFamily="18" charset="0"/>
+              </a:rPr>
+              <a:t>[</a:t>
+            </a:r>
+            <a:r>
+              <a:rPr lang="en-US" sz="4100" dirty="0">
+                <a:solidFill>
+                  <a:srgbClr val="1A1A1A"/>
+                </a:solidFill>
+                <a:latin typeface="+mj-lt"/>
+                <a:cs typeface="Times New Roman" panose="02020603050405020304" pitchFamily="18" charset="0"/>
+              </a:rPr>
+              <a:t>A</a:t>
+            </a:r>
+            <a:r>
+              <a:rPr lang="ru-RU" sz="4100" b="0" i="0" dirty="0">
+                <a:solidFill>
+                  <a:srgbClr val="1A1A1A"/>
+                </a:solidFill>
+                <a:effectLst/>
+                <a:latin typeface="+mj-lt"/>
+                <a:cs typeface="Times New Roman" panose="02020603050405020304" pitchFamily="18" charset="0"/>
+              </a:rPr>
+              <a:t>] (</a:t>
+            </a:r>
+            <a:r>
+              <a:rPr lang="en-US" sz="4100" b="0" i="0" dirty="0">
+                <a:solidFill>
+                  <a:srgbClr val="1A1A1A"/>
+                </a:solidFill>
+                <a:effectLst/>
+                <a:latin typeface="+mj-lt"/>
+                <a:cs typeface="Times New Roman" panose="02020603050405020304" pitchFamily="18" charset="0"/>
+              </a:rPr>
+              <a:t>H</a:t>
+            </a:r>
+            <a:r>
+              <a:rPr lang="ru-RU" sz="4100" b="0" i="0" dirty="0">
+                <a:solidFill>
+                  <a:srgbClr val="1A1A1A"/>
+                </a:solidFill>
+                <a:effectLst/>
+                <a:latin typeface="+mj-lt"/>
+                <a:cs typeface="Times New Roman" panose="02020603050405020304" pitchFamily="18" charset="0"/>
+              </a:rPr>
+              <a:t>3- </a:t>
+            </a:r>
+            <a:r>
+              <a:rPr lang="en-US" sz="4100" dirty="0">
+                <a:solidFill>
+                  <a:srgbClr val="1A1A1A"/>
+                </a:solidFill>
+                <a:latin typeface="+mj-lt"/>
+                <a:cs typeface="Times New Roman" panose="02020603050405020304" pitchFamily="18" charset="0"/>
+              </a:rPr>
+              <a:t>L</a:t>
+            </a:r>
+            <a:r>
+              <a:rPr lang="ru-RU" sz="4100" b="0" i="0" dirty="0">
+                <a:solidFill>
+                  <a:srgbClr val="1A1A1A"/>
+                </a:solidFill>
+                <a:effectLst/>
+                <a:latin typeface="+mj-lt"/>
+                <a:cs typeface="Times New Roman" panose="02020603050405020304" pitchFamily="18" charset="0"/>
+              </a:rPr>
+              <a:t>3) =</a:t>
+            </a:r>
+            <a:r>
+              <a:rPr lang="en-US" sz="4100" b="0" i="0" dirty="0">
+                <a:solidFill>
+                  <a:srgbClr val="1A1A1A"/>
+                </a:solidFill>
+                <a:effectLst/>
+                <a:latin typeface="+mj-lt"/>
+                <a:cs typeface="Times New Roman" panose="02020603050405020304" pitchFamily="18" charset="0"/>
+              </a:rPr>
+              <a:t> </a:t>
+            </a:r>
+            <a:r>
+              <a:rPr lang="ru-RU" sz="4100" b="0" i="0" dirty="0">
+                <a:solidFill>
+                  <a:srgbClr val="1A1A1A"/>
+                </a:solidFill>
+                <a:effectLst/>
+                <a:latin typeface="+mj-lt"/>
+                <a:cs typeface="Times New Roman" panose="02020603050405020304" pitchFamily="18" charset="0"/>
+              </a:rPr>
+              <a:t>0,703125+0(0,71875-0,703125) =</a:t>
+            </a:r>
+            <a:r>
+              <a:rPr lang="en-US" sz="4100" b="0" i="0" dirty="0">
+                <a:solidFill>
+                  <a:srgbClr val="1A1A1A"/>
+                </a:solidFill>
+                <a:effectLst/>
+                <a:latin typeface="+mj-lt"/>
+                <a:cs typeface="Times New Roman" panose="02020603050405020304" pitchFamily="18" charset="0"/>
+              </a:rPr>
+              <a:t> </a:t>
+            </a:r>
+            <a:r>
+              <a:rPr lang="ru-RU" sz="4100" b="0" i="0" dirty="0">
+                <a:solidFill>
+                  <a:srgbClr val="1A1A1A"/>
+                </a:solidFill>
+                <a:effectLst/>
+                <a:latin typeface="+mj-lt"/>
+                <a:cs typeface="Times New Roman" panose="02020603050405020304" pitchFamily="18" charset="0"/>
+              </a:rPr>
+              <a:t>0,703125</a:t>
+            </a:r>
+          </a:p>
+          <a:p>
+            <a:pPr marL="457200" lvl="1" indent="457200">
+              <a:buNone/>
+            </a:pPr>
+            <a:r>
+              <a:rPr lang="en-US" sz="4100" dirty="0">
+                <a:solidFill>
+                  <a:srgbClr val="1A1A1A"/>
+                </a:solidFill>
+                <a:latin typeface="+mj-lt"/>
+                <a:cs typeface="Times New Roman" panose="02020603050405020304" pitchFamily="18" charset="0"/>
+              </a:rPr>
+              <a:t>H</a:t>
+            </a:r>
+            <a:r>
+              <a:rPr lang="ru-RU" sz="4100" b="0" i="0" dirty="0">
+                <a:solidFill>
+                  <a:srgbClr val="1A1A1A"/>
+                </a:solidFill>
+                <a:effectLst/>
+                <a:latin typeface="+mj-lt"/>
+                <a:cs typeface="Times New Roman" panose="02020603050405020304" pitchFamily="18" charset="0"/>
+              </a:rPr>
+              <a:t>4= </a:t>
+            </a:r>
+            <a:r>
+              <a:rPr lang="en-US" sz="4100" b="0" i="0" dirty="0">
+                <a:solidFill>
+                  <a:srgbClr val="1A1A1A"/>
+                </a:solidFill>
+                <a:effectLst/>
+                <a:latin typeface="+mj-lt"/>
+                <a:cs typeface="Times New Roman" panose="02020603050405020304" pitchFamily="18" charset="0"/>
+              </a:rPr>
+              <a:t>L</a:t>
+            </a:r>
+            <a:r>
+              <a:rPr lang="ru-RU" sz="4100" b="0" i="0" dirty="0">
+                <a:solidFill>
+                  <a:srgbClr val="1A1A1A"/>
+                </a:solidFill>
+                <a:effectLst/>
+                <a:latin typeface="+mj-lt"/>
+                <a:cs typeface="Times New Roman" panose="02020603050405020304" pitchFamily="18" charset="0"/>
+              </a:rPr>
+              <a:t>3+</a:t>
+            </a:r>
+            <a:r>
+              <a:rPr lang="en-US" sz="4100" b="0" i="0" dirty="0">
+                <a:solidFill>
+                  <a:srgbClr val="1A1A1A"/>
+                </a:solidFill>
+                <a:effectLst/>
+                <a:latin typeface="+mj-lt"/>
+                <a:cs typeface="Times New Roman" panose="02020603050405020304" pitchFamily="18" charset="0"/>
+              </a:rPr>
+              <a:t>H</a:t>
+            </a:r>
+            <a:r>
+              <a:rPr lang="ru-RU" sz="4100" b="0" i="0" dirty="0">
+                <a:solidFill>
+                  <a:srgbClr val="1A1A1A"/>
+                </a:solidFill>
+                <a:effectLst/>
+                <a:latin typeface="+mj-lt"/>
+                <a:cs typeface="Times New Roman" panose="02020603050405020304" pitchFamily="18" charset="0"/>
+              </a:rPr>
+              <a:t>[</a:t>
+            </a:r>
+            <a:r>
+              <a:rPr lang="en-US" sz="4100" dirty="0">
+                <a:solidFill>
+                  <a:srgbClr val="1A1A1A"/>
+                </a:solidFill>
+                <a:latin typeface="+mj-lt"/>
+                <a:cs typeface="Times New Roman" panose="02020603050405020304" pitchFamily="18" charset="0"/>
+              </a:rPr>
+              <a:t>A</a:t>
+            </a:r>
+            <a:r>
+              <a:rPr lang="ru-RU" sz="4100" b="0" i="0" dirty="0">
+                <a:solidFill>
+                  <a:srgbClr val="1A1A1A"/>
+                </a:solidFill>
+                <a:effectLst/>
+                <a:latin typeface="+mj-lt"/>
+                <a:cs typeface="Times New Roman" panose="02020603050405020304" pitchFamily="18" charset="0"/>
+              </a:rPr>
+              <a:t>] (</a:t>
+            </a:r>
+            <a:r>
+              <a:rPr lang="en-US" sz="4100" b="0" i="0" dirty="0">
+                <a:solidFill>
+                  <a:srgbClr val="1A1A1A"/>
+                </a:solidFill>
+                <a:effectLst/>
+                <a:latin typeface="+mj-lt"/>
+                <a:cs typeface="Times New Roman" panose="02020603050405020304" pitchFamily="18" charset="0"/>
+              </a:rPr>
+              <a:t>H</a:t>
+            </a:r>
+            <a:r>
+              <a:rPr lang="ru-RU" sz="4100" b="0" i="0" dirty="0">
+                <a:solidFill>
+                  <a:srgbClr val="1A1A1A"/>
+                </a:solidFill>
+                <a:effectLst/>
+                <a:latin typeface="+mj-lt"/>
+                <a:cs typeface="Times New Roman" panose="02020603050405020304" pitchFamily="18" charset="0"/>
+              </a:rPr>
+              <a:t>3- </a:t>
+            </a:r>
+            <a:r>
+              <a:rPr lang="en-US" sz="4100" dirty="0">
+                <a:solidFill>
+                  <a:srgbClr val="1A1A1A"/>
+                </a:solidFill>
+                <a:latin typeface="+mj-lt"/>
+                <a:cs typeface="Times New Roman" panose="02020603050405020304" pitchFamily="18" charset="0"/>
+              </a:rPr>
+              <a:t>L</a:t>
+            </a:r>
+            <a:r>
+              <a:rPr lang="ru-RU" sz="4100" b="0" i="0" dirty="0">
+                <a:solidFill>
+                  <a:srgbClr val="1A1A1A"/>
+                </a:solidFill>
+                <a:effectLst/>
+                <a:latin typeface="+mj-lt"/>
+                <a:cs typeface="Times New Roman" panose="02020603050405020304" pitchFamily="18" charset="0"/>
+              </a:rPr>
+              <a:t>3) = 0,703125+0,25(0,71875-0,703125) =</a:t>
+            </a:r>
+            <a:r>
+              <a:rPr lang="en-US" sz="4100" b="0" i="0" dirty="0">
+                <a:solidFill>
+                  <a:srgbClr val="1A1A1A"/>
+                </a:solidFill>
+                <a:effectLst/>
+                <a:latin typeface="+mj-lt"/>
+                <a:cs typeface="Times New Roman" panose="02020603050405020304" pitchFamily="18" charset="0"/>
+              </a:rPr>
+              <a:t> </a:t>
+            </a:r>
+            <a:r>
+              <a:rPr lang="ru-RU" sz="4100" b="0" i="0" dirty="0">
+                <a:solidFill>
+                  <a:srgbClr val="1A1A1A"/>
+                </a:solidFill>
+                <a:effectLst/>
+                <a:latin typeface="+mj-lt"/>
+                <a:cs typeface="Times New Roman" panose="02020603050405020304" pitchFamily="18" charset="0"/>
+              </a:rPr>
+              <a:t>0,7070312</a:t>
+            </a:r>
+          </a:p>
+          <a:p>
+            <a:pPr marL="457200" lvl="1" indent="457200">
+              <a:buNone/>
+            </a:pPr>
+            <a:endParaRPr lang="ru-RU" sz="4100" b="0" i="0" dirty="0">
+              <a:solidFill>
+                <a:srgbClr val="1A1A1A"/>
+              </a:solidFill>
+              <a:effectLst/>
+              <a:latin typeface="+mj-lt"/>
+              <a:cs typeface="Times New Roman" panose="02020603050405020304" pitchFamily="18" charset="0"/>
+            </a:endParaRPr>
+          </a:p>
+          <a:p>
+            <a:pPr marL="0" indent="0" algn="l">
+              <a:buNone/>
+            </a:pPr>
+            <a:r>
+              <a:rPr lang="ru-RU" sz="4500" b="0" i="0" dirty="0">
+                <a:solidFill>
+                  <a:srgbClr val="1A1A1A"/>
+                </a:solidFill>
+                <a:effectLst/>
+                <a:latin typeface="+mj-lt"/>
+                <a:cs typeface="Times New Roman" panose="02020603050405020304" pitchFamily="18" charset="0"/>
+              </a:rPr>
+              <a:t>Таким образом, число 0,703125 однозначно кодирует сообщение «</a:t>
+            </a:r>
+            <a:r>
+              <a:rPr lang="en-US" sz="4500" b="0" i="0" dirty="0">
+                <a:solidFill>
+                  <a:srgbClr val="1A1A1A"/>
+                </a:solidFill>
+                <a:effectLst/>
+                <a:latin typeface="+mj-lt"/>
+                <a:cs typeface="Times New Roman" panose="02020603050405020304" pitchFamily="18" charset="0"/>
+              </a:rPr>
+              <a:t>CEBA</a:t>
+            </a:r>
+            <a:r>
+              <a:rPr lang="ru-RU" sz="4500" b="0" i="0" dirty="0">
+                <a:solidFill>
+                  <a:srgbClr val="1A1A1A"/>
+                </a:solidFill>
+                <a:effectLst/>
+                <a:latin typeface="+mj-lt"/>
+                <a:cs typeface="Times New Roman" panose="02020603050405020304" pitchFamily="18" charset="0"/>
+              </a:rPr>
+              <a:t>».</a:t>
+            </a:r>
+          </a:p>
+          <a:p>
+            <a:pPr marL="0" indent="0" algn="l">
+              <a:buNone/>
+            </a:pPr>
+            <a:endParaRPr lang="ru-RU" sz="2000" b="0" i="0" dirty="0">
+              <a:solidFill>
+                <a:srgbClr val="1A1A1A"/>
+              </a:solidFill>
+              <a:effectLst/>
+              <a:latin typeface="+mj-lt"/>
+              <a:cs typeface="Times New Roman" panose="02020603050405020304" pitchFamily="18" charset="0"/>
+            </a:endParaRPr>
+          </a:p>
+          <a:p>
+            <a:endParaRPr lang="ru-RU" dirty="0"/>
+          </a:p>
+        </p:txBody>
+      </p:sp>
+      <p:pic>
+        <p:nvPicPr>
+          <p:cNvPr id="5" name="Рисунок 4" descr="Фигура органическое натуральное угла">
+            <a:extLst>
+              <a:ext uri="{FF2B5EF4-FFF2-40B4-BE49-F238E27FC236}">
+                <a16:creationId xmlns:a16="http://schemas.microsoft.com/office/drawing/2014/main" id="{BCE2466C-7CB1-C508-0FF7-91AE21F28D19}"/>
+              </a:ext>
+            </a:extLst>
+          </p:cNvPr>
+          <p:cNvPicPr>
+            <a:picLocks noChangeAspect="1"/>
+          </p:cNvPicPr>
+          <p:nvPr/>
+        </p:nvPicPr>
+        <p:blipFill>
+          <a:blip r:embed="rId2">
+            <a:extLst>
+              <a:ext uri="{28A0092B-C50C-407E-A947-70E740481C1C}">
+                <a14:useLocalDpi xmlns:a14="http://schemas.microsoft.com/office/drawing/2010/main" val="0"/>
+              </a:ext>
+              <a:ext uri="{96DAC541-7B7A-43D3-8B79-37D633B846F1}">
+                <asvg:svgBlip xmlns:asvg="http://schemas.microsoft.com/office/drawing/2016/SVG/main" r:embed="rId3"/>
+              </a:ext>
+            </a:extLst>
+          </a:blip>
+          <a:stretch>
+            <a:fillRect/>
+          </a:stretch>
+        </p:blipFill>
+        <p:spPr>
+          <a:xfrm rot="10800000">
+            <a:off x="7620000" y="2286000"/>
+            <a:ext cx="4572000" cy="4572000"/>
+          </a:xfrm>
+          <a:prstGeom prst="rect">
+            <a:avLst/>
+          </a:prstGeom>
+        </p:spPr>
+      </p:pic>
+      <p:sp>
+        <p:nvSpPr>
+          <p:cNvPr id="4" name="Номер слайда 3">
+            <a:extLst>
+              <a:ext uri="{FF2B5EF4-FFF2-40B4-BE49-F238E27FC236}">
+                <a16:creationId xmlns:a16="http://schemas.microsoft.com/office/drawing/2014/main" id="{FD7A0FAF-E21B-A944-D301-5B2103A369D6}"/>
+              </a:ext>
+            </a:extLst>
+          </p:cNvPr>
+          <p:cNvSpPr>
+            <a:spLocks noGrp="1"/>
+          </p:cNvSpPr>
+          <p:nvPr>
+            <p:ph type="sldNum" sz="quarter" idx="12"/>
+          </p:nvPr>
+        </p:nvSpPr>
+        <p:spPr/>
+        <p:txBody>
+          <a:bodyPr/>
+          <a:lstStyle/>
+          <a:p>
+            <a:fld id="{BDD8F850-0430-479C-987D-4AFB6AF3E393}" type="slidenum">
+              <a:rPr lang="ru-RU" sz="2400" smtClean="0">
+                <a:solidFill>
+                  <a:schemeClr val="tx1"/>
+                </a:solidFill>
+              </a:rPr>
+              <a:t>7</a:t>
+            </a:fld>
+            <a:endParaRPr lang="ru-RU" sz="2400" dirty="0">
+              <a:solidFill>
+                <a:schemeClr val="tx1"/>
+              </a:solidFill>
+            </a:endParaRPr>
+          </a:p>
+        </p:txBody>
+      </p:sp>
+    </p:spTree>
+    <p:extLst>
+      <p:ext uri="{BB962C8B-B14F-4D97-AF65-F5344CB8AC3E}">
+        <p14:creationId xmlns:p14="http://schemas.microsoft.com/office/powerpoint/2010/main" val="1760863927"/>
+      </p:ext>
+    </p:extLst>
+  </p:cSld>
+  <p:clrMapOvr>
+    <a:masterClrMapping/>
+  </p:clrMapOvr>
+  <p:transition spd="slow">
+    <p:push/>
+  </p:transition>
+</p:sld>
+</file>
+
+<file path=ppt/slides/slide8.xml><?xml version="1.0" encoding="utf-8"?>
+<p:sld xmlns:a="http://schemas.openxmlformats.org/drawingml/2006/main" xmlns:r="http://schemas.openxmlformats.org/officeDocument/2006/relationships" xmlns:p="http://schemas.openxmlformats.org/presentationml/2006/main">
+  <p:cSld>
+    <p:spTree>
+      <p:nvGrpSpPr>
+        <p:cNvPr id="1" name=""/>
+        <p:cNvGrpSpPr/>
+        <p:nvPr/>
+      </p:nvGrpSpPr>
+      <p:grpSpPr>
+        <a:xfrm>
+          <a:off x="0" y="0"/>
+          <a:ext cx="0" cy="0"/>
+          <a:chOff x="0" y="0"/>
+          <a:chExt cx="0" cy="0"/>
+        </a:xfrm>
+      </p:grpSpPr>
+      <p:sp>
+        <p:nvSpPr>
+          <p:cNvPr id="2" name="Заголовок 1">
+            <a:extLst>
+              <a:ext uri="{FF2B5EF4-FFF2-40B4-BE49-F238E27FC236}">
+                <a16:creationId xmlns:a16="http://schemas.microsoft.com/office/drawing/2014/main" id="{8B4EC07C-6F90-4852-2571-D6A31E77C29F}"/>
+              </a:ext>
+            </a:extLst>
+          </p:cNvPr>
+          <p:cNvSpPr>
+            <a:spLocks noGrp="1"/>
+          </p:cNvSpPr>
+          <p:nvPr>
+            <p:ph type="title"/>
+          </p:nvPr>
+        </p:nvSpPr>
+        <p:spPr/>
+        <p:txBody>
+          <a:bodyPr/>
+          <a:lstStyle/>
+          <a:p>
+            <a:r>
+              <a:rPr lang="ru-RU" dirty="0">
                 <a:cs typeface="Times New Roman" panose="02020603050405020304" pitchFamily="18" charset="0"/>
               </a:rPr>
               <a:t>Итоговая таблица интервалов (границ)</a:t>
@@ -7776,7 +9002,7 @@
           <p:nvPr>
             <p:extLst>
               <p:ext uri="{D42A27DB-BD31-4B8C-83A1-F6EECF244321}">
-                <p14:modId xmlns:p14="http://schemas.microsoft.com/office/powerpoint/2010/main" val="2726341459"/>
+                <p14:modId xmlns:p14="http://schemas.microsoft.com/office/powerpoint/2010/main" val="3572589260"/>
               </p:ext>
             </p:extLst>
           </p:nvPr>
@@ -8188,154 +9414,6 @@
                   <a:schemeClr val="tx1"/>
                 </a:solidFill>
               </a:rPr>
-              <a:t>7</a:t>
-            </a:fld>
-            <a:endParaRPr lang="ru-RU" sz="2400" dirty="0">
-              <a:solidFill>
-                <a:schemeClr val="tx1"/>
-              </a:solidFill>
-            </a:endParaRPr>
-          </a:p>
-        </p:txBody>
-      </p:sp>
-    </p:spTree>
-    <p:extLst>
-      <p:ext uri="{BB962C8B-B14F-4D97-AF65-F5344CB8AC3E}">
-        <p14:creationId xmlns:p14="http://schemas.microsoft.com/office/powerpoint/2010/main" val="2813877738"/>
-      </p:ext>
-    </p:extLst>
-  </p:cSld>
-  <p:clrMapOvr>
-    <a:masterClrMapping/>
-  </p:clrMapOvr>
-  <p:transition spd="slow">
-    <p:push/>
-  </p:transition>
-</p:sld>
-</file>
-
-<file path=ppt/slides/slide8.xml><?xml version="1.0" encoding="utf-8"?>
-<p:sld xmlns:a="http://schemas.openxmlformats.org/drawingml/2006/main" xmlns:r="http://schemas.openxmlformats.org/officeDocument/2006/relationships" xmlns:p="http://schemas.openxmlformats.org/presentationml/2006/main">
-  <p:cSld>
-    <p:spTree>
-      <p:nvGrpSpPr>
-        <p:cNvPr id="1" name=""/>
-        <p:cNvGrpSpPr/>
-        <p:nvPr/>
-      </p:nvGrpSpPr>
-      <p:grpSpPr>
-        <a:xfrm>
-          <a:off x="0" y="0"/>
-          <a:ext cx="0" cy="0"/>
-          <a:chOff x="0" y="0"/>
-          <a:chExt cx="0" cy="0"/>
-        </a:xfrm>
-      </p:grpSpPr>
-      <p:sp>
-        <p:nvSpPr>
-          <p:cNvPr id="2" name="Заголовок 1">
-            <a:extLst>
-              <a:ext uri="{FF2B5EF4-FFF2-40B4-BE49-F238E27FC236}">
-                <a16:creationId xmlns:a16="http://schemas.microsoft.com/office/drawing/2014/main" id="{2342822A-4831-029F-F435-153F8561057E}"/>
-              </a:ext>
-            </a:extLst>
-          </p:cNvPr>
-          <p:cNvSpPr>
-            <a:spLocks noGrp="1"/>
-          </p:cNvSpPr>
-          <p:nvPr>
-            <p:ph type="title"/>
-          </p:nvPr>
-        </p:nvSpPr>
-        <p:spPr>
-          <a:xfrm>
-            <a:off x="838200" y="2444960"/>
-            <a:ext cx="10515600" cy="1325563"/>
-          </a:xfrm>
-        </p:spPr>
-        <p:txBody>
-          <a:bodyPr>
-            <a:normAutofit/>
-          </a:bodyPr>
-          <a:lstStyle/>
-          <a:p>
-            <a:pPr algn="ctr"/>
-            <a:r>
-              <a:rPr lang="ru-RU" sz="4800" dirty="0">
-                <a:latin typeface="Times New Roman" panose="02020603050405020304" pitchFamily="18" charset="0"/>
-                <a:cs typeface="Times New Roman" panose="02020603050405020304" pitchFamily="18" charset="0"/>
-              </a:rPr>
-              <a:t>Тестирование и анализ</a:t>
-            </a:r>
-          </a:p>
-        </p:txBody>
-      </p:sp>
-      <p:pic>
-        <p:nvPicPr>
-          <p:cNvPr id="5" name="Рисунок 4" descr="Фигура органическое натуральное угла">
-            <a:extLst>
-              <a:ext uri="{FF2B5EF4-FFF2-40B4-BE49-F238E27FC236}">
-                <a16:creationId xmlns:a16="http://schemas.microsoft.com/office/drawing/2014/main" id="{2965B820-169E-02FD-BC2E-3EA59C9E0793}"/>
-              </a:ext>
-            </a:extLst>
-          </p:cNvPr>
-          <p:cNvPicPr>
-            <a:picLocks noChangeAspect="1"/>
-          </p:cNvPicPr>
-          <p:nvPr/>
-        </p:nvPicPr>
-        <p:blipFill>
-          <a:blip r:embed="rId2">
-            <a:extLst>
-              <a:ext uri="{28A0092B-C50C-407E-A947-70E740481C1C}">
-                <a14:useLocalDpi xmlns:a14="http://schemas.microsoft.com/office/drawing/2010/main" val="0"/>
-              </a:ext>
-              <a:ext uri="{96DAC541-7B7A-43D3-8B79-37D633B846F1}">
-                <asvg:svgBlip xmlns:asvg="http://schemas.microsoft.com/office/drawing/2016/SVG/main" r:embed="rId3"/>
-              </a:ext>
-            </a:extLst>
-          </a:blip>
-          <a:stretch>
-            <a:fillRect/>
-          </a:stretch>
-        </p:blipFill>
-        <p:spPr>
-          <a:xfrm rot="10800000">
-            <a:off x="7620000" y="2286000"/>
-            <a:ext cx="4572000" cy="4572000"/>
-          </a:xfrm>
-          <a:prstGeom prst="rect">
-            <a:avLst/>
-          </a:prstGeom>
-        </p:spPr>
-      </p:pic>
-      <p:sp>
-        <p:nvSpPr>
-          <p:cNvPr id="4" name="Номер слайда 3">
-            <a:extLst>
-              <a:ext uri="{FF2B5EF4-FFF2-40B4-BE49-F238E27FC236}">
-                <a16:creationId xmlns:a16="http://schemas.microsoft.com/office/drawing/2014/main" id="{07821FB4-8A4E-F21D-A7C5-655E895FA474}"/>
-              </a:ext>
-            </a:extLst>
-          </p:cNvPr>
-          <p:cNvSpPr>
-            <a:spLocks noGrp="1"/>
-          </p:cNvSpPr>
-          <p:nvPr>
-            <p:ph type="sldNum" sz="quarter" idx="12"/>
-          </p:nvPr>
-        </p:nvSpPr>
-        <p:spPr/>
-        <p:txBody>
-          <a:bodyPr/>
-          <a:lstStyle/>
-          <a:p>
-            <a:fld id="{BDD8F850-0430-479C-987D-4AFB6AF3E393}" type="slidenum">
-              <a:rPr lang="ru-RU" sz="2400" smtClean="0">
-                <a:solidFill>
-                  <a:schemeClr val="tx1"/>
-                </a:solidFill>
-              </a:rPr>
               <a:t>8</a:t>
             </a:fld>
             <a:endParaRPr lang="ru-RU" sz="2400" dirty="0">
@@ -8349,7 +9427,7 @@
     </p:spTree>
     <p:extLst>
       <p:ext uri="{BB962C8B-B14F-4D97-AF65-F5344CB8AC3E}">
-        <p14:creationId xmlns:p14="http://schemas.microsoft.com/office/powerpoint/2010/main" val="1834870658"/>
+        <p14:creationId xmlns:p14="http://schemas.microsoft.com/office/powerpoint/2010/main" val="2813877738"/>
       </p:ext>
     </p:extLst>
   </p:cSld>
@@ -8384,7 +9462,7 @@
           <p:cNvPr id="2" name="Заголовок 1">
             <a:extLst>
               <a:ext uri="{FF2B5EF4-FFF2-40B4-BE49-F238E27FC236}">
-                <a16:creationId xmlns:a16="http://schemas.microsoft.com/office/drawing/2014/main" id="{9BD7E179-28BD-E04F-5FBD-0F01B9D7FED1}"/>
+                <a16:creationId xmlns:a16="http://schemas.microsoft.com/office/drawing/2014/main" id="{6335129C-37C7-4A76-5CC1-46ECEFE07725}"/>
               </a:ext>
             </a:extLst>
           </p:cNvPr>
@@ -8402,20 +9480,289 @@
           <a:p>
             <a:r>
               <a:rPr lang="ru-RU" dirty="0">
-                <a:latin typeface="Times New Roman" panose="02020603050405020304" pitchFamily="18" charset="0"/>
-                <a:cs typeface="Times New Roman" panose="02020603050405020304" pitchFamily="18" charset="0"/>
-              </a:rPr>
-              <a:t>Производительность кодирования</a:t>
-            </a:r>
+                <a:cs typeface="Times New Roman" panose="02020603050405020304" pitchFamily="18" charset="0"/>
+              </a:rPr>
+              <a:t>Декодирование</a:t>
+            </a:r>
+            <a:endParaRPr lang="ru-RU" dirty="0"/>
+          </a:p>
+        </p:txBody>
+      </p:sp>
+      <p:sp>
+        <p:nvSpPr>
+          <p:cNvPr id="3" name="Объект 2">
+            <a:extLst>
+              <a:ext uri="{FF2B5EF4-FFF2-40B4-BE49-F238E27FC236}">
+                <a16:creationId xmlns:a16="http://schemas.microsoft.com/office/drawing/2014/main" id="{AF8C58FD-0323-D2AB-6B90-FAC24DC169BA}"/>
+              </a:ext>
+            </a:extLst>
+          </p:cNvPr>
+          <p:cNvSpPr>
+            <a:spLocks noGrp="1"/>
+          </p:cNvSpPr>
+          <p:nvPr>
+            <p:ph idx="1"/>
+          </p:nvPr>
+        </p:nvSpPr>
+        <p:spPr>
+          <a:xfrm>
+            <a:off x="831715" y="1694191"/>
+            <a:ext cx="10416702" cy="4572002"/>
+          </a:xfrm>
+        </p:spPr>
+        <p:txBody>
+          <a:bodyPr>
+            <a:normAutofit/>
+          </a:bodyPr>
+          <a:lstStyle/>
+          <a:p>
+            <a:pPr marL="0" indent="0">
+              <a:buNone/>
+            </a:pPr>
+            <a:r>
+              <a:rPr lang="ru-RU" sz="2000" b="0" i="0" dirty="0">
+                <a:solidFill>
+                  <a:srgbClr val="1A1A1A"/>
+                </a:solidFill>
+                <a:effectLst/>
+                <a:latin typeface="+mj-lt"/>
+                <a:cs typeface="Times New Roman" panose="02020603050405020304" pitchFamily="18" charset="0"/>
+              </a:rPr>
+              <a:t>Декодирование слова «</a:t>
+            </a:r>
+            <a:r>
+              <a:rPr lang="en-US" sz="2000" b="0" i="0" dirty="0">
+                <a:solidFill>
+                  <a:srgbClr val="1A1A1A"/>
+                </a:solidFill>
+                <a:effectLst/>
+                <a:latin typeface="+mj-lt"/>
+                <a:cs typeface="Times New Roman" panose="02020603050405020304" pitchFamily="18" charset="0"/>
+              </a:rPr>
+              <a:t>CEBA</a:t>
+            </a:r>
+            <a:r>
+              <a:rPr lang="ru-RU" sz="2000" b="0" i="0" dirty="0">
+                <a:solidFill>
+                  <a:srgbClr val="1A1A1A"/>
+                </a:solidFill>
+                <a:effectLst/>
+                <a:latin typeface="+mj-lt"/>
+                <a:cs typeface="Times New Roman" panose="02020603050405020304" pitchFamily="18" charset="0"/>
+              </a:rPr>
+              <a:t>»</a:t>
+            </a:r>
+            <a:r>
+              <a:rPr lang="en-US" sz="2000" dirty="0">
+                <a:solidFill>
+                  <a:srgbClr val="1A1A1A"/>
+                </a:solidFill>
+                <a:latin typeface="+mj-lt"/>
+                <a:cs typeface="Times New Roman" panose="02020603050405020304" pitchFamily="18" charset="0"/>
+              </a:rPr>
+              <a:t>.</a:t>
+            </a:r>
+            <a:endParaRPr lang="ru-RU" sz="2000" dirty="0">
+              <a:solidFill>
+                <a:srgbClr val="1A1A1A"/>
+              </a:solidFill>
+              <a:latin typeface="+mj-lt"/>
+              <a:cs typeface="Times New Roman" panose="02020603050405020304" pitchFamily="18" charset="0"/>
+            </a:endParaRPr>
+          </a:p>
+          <a:p>
+            <a:pPr marL="0" indent="0">
+              <a:buNone/>
+            </a:pPr>
+            <a:endParaRPr lang="ru-RU" sz="2000" dirty="0">
+              <a:solidFill>
+                <a:srgbClr val="1A1A1A"/>
+              </a:solidFill>
+              <a:latin typeface="+mj-lt"/>
+              <a:cs typeface="Times New Roman" panose="02020603050405020304" pitchFamily="18" charset="0"/>
+            </a:endParaRPr>
+          </a:p>
+          <a:p>
+            <a:pPr marL="670560" indent="0" algn="just">
+              <a:buNone/>
+            </a:pPr>
+            <a:r>
+              <a:rPr lang="ru-RU" sz="2000" dirty="0">
+                <a:solidFill>
+                  <a:srgbClr val="000000"/>
+                </a:solidFill>
+                <a:effectLst/>
+                <a:latin typeface="+mj-lt"/>
+                <a:ea typeface="Times New Roman" panose="02020603050405020304" pitchFamily="18" charset="0"/>
+              </a:rPr>
+              <a:t>Конечный интервал (0,703125; 0,7070312), который получился после кодирования, принадлежит символу «</a:t>
+            </a:r>
+            <a:r>
+              <a:rPr lang="en-US" sz="2000" dirty="0">
+                <a:solidFill>
+                  <a:srgbClr val="000000"/>
+                </a:solidFill>
+                <a:effectLst/>
+                <a:latin typeface="+mj-lt"/>
+                <a:ea typeface="Times New Roman" panose="02020603050405020304" pitchFamily="18" charset="0"/>
+              </a:rPr>
+              <a:t>C</a:t>
+            </a:r>
+            <a:r>
+              <a:rPr lang="ru-RU" sz="2000" dirty="0">
+                <a:solidFill>
+                  <a:srgbClr val="000000"/>
+                </a:solidFill>
+                <a:effectLst/>
+                <a:latin typeface="+mj-lt"/>
+                <a:ea typeface="Times New Roman" panose="02020603050405020304" pitchFamily="18" charset="0"/>
+              </a:rPr>
+              <a:t>». </a:t>
+            </a:r>
+          </a:p>
+          <a:p>
+            <a:pPr marL="670560" indent="0" algn="just">
+              <a:buNone/>
+            </a:pPr>
+            <a:r>
+              <a:rPr lang="ru-RU" sz="2000" dirty="0">
+                <a:solidFill>
+                  <a:srgbClr val="000000"/>
+                </a:solidFill>
+                <a:effectLst/>
+                <a:latin typeface="+mj-lt"/>
+                <a:ea typeface="Times New Roman" panose="02020603050405020304" pitchFamily="18" charset="0"/>
+              </a:rPr>
+              <a:t>После определения первого символа интервал равен значениям границ «</a:t>
+            </a:r>
+            <a:r>
+              <a:rPr lang="en-US" sz="2000" dirty="0">
+                <a:solidFill>
+                  <a:srgbClr val="000000"/>
+                </a:solidFill>
+                <a:effectLst/>
+                <a:latin typeface="+mj-lt"/>
+                <a:ea typeface="Times New Roman" panose="02020603050405020304" pitchFamily="18" charset="0"/>
+              </a:rPr>
+              <a:t>C</a:t>
+            </a:r>
+            <a:r>
+              <a:rPr lang="ru-RU" sz="2000" dirty="0">
+                <a:solidFill>
+                  <a:srgbClr val="000000"/>
+                </a:solidFill>
+                <a:effectLst/>
+                <a:latin typeface="+mj-lt"/>
+                <a:ea typeface="Times New Roman" panose="02020603050405020304" pitchFamily="18" charset="0"/>
+              </a:rPr>
+              <a:t>» - (0,5; 0,75), в него входит интервал для буквы «</a:t>
+            </a:r>
+            <a:r>
+              <a:rPr lang="en-US" sz="2000" dirty="0">
+                <a:solidFill>
+                  <a:srgbClr val="000000"/>
+                </a:solidFill>
+                <a:effectLst/>
+                <a:latin typeface="+mj-lt"/>
+                <a:ea typeface="Times New Roman" panose="02020603050405020304" pitchFamily="18" charset="0"/>
+              </a:rPr>
+              <a:t>E</a:t>
+            </a:r>
+            <a:r>
+              <a:rPr lang="ru-RU" sz="2000" dirty="0">
+                <a:solidFill>
+                  <a:srgbClr val="000000"/>
+                </a:solidFill>
+                <a:effectLst/>
+                <a:latin typeface="+mj-lt"/>
+                <a:ea typeface="Times New Roman" panose="02020603050405020304" pitchFamily="18" charset="0"/>
+              </a:rPr>
+              <a:t>», который получился после кодирования. Следовательно были декодированы первые два символа «</a:t>
+            </a:r>
+            <a:r>
+              <a:rPr lang="en-US" sz="2000" dirty="0">
+                <a:solidFill>
+                  <a:srgbClr val="000000"/>
+                </a:solidFill>
+                <a:effectLst/>
+                <a:latin typeface="+mj-lt"/>
+                <a:ea typeface="Times New Roman" panose="02020603050405020304" pitchFamily="18" charset="0"/>
+              </a:rPr>
+              <a:t>C</a:t>
+            </a:r>
+            <a:r>
+              <a:rPr lang="ru-RU" sz="2000" dirty="0">
+                <a:solidFill>
+                  <a:srgbClr val="000000"/>
+                </a:solidFill>
+                <a:effectLst/>
+                <a:latin typeface="+mj-lt"/>
+                <a:ea typeface="Times New Roman" panose="02020603050405020304" pitchFamily="18" charset="0"/>
+              </a:rPr>
+              <a:t>» и «</a:t>
+            </a:r>
+            <a:r>
+              <a:rPr lang="en-US" sz="2000" dirty="0">
+                <a:solidFill>
+                  <a:srgbClr val="000000"/>
+                </a:solidFill>
+                <a:effectLst/>
+                <a:latin typeface="+mj-lt"/>
+                <a:ea typeface="Times New Roman" panose="02020603050405020304" pitchFamily="18" charset="0"/>
+              </a:rPr>
+              <a:t>E</a:t>
+            </a:r>
+            <a:r>
+              <a:rPr lang="ru-RU" sz="2000" dirty="0">
+                <a:solidFill>
+                  <a:srgbClr val="000000"/>
+                </a:solidFill>
+                <a:effectLst/>
+                <a:latin typeface="+mj-lt"/>
+                <a:ea typeface="Times New Roman" panose="02020603050405020304" pitchFamily="18" charset="0"/>
+              </a:rPr>
+              <a:t>». </a:t>
+            </a:r>
+            <a:endParaRPr lang="ru-RU" sz="2000" dirty="0">
+              <a:latin typeface="+mj-lt"/>
+              <a:ea typeface="Times New Roman" panose="02020603050405020304" pitchFamily="18" charset="0"/>
+            </a:endParaRPr>
+          </a:p>
+          <a:p>
+            <a:pPr marL="670560" indent="0" algn="just">
+              <a:buNone/>
+            </a:pPr>
+            <a:r>
+              <a:rPr lang="ru-RU" sz="2000" dirty="0">
+                <a:solidFill>
+                  <a:srgbClr val="000000"/>
+                </a:solidFill>
+                <a:effectLst/>
+                <a:latin typeface="+mj-lt"/>
+                <a:ea typeface="Times New Roman" panose="02020603050405020304" pitchFamily="18" charset="0"/>
+              </a:rPr>
+              <a:t>По такой же аналогии расшифровываются остальные символы.</a:t>
+            </a:r>
+            <a:endParaRPr lang="ru-RU" sz="2000" b="0" i="0" dirty="0">
+              <a:solidFill>
+                <a:srgbClr val="1A1A1A"/>
+              </a:solidFill>
+              <a:effectLst/>
+              <a:latin typeface="+mj-lt"/>
+              <a:cs typeface="Times New Roman" panose="02020603050405020304" pitchFamily="18" charset="0"/>
+            </a:endParaRPr>
+          </a:p>
+          <a:p>
+            <a:endParaRPr lang="ru-RU" dirty="0"/>
           </a:p>
         </p:txBody>
       </p:sp>
       <p:pic>
         <p:nvPicPr>
-          <p:cNvPr id="4" name="Рисунок 3" descr="Фигура органическое натуральное угла">
-            <a:extLst>
-              <a:ext uri="{FF2B5EF4-FFF2-40B4-BE49-F238E27FC236}">
-                <a16:creationId xmlns:a16="http://schemas.microsoft.com/office/drawing/2014/main" id="{51BDC4D2-7781-5B6F-755F-99C41E4ABE77}"/>
+          <p:cNvPr id="5" name="Рисунок 4" descr="Фигура органическое натуральное угла">
+            <a:extLst>
+              <a:ext uri="{FF2B5EF4-FFF2-40B4-BE49-F238E27FC236}">
+                <a16:creationId xmlns:a16="http://schemas.microsoft.com/office/drawing/2014/main" id="{BCE2466C-7CB1-C508-0FF7-91AE21F28D19}"/>
               </a:ext>
             </a:extLst>
           </p:cNvPr>
@@ -8449,46 +9796,12 @@
           </a:prstGeom>
         </p:spPr>
       </p:pic>
-      <p:pic>
-        <p:nvPicPr>
-          <p:cNvPr id="17" name="Объект 16">
-            <a:extLst>
-              <a:ext uri="{FF2B5EF4-FFF2-40B4-BE49-F238E27FC236}">
-                <a16:creationId xmlns:a16="http://schemas.microsoft.com/office/drawing/2014/main" id="{AAFBC9B5-A67F-6A61-056A-6750F1AE5840}"/>
-              </a:ext>
-            </a:extLst>
-          </p:cNvPr>
-          <p:cNvPicPr>
-            <a:picLocks noGrp="1" noChangeAspect="1"/>
-          </p:cNvPicPr>
-          <p:nvPr>
-            <p:ph idx="1"/>
-          </p:nvPr>
-        </p:nvPicPr>
-        <p:blipFill>
-          <a:blip r:embed="rId4"/>
-          <a:stretch>
-            <a:fillRect/>
-          </a:stretch>
-        </p:blipFill>
-        <p:spPr>
-          <a:xfrm>
-            <a:off x="2795587" y="2010569"/>
-            <a:ext cx="6600825" cy="3981450"/>
-          </a:xfrm>
-          <a:ln>
-            <a:solidFill>
-              <a:schemeClr val="tx1"/>
-            </a:solidFill>
-          </a:ln>
-        </p:spPr>
-      </p:pic>
-      <p:sp>
-        <p:nvSpPr>
-          <p:cNvPr id="3" name="Номер слайда 2">
-            <a:extLst>
-              <a:ext uri="{FF2B5EF4-FFF2-40B4-BE49-F238E27FC236}">
-                <a16:creationId xmlns:a16="http://schemas.microsoft.com/office/drawing/2014/main" id="{C1159F04-7FF9-EA82-A5A8-1B8E4062DBEA}"/>
+      <p:sp>
+        <p:nvSpPr>
+          <p:cNvPr id="4" name="Номер слайда 3">
+            <a:extLst>
+              <a:ext uri="{FF2B5EF4-FFF2-40B4-BE49-F238E27FC236}">
+                <a16:creationId xmlns:a16="http://schemas.microsoft.com/office/drawing/2014/main" id="{FD7A0FAF-E21B-A944-D301-5B2103A369D6}"/>
               </a:ext>
             </a:extLst>
           </p:cNvPr>
@@ -8512,7 +9825,7 @@
               </a:rPr>
               <a:t>9</a:t>
             </a:fld>
-            <a:endParaRPr lang="ru-RU" dirty="0">
+            <a:endParaRPr lang="ru-RU" sz="2400" dirty="0">
               <a:solidFill>
                 <a:schemeClr val="tx1"/>
               </a:solidFill>
@@ -8523,7 +9836,7 @@
     </p:spTree>
     <p:extLst>
       <p:ext uri="{BB962C8B-B14F-4D97-AF65-F5344CB8AC3E}">
-        <p14:creationId xmlns:p14="http://schemas.microsoft.com/office/powerpoint/2010/main" val="472859838"/>
+        <p14:creationId xmlns:p14="http://schemas.microsoft.com/office/powerpoint/2010/main" val="188948030"/>
       </p:ext>
     </p:extLst>
   </p:cSld>

--- a/Arithmetic coding.pptx
+++ b/Arithmetic coding.pptx
@@ -4687,7 +4687,7 @@
               <a:rPr lang="ru-RU" dirty="0">
                 <a:cs typeface="Times New Roman" panose="02020603050405020304" pitchFamily="18" charset="0"/>
               </a:rPr>
-              <a:t>Анализ времени выполнения</a:t>
+              <a:t>Анализ времени выполнения кодирования</a:t>
             </a:r>
           </a:p>
         </p:txBody>
@@ -4731,12 +4731,139 @@
           </a:prstGeom>
         </p:spPr>
       </p:pic>
+      <p:sp>
+        <p:nvSpPr>
+          <p:cNvPr id="3" name="Номер слайда 2">
+            <a:extLst>
+              <a:ext uri="{FF2B5EF4-FFF2-40B4-BE49-F238E27FC236}">
+                <a16:creationId xmlns:a16="http://schemas.microsoft.com/office/drawing/2014/main" id="{C1159F04-7FF9-EA82-A5A8-1B8E4062DBEA}"/>
+              </a:ext>
+            </a:extLst>
+          </p:cNvPr>
+          <p:cNvSpPr>
+            <a:spLocks noGrp="1"/>
+          </p:cNvSpPr>
+          <p:nvPr>
+            <p:ph type="sldNum" sz="quarter" idx="12"/>
+          </p:nvPr>
+        </p:nvSpPr>
+        <p:spPr/>
+        <p:txBody>
+          <a:bodyPr/>
+          <a:lstStyle/>
+          <a:p>
+            <a:fld id="{BDD8F850-0430-479C-987D-4AFB6AF3E393}" type="slidenum">
+              <a:rPr lang="ru-RU" sz="2400" smtClean="0">
+                <a:solidFill>
+                  <a:schemeClr val="tx1"/>
+                </a:solidFill>
+              </a:rPr>
+              <a:t>11</a:t>
+            </a:fld>
+            <a:endParaRPr lang="ru-RU" dirty="0">
+              <a:solidFill>
+                <a:schemeClr val="tx1"/>
+              </a:solidFill>
+            </a:endParaRPr>
+          </a:p>
+        </p:txBody>
+      </p:sp>
+      <p:sp>
+        <p:nvSpPr>
+          <p:cNvPr id="6" name="TextBox 5">
+            <a:extLst>
+              <a:ext uri="{FF2B5EF4-FFF2-40B4-BE49-F238E27FC236}">
+                <a16:creationId xmlns:a16="http://schemas.microsoft.com/office/drawing/2014/main" id="{9F936593-4E3D-5999-360A-7F7A2B3B85B4}"/>
+              </a:ext>
+            </a:extLst>
+          </p:cNvPr>
+          <p:cNvSpPr txBox="1"/>
+          <p:nvPr/>
+        </p:nvSpPr>
+        <p:spPr>
+          <a:xfrm>
+            <a:off x="965471" y="4893013"/>
+            <a:ext cx="4862208" cy="369332"/>
+          </a:xfrm>
+          <a:prstGeom prst="rect">
+            <a:avLst/>
+          </a:prstGeom>
+          <a:noFill/>
+        </p:spPr>
+        <p:txBody>
+          <a:bodyPr wrap="square" rtlCol="0">
+            <a:spAutoFit/>
+          </a:bodyPr>
+          <a:lstStyle/>
+          <a:p>
+            <a:r>
+              <a:rPr lang="ru-RU" dirty="0">
+                <a:latin typeface="+mj-lt"/>
+                <a:cs typeface="Times New Roman" panose="02020603050405020304" pitchFamily="18" charset="0"/>
+              </a:rPr>
+              <a:t>Рисунок 1 – время выполнения кодирования</a:t>
+            </a:r>
+          </a:p>
+        </p:txBody>
+      </p:sp>
+      <p:sp>
+        <p:nvSpPr>
+          <p:cNvPr id="8" name="TextBox 7">
+            <a:extLst>
+              <a:ext uri="{FF2B5EF4-FFF2-40B4-BE49-F238E27FC236}">
+                <a16:creationId xmlns:a16="http://schemas.microsoft.com/office/drawing/2014/main" id="{B7D72211-FE60-C2D1-5C6B-60AC2917DE6C}"/>
+              </a:ext>
+            </a:extLst>
+          </p:cNvPr>
+          <p:cNvSpPr txBox="1"/>
+          <p:nvPr/>
+        </p:nvSpPr>
+        <p:spPr>
+          <a:xfrm>
+            <a:off x="6210559" y="4873717"/>
+            <a:ext cx="4800082" cy="369332"/>
+          </a:xfrm>
+          <a:prstGeom prst="rect">
+            <a:avLst/>
+          </a:prstGeom>
+          <a:noFill/>
+        </p:spPr>
+        <p:txBody>
+          <a:bodyPr wrap="square">
+            <a:spAutoFit/>
+          </a:bodyPr>
+          <a:lstStyle/>
+          <a:p>
+            <a:r>
+              <a:rPr lang="ru-RU" dirty="0">
+                <a:latin typeface="+mj-lt"/>
+                <a:cs typeface="Times New Roman" panose="02020603050405020304" pitchFamily="18" charset="0"/>
+              </a:rPr>
+              <a:t>Рисунок </a:t>
+            </a:r>
+            <a:r>
+              <a:rPr lang="en-US" dirty="0">
+                <a:latin typeface="+mj-lt"/>
+                <a:cs typeface="Times New Roman" panose="02020603050405020304" pitchFamily="18" charset="0"/>
+              </a:rPr>
+              <a:t>2</a:t>
+            </a:r>
+            <a:r>
+              <a:rPr lang="ru-RU" dirty="0">
+                <a:latin typeface="+mj-lt"/>
+                <a:cs typeface="Times New Roman" panose="02020603050405020304" pitchFamily="18" charset="0"/>
+              </a:rPr>
+              <a:t> – время выполнения декодирования</a:t>
+            </a:r>
+          </a:p>
+        </p:txBody>
+      </p:sp>
       <p:pic>
         <p:nvPicPr>
-          <p:cNvPr id="17" name="Объект 16">
-            <a:extLst>
-              <a:ext uri="{FF2B5EF4-FFF2-40B4-BE49-F238E27FC236}">
-                <a16:creationId xmlns:a16="http://schemas.microsoft.com/office/drawing/2014/main" id="{AAFBC9B5-A67F-6A61-056A-6750F1AE5840}"/>
+          <p:cNvPr id="18" name="Объект 17">
+            <a:extLst>
+              <a:ext uri="{FF2B5EF4-FFF2-40B4-BE49-F238E27FC236}">
+                <a16:creationId xmlns:a16="http://schemas.microsoft.com/office/drawing/2014/main" id="{0255AF44-0F65-B16F-FD1D-D46B9DDAEC0C}"/>
               </a:ext>
             </a:extLst>
           </p:cNvPr>
@@ -4755,8 +4882,8 @@
         </p:blipFill>
         <p:spPr>
           <a:xfrm>
-            <a:off x="965470" y="1826432"/>
-            <a:ext cx="4862209" cy="2932761"/>
+            <a:off x="756326" y="1595655"/>
+            <a:ext cx="5130529" cy="3081266"/>
           </a:xfrm>
           <a:ln>
             <a:solidFill>
@@ -4765,49 +4892,12 @@
           </a:ln>
         </p:spPr>
       </p:pic>
-      <p:sp>
-        <p:nvSpPr>
-          <p:cNvPr id="3" name="Номер слайда 2">
-            <a:extLst>
-              <a:ext uri="{FF2B5EF4-FFF2-40B4-BE49-F238E27FC236}">
-                <a16:creationId xmlns:a16="http://schemas.microsoft.com/office/drawing/2014/main" id="{C1159F04-7FF9-EA82-A5A8-1B8E4062DBEA}"/>
-              </a:ext>
-            </a:extLst>
-          </p:cNvPr>
-          <p:cNvSpPr>
-            <a:spLocks noGrp="1"/>
-          </p:cNvSpPr>
-          <p:nvPr>
-            <p:ph type="sldNum" sz="quarter" idx="12"/>
-          </p:nvPr>
-        </p:nvSpPr>
-        <p:spPr/>
-        <p:txBody>
-          <a:bodyPr/>
-          <a:lstStyle/>
-          <a:p>
-            <a:fld id="{BDD8F850-0430-479C-987D-4AFB6AF3E393}" type="slidenum">
-              <a:rPr lang="ru-RU" sz="2400" smtClean="0">
-                <a:solidFill>
-                  <a:schemeClr val="tx1"/>
-                </a:solidFill>
-              </a:rPr>
-              <a:t>11</a:t>
-            </a:fld>
-            <a:endParaRPr lang="ru-RU" dirty="0">
-              <a:solidFill>
-                <a:schemeClr val="tx1"/>
-              </a:solidFill>
-            </a:endParaRPr>
-          </a:p>
-        </p:txBody>
-      </p:sp>
       <p:pic>
         <p:nvPicPr>
-          <p:cNvPr id="5" name="Объект 5">
-            <a:extLst>
-              <a:ext uri="{FF2B5EF4-FFF2-40B4-BE49-F238E27FC236}">
-                <a16:creationId xmlns:a16="http://schemas.microsoft.com/office/drawing/2014/main" id="{E7423995-E388-A8DB-6E4E-5483289C40D2}"/>
+          <p:cNvPr id="20" name="Рисунок 19">
+            <a:extLst>
+              <a:ext uri="{FF2B5EF4-FFF2-40B4-BE49-F238E27FC236}">
+                <a16:creationId xmlns:a16="http://schemas.microsoft.com/office/drawing/2014/main" id="{C8458BA6-1C72-12EC-F5AD-DDDB1DB26FF5}"/>
               </a:ext>
             </a:extLst>
           </p:cNvPr>
@@ -4824,8 +4914,8 @@
         </p:blipFill>
         <p:spPr>
           <a:xfrm>
-            <a:off x="6210559" y="1826431"/>
-            <a:ext cx="4800082" cy="2932761"/>
+            <a:off x="6095999" y="1595655"/>
+            <a:ext cx="5130529" cy="3093371"/>
           </a:xfrm>
           <a:prstGeom prst="rect">
             <a:avLst/>
@@ -4837,96 +4927,6 @@
           </a:ln>
         </p:spPr>
       </p:pic>
-      <p:sp>
-        <p:nvSpPr>
-          <p:cNvPr id="6" name="TextBox 5">
-            <a:extLst>
-              <a:ext uri="{FF2B5EF4-FFF2-40B4-BE49-F238E27FC236}">
-                <a16:creationId xmlns:a16="http://schemas.microsoft.com/office/drawing/2014/main" id="{9F936593-4E3D-5999-360A-7F7A2B3B85B4}"/>
-              </a:ext>
-            </a:extLst>
-          </p:cNvPr>
-          <p:cNvSpPr txBox="1"/>
-          <p:nvPr/>
-        </p:nvSpPr>
-        <p:spPr>
-          <a:xfrm>
-            <a:off x="965471" y="4893013"/>
-            <a:ext cx="4862208" cy="369332"/>
-          </a:xfrm>
-          <a:prstGeom prst="rect">
-            <a:avLst/>
-          </a:prstGeom>
-          <a:noFill/>
-        </p:spPr>
-        <p:txBody>
-          <a:bodyPr wrap="square" rtlCol="0">
-            <a:spAutoFit/>
-          </a:bodyPr>
-          <a:lstStyle/>
-          <a:p>
-            <a:r>
-              <a:rPr lang="ru-RU" dirty="0">
-                <a:latin typeface="+mj-lt"/>
-                <a:cs typeface="Times New Roman" panose="02020603050405020304" pitchFamily="18" charset="0"/>
-              </a:rPr>
-              <a:t>Рисунок 1 – время выполнения кодирования</a:t>
-            </a:r>
-          </a:p>
-        </p:txBody>
-      </p:sp>
-      <p:sp>
-        <p:nvSpPr>
-          <p:cNvPr id="8" name="TextBox 7">
-            <a:extLst>
-              <a:ext uri="{FF2B5EF4-FFF2-40B4-BE49-F238E27FC236}">
-                <a16:creationId xmlns:a16="http://schemas.microsoft.com/office/drawing/2014/main" id="{B7D72211-FE60-C2D1-5C6B-60AC2917DE6C}"/>
-              </a:ext>
-            </a:extLst>
-          </p:cNvPr>
-          <p:cNvSpPr txBox="1"/>
-          <p:nvPr/>
-        </p:nvSpPr>
-        <p:spPr>
-          <a:xfrm>
-            <a:off x="6210559" y="4873717"/>
-            <a:ext cx="4800082" cy="369332"/>
-          </a:xfrm>
-          <a:prstGeom prst="rect">
-            <a:avLst/>
-          </a:prstGeom>
-          <a:noFill/>
-        </p:spPr>
-        <p:txBody>
-          <a:bodyPr wrap="square">
-            <a:spAutoFit/>
-          </a:bodyPr>
-          <a:lstStyle/>
-          <a:p>
-            <a:r>
-              <a:rPr lang="ru-RU" dirty="0">
-                <a:latin typeface="+mj-lt"/>
-                <a:cs typeface="Times New Roman" panose="02020603050405020304" pitchFamily="18" charset="0"/>
-              </a:rPr>
-              <a:t>Рисунок </a:t>
-            </a:r>
-            <a:r>
-              <a:rPr lang="en-US" dirty="0">
-                <a:latin typeface="+mj-lt"/>
-                <a:cs typeface="Times New Roman" panose="02020603050405020304" pitchFamily="18" charset="0"/>
-              </a:rPr>
-              <a:t>2</a:t>
-            </a:r>
-            <a:r>
-              <a:rPr lang="ru-RU" dirty="0">
-                <a:latin typeface="+mj-lt"/>
-                <a:cs typeface="Times New Roman" panose="02020603050405020304" pitchFamily="18" charset="0"/>
-              </a:rPr>
-              <a:t> – время выполнения декодирования</a:t>
-            </a:r>
-          </a:p>
-        </p:txBody>
-      </p:sp>
     </p:spTree>
     <p:extLst>
       <p:ext uri="{BB962C8B-B14F-4D97-AF65-F5344CB8AC3E}">

--- a/Arithmetic coding.pptx
+++ b/Arithmetic coding.pptx
@@ -4092,6 +4092,28 @@
               <a:t>Реализация алгоритма состоит из 4 функций (</a:t>
             </a:r>
             <a:r>
+              <a:rPr lang="ru-RU" sz="1800" b="1" i="1" dirty="0" err="1">
+                <a:solidFill>
+                  <a:srgbClr val="000000"/>
+                </a:solidFill>
+                <a:effectLst/>
+                <a:latin typeface="+mj-lt"/>
+                <a:ea typeface="Calibri" panose="020F0502020204030204" pitchFamily="34" charset="0"/>
+              </a:rPr>
+              <a:t>ge</a:t>
+            </a:r>
+            <a:r>
+              <a:rPr lang="en-US" sz="1800" b="1" i="1" dirty="0" err="1">
+                <a:solidFill>
+                  <a:srgbClr val="000000"/>
+                </a:solidFill>
+                <a:effectLst/>
+                <a:latin typeface="+mj-lt"/>
+                <a:ea typeface="Calibri" panose="020F0502020204030204" pitchFamily="34" charset="0"/>
+              </a:rPr>
+              <a:t>nerate</a:t>
+            </a:r>
+            <a:r>
               <a:rPr lang="ru-RU" sz="1800" b="1" i="1" dirty="0">
                 <a:solidFill>
                   <a:srgbClr val="000000"/>
@@ -4100,7 +4122,29 @@
                 <a:latin typeface="+mj-lt"/>
                 <a:ea typeface="Calibri" panose="020F0502020204030204" pitchFamily="34" charset="0"/>
               </a:rPr>
-              <a:t>get_number (), get_code (), coding (), </a:t>
+              <a:t>(), </a:t>
+            </a:r>
+            <a:r>
+              <a:rPr lang="en-US" sz="1800" b="1" i="1" dirty="0">
+                <a:solidFill>
+                  <a:srgbClr val="000000"/>
+                </a:solidFill>
+                <a:effectLst/>
+                <a:latin typeface="+mj-lt"/>
+                <a:ea typeface="Calibri" panose="020F0502020204030204" pitchFamily="34" charset="0"/>
+              </a:rPr>
+              <a:t>coding</a:t>
+            </a:r>
+            <a:r>
+              <a:rPr lang="ru-RU" sz="1800" b="1" i="1" dirty="0">
+                <a:solidFill>
+                  <a:srgbClr val="000000"/>
+                </a:solidFill>
+                <a:effectLst/>
+                <a:latin typeface="+mj-lt"/>
+                <a:ea typeface="Calibri" panose="020F0502020204030204" pitchFamily="34" charset="0"/>
+              </a:rPr>
+              <a:t>(), coding (), </a:t>
             </a:r>
             <a:r>
               <a:rPr lang="en-US" sz="1800" b="1" i="1" dirty="0">
@@ -4187,7 +4231,7 @@
                 <a:latin typeface="+mj-lt"/>
                 <a:ea typeface="Times New Roman" panose="02020603050405020304" pitchFamily="18" charset="0"/>
               </a:rPr>
-              <a:t>get_number () </a:t>
+              <a:t>generate() </a:t>
             </a:r>
             <a:r>
               <a:rPr lang="en-US" sz="1800" dirty="0">
@@ -4201,19 +4245,17 @@
             </a:r>
             <a:r>
               <a:rPr lang="ru-RU" sz="1800" dirty="0">
-                <a:solidFill>
-                  <a:srgbClr val="000000"/>
-                </a:solidFill>
-                <a:effectLst/>
-                <a:latin typeface="+mj-lt"/>
-                <a:ea typeface="Calibri" panose="020F0502020204030204" pitchFamily="34" charset="0"/>
-              </a:rPr>
-              <a:t>возвращает символы и их вероятности, которые программа получает на ввод с клавиатуры.</a:t>
+                <a:latin typeface="+mj-lt"/>
+              </a:rPr>
+              <a:t>составление алфавита, подсчёт вероятности, вычисление границ</a:t>
+            </a:r>
+            <a:r>
+              <a:rPr lang="en-US" sz="1800" dirty="0">
+                <a:latin typeface="+mj-lt"/>
+              </a:rPr>
+              <a:t>.</a:t>
             </a:r>
             <a:endParaRPr lang="en-US" sz="1800" dirty="0">
-              <a:solidFill>
-                <a:srgbClr val="000000"/>
-              </a:solidFill>
               <a:effectLst/>
               <a:latin typeface="+mj-lt"/>
               <a:ea typeface="Calibri" panose="020F0502020204030204" pitchFamily="34" charset="0"/>
@@ -4238,7 +4280,7 @@
                 <a:latin typeface="+mj-lt"/>
                 <a:ea typeface="Calibri" panose="020F0502020204030204" pitchFamily="34" charset="0"/>
               </a:rPr>
-              <a:t>get</a:t>
+              <a:t>coding</a:t>
             </a:r>
             <a:r>
               <a:rPr lang="ru-RU" sz="1800" b="1" i="1" dirty="0">
@@ -4249,10 +4291,10 @@
                 <a:latin typeface="+mj-lt"/>
                 <a:ea typeface="Calibri" panose="020F0502020204030204" pitchFamily="34" charset="0"/>
               </a:rPr>
-              <a:t>_</a:t>
-            </a:r>
-            <a:r>
-              <a:rPr lang="en-US" sz="1800" b="1" i="1" dirty="0">
+              <a:t>()</a:t>
+            </a:r>
+            <a:r>
+              <a:rPr lang="ru-RU" sz="1800" dirty="0">
                 <a:solidFill>
                   <a:srgbClr val="000000"/>
                 </a:solidFill>
@@ -4260,10 +4302,10 @@
                 <a:latin typeface="+mj-lt"/>
                 <a:ea typeface="Calibri" panose="020F0502020204030204" pitchFamily="34" charset="0"/>
               </a:rPr>
-              <a:t>code</a:t>
-            </a:r>
-            <a:r>
-              <a:rPr lang="ru-RU" sz="1800" b="1" i="1" dirty="0">
+              <a:t> </a:t>
+            </a:r>
+            <a:r>
+              <a:rPr lang="en-US" sz="1800" dirty="0">
                 <a:solidFill>
                   <a:srgbClr val="000000"/>
                 </a:solidFill>
@@ -4271,10 +4313,16 @@
                 <a:latin typeface="+mj-lt"/>
                 <a:ea typeface="Calibri" panose="020F0502020204030204" pitchFamily="34" charset="0"/>
               </a:rPr>
-              <a:t> ()</a:t>
+              <a:t>– </a:t>
             </a:r>
             <a:r>
               <a:rPr lang="ru-RU" sz="1800" dirty="0">
+                <a:latin typeface="+mj-lt"/>
+              </a:rPr>
+              <a:t>функция кодирования </a:t>
+            </a:r>
+            <a:r>
+              <a:rPr lang="ru-RU" sz="1800" dirty="0">
                 <a:solidFill>
                   <a:srgbClr val="000000"/>
                 </a:solidFill>
@@ -4282,62 +4330,11 @@
                 <a:latin typeface="+mj-lt"/>
                 <a:ea typeface="Calibri" panose="020F0502020204030204" pitchFamily="34" charset="0"/>
               </a:rPr>
-              <a:t> </a:t>
-            </a:r>
-            <a:r>
-              <a:rPr lang="en-US" sz="1800" dirty="0">
-                <a:solidFill>
-                  <a:srgbClr val="000000"/>
-                </a:solidFill>
-                <a:effectLst/>
-                <a:latin typeface="+mj-lt"/>
-                <a:ea typeface="Calibri" panose="020F0502020204030204" pitchFamily="34" charset="0"/>
-              </a:rPr>
-              <a:t>– </a:t>
-            </a:r>
-            <a:r>
-              <a:rPr lang="ru-RU" sz="1800" dirty="0">
-                <a:solidFill>
-                  <a:srgbClr val="000000"/>
-                </a:solidFill>
-                <a:latin typeface="+mj-lt"/>
-                <a:ea typeface="Calibri" panose="020F0502020204030204" pitchFamily="34" charset="0"/>
-              </a:rPr>
-              <a:t>получает на</a:t>
-            </a:r>
-            <a:r>
-              <a:rPr lang="ru-RU" sz="1800" dirty="0">
-                <a:solidFill>
-                  <a:srgbClr val="000000"/>
-                </a:solidFill>
-                <a:effectLst/>
-                <a:latin typeface="+mj-lt"/>
-                <a:ea typeface="Calibri" panose="020F0502020204030204" pitchFamily="34" charset="0"/>
-              </a:rPr>
-              <a:t> ввод длину кодируемого текста, чтобы программа знала, когда ей остановиться</a:t>
-            </a:r>
-            <a:r>
-              <a:rPr lang="en-US" sz="1800" dirty="0">
-                <a:solidFill>
-                  <a:srgbClr val="000000"/>
-                </a:solidFill>
-                <a:effectLst/>
-                <a:latin typeface="+mj-lt"/>
-                <a:ea typeface="Calibri" panose="020F0502020204030204" pitchFamily="34" charset="0"/>
-              </a:rPr>
-              <a:t> </a:t>
-            </a:r>
-            <a:r>
-              <a:rPr lang="ru-RU" sz="1800" dirty="0">
-                <a:solidFill>
-                  <a:srgbClr val="000000"/>
-                </a:solidFill>
-                <a:effectLst/>
-                <a:latin typeface="+mj-lt"/>
-                <a:ea typeface="Calibri" panose="020F0502020204030204" pitchFamily="34" charset="0"/>
-              </a:rPr>
-              <a:t>и получает на ввод сам текст, который нам нужно закодировать.</a:t>
-            </a:r>
+              <a:t>текста, который введён. </a:t>
+            </a:r>
+            <a:endParaRPr lang="en-US" sz="1800" dirty="0">
+              <a:latin typeface="+mj-lt"/>
+            </a:endParaRPr>
           </a:p>
           <a:p>
             <a:pPr marL="914400" lvl="1" indent="0">
@@ -4358,7 +4355,7 @@
                 <a:latin typeface="+mj-lt"/>
                 <a:ea typeface="Calibri" panose="020F0502020204030204" pitchFamily="34" charset="0"/>
               </a:rPr>
-              <a:t>coding</a:t>
+              <a:t>decoding</a:t>
             </a:r>
             <a:r>
               <a:rPr lang="ru-RU" sz="1800" b="1" i="1" dirty="0">
@@ -4369,48 +4366,18 @@
                 <a:latin typeface="+mj-lt"/>
                 <a:ea typeface="Calibri" panose="020F0502020204030204" pitchFamily="34" charset="0"/>
               </a:rPr>
-              <a:t> () </a:t>
-            </a:r>
-            <a:r>
-              <a:rPr lang="ru-RU" sz="1800" b="1" i="1" dirty="0">
+              <a:t> () – </a:t>
+            </a:r>
+            <a:r>
+              <a:rPr lang="ru-RU" sz="1800" dirty="0">
                 <a:solidFill>
                   <a:srgbClr val="000000"/>
                 </a:solidFill>
+                <a:effectLst/>
                 <a:latin typeface="+mj-lt"/>
                 <a:ea typeface="Calibri" panose="020F0502020204030204" pitchFamily="34" charset="0"/>
               </a:rPr>
-              <a:t>– </a:t>
-            </a:r>
-            <a:r>
-              <a:rPr lang="ru-RU" sz="1800" dirty="0">
-                <a:solidFill>
-                  <a:srgbClr val="000000"/>
-                </a:solidFill>
-                <a:latin typeface="+mj-lt"/>
-                <a:ea typeface="Calibri" panose="020F0502020204030204" pitchFamily="34" charset="0"/>
-              </a:rPr>
-              <a:t>выполняет</a:t>
-            </a:r>
-            <a:r>
-              <a:rPr lang="ru-RU" sz="1800" b="1" i="1" dirty="0">
-                <a:solidFill>
-                  <a:srgbClr val="000000"/>
-                </a:solidFill>
-                <a:latin typeface="+mj-lt"/>
-                <a:ea typeface="Calibri" panose="020F0502020204030204" pitchFamily="34" charset="0"/>
-              </a:rPr>
-              <a:t> </a:t>
-            </a:r>
-            <a:r>
-              <a:rPr lang="ru-RU" sz="1800" dirty="0">
-                <a:solidFill>
-                  <a:srgbClr val="000000"/>
-                </a:solidFill>
-                <a:effectLst/>
-                <a:latin typeface="+mj-lt"/>
-                <a:ea typeface="Calibri" panose="020F0502020204030204" pitchFamily="34" charset="0"/>
-              </a:rPr>
-              <a:t>само кодирование текста, который введён. </a:t>
+              <a:t>выполняет декодирование нашего сообщения. </a:t>
             </a:r>
           </a:p>
           <a:p>
@@ -4432,7 +4399,7 @@
                 <a:latin typeface="+mj-lt"/>
                 <a:ea typeface="Calibri" panose="020F0502020204030204" pitchFamily="34" charset="0"/>
               </a:rPr>
-              <a:t>decoding</a:t>
+              <a:t>main</a:t>
             </a:r>
             <a:r>
               <a:rPr lang="ru-RU" sz="1800" b="1" i="1" dirty="0">
@@ -4443,7 +4410,17 @@
                 <a:latin typeface="+mj-lt"/>
                 <a:ea typeface="Calibri" panose="020F0502020204030204" pitchFamily="34" charset="0"/>
               </a:rPr>
-              <a:t> () – </a:t>
+              <a:t> ()</a:t>
+            </a:r>
+            <a:r>
+              <a:rPr lang="ru-RU" sz="1800" b="1" i="1" dirty="0">
+                <a:solidFill>
+                  <a:srgbClr val="000000"/>
+                </a:solidFill>
+                <a:latin typeface="+mj-lt"/>
+                <a:ea typeface="Calibri" panose="020F0502020204030204" pitchFamily="34" charset="0"/>
+              </a:rPr>
+              <a:t> – </a:t>
             </a:r>
             <a:r>
               <a:rPr lang="ru-RU" sz="1800" dirty="0">
@@ -4454,8 +4431,13 @@
                 <a:latin typeface="+mj-lt"/>
                 <a:ea typeface="Calibri" panose="020F0502020204030204" pitchFamily="34" charset="0"/>
               </a:rPr>
-              <a:t>выполняет декодирование нашего сообщения. </a:t>
-            </a:r>
+              <a:t>отвечает за вызов всех функций.</a:t>
+            </a:r>
+            <a:endParaRPr lang="ru-RU" sz="1800" dirty="0">
+              <a:effectLst/>
+              <a:latin typeface="+mj-lt"/>
+              <a:ea typeface="Times New Roman" panose="02020603050405020304" pitchFamily="18" charset="0"/>
+            </a:endParaRPr>
           </a:p>
           <a:p>
             <a:pPr marL="914400" lvl="1" indent="0">
@@ -4467,65 +4449,6 @@
               </a:spcBef>
               <a:buNone/>
             </a:pPr>
-            <a:r>
-              <a:rPr lang="en-US" sz="1800" b="1" i="1" dirty="0">
-                <a:solidFill>
-                  <a:srgbClr val="000000"/>
-                </a:solidFill>
-                <a:effectLst/>
-                <a:latin typeface="+mj-lt"/>
-                <a:ea typeface="Calibri" panose="020F0502020204030204" pitchFamily="34" charset="0"/>
-              </a:rPr>
-              <a:t>main</a:t>
-            </a:r>
-            <a:r>
-              <a:rPr lang="ru-RU" sz="1800" b="1" i="1" dirty="0">
-                <a:solidFill>
-                  <a:srgbClr val="000000"/>
-                </a:solidFill>
-                <a:effectLst/>
-                <a:latin typeface="+mj-lt"/>
-                <a:ea typeface="Calibri" panose="020F0502020204030204" pitchFamily="34" charset="0"/>
-              </a:rPr>
-              <a:t> ()</a:t>
-            </a:r>
-            <a:r>
-              <a:rPr lang="ru-RU" sz="1800" b="1" i="1" dirty="0">
-                <a:solidFill>
-                  <a:srgbClr val="000000"/>
-                </a:solidFill>
-                <a:latin typeface="+mj-lt"/>
-                <a:ea typeface="Calibri" panose="020F0502020204030204" pitchFamily="34" charset="0"/>
-              </a:rPr>
-              <a:t> – </a:t>
-            </a:r>
-            <a:r>
-              <a:rPr lang="ru-RU" sz="1800" dirty="0">
-                <a:solidFill>
-                  <a:srgbClr val="000000"/>
-                </a:solidFill>
-                <a:effectLst/>
-                <a:latin typeface="+mj-lt"/>
-                <a:ea typeface="Calibri" panose="020F0502020204030204" pitchFamily="34" charset="0"/>
-              </a:rPr>
-              <a:t>отвечает за вызов всех функций.</a:t>
-            </a:r>
-            <a:endParaRPr lang="ru-RU" sz="1800" dirty="0">
-              <a:effectLst/>
-              <a:latin typeface="+mj-lt"/>
-              <a:ea typeface="Times New Roman" panose="02020603050405020304" pitchFamily="18" charset="0"/>
-            </a:endParaRPr>
-          </a:p>
-          <a:p>
-            <a:pPr marL="914400" lvl="1" indent="0">
-              <a:lnSpc>
-                <a:spcPct val="130000"/>
-              </a:lnSpc>
-              <a:spcBef>
-                <a:spcPts val="0"/>
-              </a:spcBef>
-              <a:buNone/>
-            </a:pPr>
             <a:endParaRPr lang="ru-RU" sz="1600" dirty="0">
               <a:effectLst/>
               <a:latin typeface="Times New Roman" panose="02020603050405020304" pitchFamily="18" charset="0"/>
@@ -4584,7 +4507,7 @@
         </p:blipFill>
         <p:spPr>
           <a:xfrm rot="10800000">
-            <a:off x="7620000" y="2299916"/>
+            <a:off x="7620000" y="2286000"/>
             <a:ext cx="4572000" cy="4572000"/>
           </a:xfrm>
           <a:prstGeom prst="rect">
